--- a/Slides/Abdullah Yıldız.pptx
+++ b/Slides/Abdullah Yıldız.pptx
@@ -9,12 +9,20 @@
     <p:sldId id="262" r:id="rId3"/>
     <p:sldId id="263" r:id="rId4"/>
     <p:sldId id="265" r:id="rId5"/>
-    <p:sldId id="264" r:id="rId6"/>
-    <p:sldId id="266" r:id="rId7"/>
-    <p:sldId id="257" r:id="rId8"/>
-    <p:sldId id="258" r:id="rId9"/>
-    <p:sldId id="259" r:id="rId10"/>
-    <p:sldId id="260" r:id="rId11"/>
+    <p:sldId id="266" r:id="rId6"/>
+    <p:sldId id="270" r:id="rId7"/>
+    <p:sldId id="271" r:id="rId8"/>
+    <p:sldId id="273" r:id="rId9"/>
+    <p:sldId id="272" r:id="rId10"/>
+    <p:sldId id="274" r:id="rId11"/>
+    <p:sldId id="269" r:id="rId12"/>
+    <p:sldId id="264" r:id="rId13"/>
+    <p:sldId id="267" r:id="rId14"/>
+    <p:sldId id="268" r:id="rId15"/>
+    <p:sldId id="257" r:id="rId16"/>
+    <p:sldId id="258" r:id="rId17"/>
+    <p:sldId id="259" r:id="rId18"/>
+    <p:sldId id="260" r:id="rId19"/>
   </p:sldIdLst>
   <p:sldSz cx="12192000" cy="6858000"/>
   <p:notesSz cx="6858000" cy="9144000"/>
@@ -113,6 +121,11 @@
       </a:defRPr>
     </a:lvl9pPr>
   </p:defaultTextStyle>
+  <p:extLst>
+    <p:ext uri="{EFAFB233-063F-42B5-8137-9DF3F51BA10A}">
+      <p15:sldGuideLst xmlns:p15="http://schemas.microsoft.com/office/powerpoint/2012/main"/>
+    </p:ext>
+  </p:extLst>
 </p:presentation>
 </file>
 
@@ -342,7 +355,7 @@
           <a:p>
             <a:fld id="{BAAFB08A-6EA4-4239-B3C7-558C59471976}" type="datetimeFigureOut">
               <a:rPr lang="en-US" smtClean="0"/>
-              <a:t>5/9/2020</a:t>
+              <a:t>5/10/2020</a:t>
             </a:fld>
             <a:endParaRPr lang="en-US"/>
           </a:p>
@@ -550,7 +563,7 @@
           <a:p>
             <a:fld id="{BAAFB08A-6EA4-4239-B3C7-558C59471976}" type="datetimeFigureOut">
               <a:rPr lang="en-US" smtClean="0"/>
-              <a:t>5/9/2020</a:t>
+              <a:t>5/10/2020</a:t>
             </a:fld>
             <a:endParaRPr lang="en-US"/>
           </a:p>
@@ -806,7 +819,7 @@
           <a:p>
             <a:fld id="{BAAFB08A-6EA4-4239-B3C7-558C59471976}" type="datetimeFigureOut">
               <a:rPr lang="en-US" smtClean="0"/>
-              <a:t>5/9/2020</a:t>
+              <a:t>5/10/2020</a:t>
             </a:fld>
             <a:endParaRPr lang="en-US"/>
           </a:p>
@@ -980,7 +993,7 @@
           <a:p>
             <a:fld id="{BAAFB08A-6EA4-4239-B3C7-558C59471976}" type="datetimeFigureOut">
               <a:rPr lang="en-US" smtClean="0"/>
-              <a:t>5/9/2020</a:t>
+              <a:t>5/10/2020</a:t>
             </a:fld>
             <a:endParaRPr lang="en-US"/>
           </a:p>
@@ -1323,7 +1336,7 @@
           <a:p>
             <a:fld id="{BAAFB08A-6EA4-4239-B3C7-558C59471976}" type="datetimeFigureOut">
               <a:rPr lang="en-US" smtClean="0"/>
-              <a:t>5/9/2020</a:t>
+              <a:t>5/10/2020</a:t>
             </a:fld>
             <a:endParaRPr lang="en-US"/>
           </a:p>
@@ -1598,7 +1611,7 @@
           <a:p>
             <a:fld id="{BAAFB08A-6EA4-4239-B3C7-558C59471976}" type="datetimeFigureOut">
               <a:rPr lang="en-US" smtClean="0"/>
-              <a:t>5/9/2020</a:t>
+              <a:t>5/10/2020</a:t>
             </a:fld>
             <a:endParaRPr lang="en-US"/>
           </a:p>
@@ -1977,7 +1990,7 @@
           <a:p>
             <a:fld id="{BAAFB08A-6EA4-4239-B3C7-558C59471976}" type="datetimeFigureOut">
               <a:rPr lang="en-US" smtClean="0"/>
-              <a:t>5/9/2020</a:t>
+              <a:t>5/10/2020</a:t>
             </a:fld>
             <a:endParaRPr lang="en-US"/>
           </a:p>
@@ -2095,7 +2108,7 @@
           <a:p>
             <a:fld id="{BAAFB08A-6EA4-4239-B3C7-558C59471976}" type="datetimeFigureOut">
               <a:rPr lang="en-US" smtClean="0"/>
-              <a:t>5/9/2020</a:t>
+              <a:t>5/10/2020</a:t>
             </a:fld>
             <a:endParaRPr lang="en-US"/>
           </a:p>
@@ -2266,7 +2279,7 @@
           <a:p>
             <a:fld id="{BAAFB08A-6EA4-4239-B3C7-558C59471976}" type="datetimeFigureOut">
               <a:rPr lang="en-US" smtClean="0"/>
-              <a:t>5/9/2020</a:t>
+              <a:t>5/10/2020</a:t>
             </a:fld>
             <a:endParaRPr lang="en-US"/>
           </a:p>
@@ -2620,7 +2633,7 @@
           <a:p>
             <a:fld id="{BAAFB08A-6EA4-4239-B3C7-558C59471976}" type="datetimeFigureOut">
               <a:rPr lang="en-US" smtClean="0"/>
-              <a:t>5/9/2020</a:t>
+              <a:t>5/10/2020</a:t>
             </a:fld>
             <a:endParaRPr lang="en-US"/>
           </a:p>
@@ -3002,7 +3015,7 @@
           <a:p>
             <a:fld id="{BAAFB08A-6EA4-4239-B3C7-558C59471976}" type="datetimeFigureOut">
               <a:rPr lang="en-US" smtClean="0"/>
-              <a:t>5/9/2020</a:t>
+              <a:t>5/10/2020</a:t>
             </a:fld>
             <a:endParaRPr lang="en-US"/>
           </a:p>
@@ -3289,7 +3302,7 @@
           <a:p>
             <a:fld id="{BAAFB08A-6EA4-4239-B3C7-558C59471976}" type="datetimeFigureOut">
               <a:rPr lang="en-US" smtClean="0"/>
-              <a:t>5/9/2020</a:t>
+              <a:t>5/10/2020</a:t>
             </a:fld>
             <a:endParaRPr lang="en-US"/>
           </a:p>
@@ -3950,6 +3963,2274 @@
           <p:cNvPr id="2" name="Title 1">
             <a:extLst>
               <a:ext uri="{FF2B5EF4-FFF2-40B4-BE49-F238E27FC236}">
+                <a16:creationId xmlns:a16="http://schemas.microsoft.com/office/drawing/2014/main" id="{369CA4F0-7F76-4DC7-A47D-BD061E0C6AF6}"/>
+              </a:ext>
+            </a:extLst>
+          </p:cNvPr>
+          <p:cNvSpPr>
+            <a:spLocks noGrp="1"/>
+          </p:cNvSpPr>
+          <p:nvPr>
+            <p:ph type="title"/>
+          </p:nvPr>
+        </p:nvSpPr>
+        <p:spPr/>
+        <p:txBody>
+          <a:bodyPr/>
+          <a:lstStyle/>
+          <a:p>
+            <a:r>
+              <a:rPr lang="tr-TR" dirty="0" err="1"/>
+              <a:t>Performance</a:t>
+            </a:r>
+            <a:r>
+              <a:rPr lang="tr-TR" dirty="0"/>
+              <a:t> </a:t>
+            </a:r>
+            <a:r>
+              <a:rPr lang="tr-TR" dirty="0" err="1"/>
+              <a:t>Problems</a:t>
+            </a:r>
+            <a:endParaRPr lang="en-US" dirty="0"/>
+          </a:p>
+        </p:txBody>
+      </p:sp>
+      <p:sp>
+        <p:nvSpPr>
+          <p:cNvPr id="10" name="Rectangle 2">
+            <a:extLst>
+              <a:ext uri="{FF2B5EF4-FFF2-40B4-BE49-F238E27FC236}">
+                <a16:creationId xmlns:a16="http://schemas.microsoft.com/office/drawing/2014/main" id="{533397CC-4E35-4F67-A77E-718FD9C60735}"/>
+              </a:ext>
+            </a:extLst>
+          </p:cNvPr>
+          <p:cNvSpPr>
+            <a:spLocks noChangeArrowheads="1"/>
+          </p:cNvSpPr>
+          <p:nvPr/>
+        </p:nvSpPr>
+        <p:spPr bwMode="auto">
+          <a:xfrm>
+            <a:off x="0" y="90100"/>
+            <a:ext cx="65" cy="276999"/>
+          </a:xfrm>
+          <a:prstGeom prst="rect">
+            <a:avLst/>
+          </a:prstGeom>
+          <a:solidFill>
+            <a:srgbClr val="FFFFFF"/>
+          </a:solidFill>
+          <a:ln>
+            <a:noFill/>
+          </a:ln>
+          <a:effectLst/>
+          <a:extLst>
+            <a:ext uri="{91240B29-F687-4F45-9708-019B960494DF}">
+              <a14:hiddenLine xmlns:a14="http://schemas.microsoft.com/office/drawing/2010/main" w="9525">
+                <a:solidFill>
+                  <a:schemeClr val="tx1"/>
+                </a:solidFill>
+                <a:miter lim="800000"/>
+                <a:headEnd/>
+                <a:tailEnd/>
+              </a14:hiddenLine>
+            </a:ext>
+            <a:ext uri="{AF507438-7753-43E0-B8FC-AC1667EBCBE1}">
+              <a14:hiddenEffects xmlns:a14="http://schemas.microsoft.com/office/drawing/2010/main">
+                <a:effectLst>
+                  <a:outerShdw dist="35921" dir="2700000" algn="ctr" rotWithShape="0">
+                    <a:schemeClr val="bg2"/>
+                  </a:outerShdw>
+                </a:effectLst>
+              </a14:hiddenEffects>
+            </a:ext>
+          </a:extLst>
+        </p:spPr>
+        <p:txBody>
+          <a:bodyPr vert="horz" wrap="none" lIns="0" tIns="0" rIns="0" bIns="0" numCol="1" anchor="ctr" anchorCtr="0" compatLnSpc="1">
+            <a:prstTxWarp prst="textNoShape">
+              <a:avLst/>
+            </a:prstTxWarp>
+            <a:spAutoFit/>
+          </a:bodyPr>
+          <a:lstStyle/>
+          <a:p>
+            <a:pPr marL="0" marR="0" lvl="0" indent="0" algn="l" defTabSz="914400" rtl="0" eaLnBrk="0" fontAlgn="base" latinLnBrk="0" hangingPunct="0">
+              <a:lnSpc>
+                <a:spcPct val="100000"/>
+              </a:lnSpc>
+              <a:spcBef>
+                <a:spcPct val="0"/>
+              </a:spcBef>
+              <a:spcAft>
+                <a:spcPct val="0"/>
+              </a:spcAft>
+              <a:buClrTx/>
+              <a:buSzTx/>
+              <a:buFontTx/>
+              <a:buNone/>
+              <a:tabLst/>
+            </a:pPr>
+            <a:endParaRPr kumimoji="0" lang="en-US" altLang="en-US" sz="1800" b="0" i="0" u="none" strike="noStrike" cap="none" normalizeH="0" baseline="0" dirty="0">
+              <a:ln>
+                <a:noFill/>
+              </a:ln>
+              <a:solidFill>
+                <a:schemeClr val="tx1"/>
+              </a:solidFill>
+              <a:effectLst/>
+              <a:latin typeface="Arial" panose="020B0604020202020204" pitchFamily="34" charset="0"/>
+            </a:endParaRPr>
+          </a:p>
+        </p:txBody>
+      </p:sp>
+      <p:sp>
+        <p:nvSpPr>
+          <p:cNvPr id="12" name="Rectangle 4">
+            <a:extLst>
+              <a:ext uri="{FF2B5EF4-FFF2-40B4-BE49-F238E27FC236}">
+                <a16:creationId xmlns:a16="http://schemas.microsoft.com/office/drawing/2014/main" id="{7B0EA3CF-2A11-4ECA-9AA4-18D17A9BE32F}"/>
+              </a:ext>
+            </a:extLst>
+          </p:cNvPr>
+          <p:cNvSpPr>
+            <a:spLocks noChangeArrowheads="1"/>
+          </p:cNvSpPr>
+          <p:nvPr/>
+        </p:nvSpPr>
+        <p:spPr bwMode="auto">
+          <a:xfrm>
+            <a:off x="0" y="143961"/>
+            <a:ext cx="32060" cy="169277"/>
+          </a:xfrm>
+          <a:prstGeom prst="rect">
+            <a:avLst/>
+          </a:prstGeom>
+          <a:solidFill>
+            <a:srgbClr val="FFFFFF"/>
+          </a:solidFill>
+          <a:ln>
+            <a:noFill/>
+          </a:ln>
+          <a:effectLst/>
+          <a:extLst>
+            <a:ext uri="{91240B29-F687-4F45-9708-019B960494DF}">
+              <a14:hiddenLine xmlns:a14="http://schemas.microsoft.com/office/drawing/2010/main" w="9525">
+                <a:solidFill>
+                  <a:schemeClr val="tx1"/>
+                </a:solidFill>
+                <a:miter lim="800000"/>
+                <a:headEnd/>
+                <a:tailEnd/>
+              </a14:hiddenLine>
+            </a:ext>
+            <a:ext uri="{AF507438-7753-43E0-B8FC-AC1667EBCBE1}">
+              <a14:hiddenEffects xmlns:a14="http://schemas.microsoft.com/office/drawing/2010/main">
+                <a:effectLst>
+                  <a:outerShdw dist="35921" dir="2700000" algn="ctr" rotWithShape="0">
+                    <a:schemeClr val="bg2"/>
+                  </a:outerShdw>
+                </a:effectLst>
+              </a14:hiddenEffects>
+            </a:ext>
+          </a:extLst>
+        </p:spPr>
+        <p:txBody>
+          <a:bodyPr vert="horz" wrap="none" lIns="0" tIns="0" rIns="0" bIns="0" numCol="1" anchor="ctr" anchorCtr="0" compatLnSpc="1">
+            <a:prstTxWarp prst="textNoShape">
+              <a:avLst/>
+            </a:prstTxWarp>
+            <a:spAutoFit/>
+          </a:bodyPr>
+          <a:lstStyle/>
+          <a:p>
+            <a:pPr marL="0" marR="0" lvl="0" indent="0" algn="l" defTabSz="914400" rtl="0" eaLnBrk="0" fontAlgn="base" latinLnBrk="0" hangingPunct="0">
+              <a:lnSpc>
+                <a:spcPct val="100000"/>
+              </a:lnSpc>
+              <a:spcBef>
+                <a:spcPct val="0"/>
+              </a:spcBef>
+              <a:spcAft>
+                <a:spcPct val="0"/>
+              </a:spcAft>
+              <a:buClrTx/>
+              <a:buSzTx/>
+              <a:buFontTx/>
+              <a:buNone/>
+              <a:tabLst/>
+            </a:pPr>
+            <a:r>
+              <a:rPr kumimoji="0" lang="en-US" altLang="en-US" sz="1100" b="0" i="0" u="none" strike="noStrike" cap="none" normalizeH="0" baseline="0" dirty="0">
+                <a:ln>
+                  <a:noFill/>
+                </a:ln>
+                <a:solidFill>
+                  <a:schemeClr val="tx1"/>
+                </a:solidFill>
+                <a:effectLst/>
+              </a:rPr>
+              <a:t> </a:t>
+            </a:r>
+            <a:endParaRPr kumimoji="0" lang="en-US" altLang="en-US" sz="1800" b="0" i="0" u="none" strike="noStrike" cap="none" normalizeH="0" baseline="0" dirty="0">
+              <a:ln>
+                <a:noFill/>
+              </a:ln>
+              <a:solidFill>
+                <a:schemeClr val="tx1"/>
+              </a:solidFill>
+              <a:effectLst/>
+              <a:latin typeface="Arial" panose="020B0604020202020204" pitchFamily="34" charset="0"/>
+            </a:endParaRPr>
+          </a:p>
+        </p:txBody>
+      </p:sp>
+      <p:pic>
+        <p:nvPicPr>
+          <p:cNvPr id="7" name="İçerik Yer Tutucusu 4">
+            <a:extLst>
+              <a:ext uri="{FF2B5EF4-FFF2-40B4-BE49-F238E27FC236}">
+                <a16:creationId xmlns:a16="http://schemas.microsoft.com/office/drawing/2014/main" id="{89C2517C-DF5D-49BA-BF5A-73115CCFF7F1}"/>
+              </a:ext>
+            </a:extLst>
+          </p:cNvPr>
+          <p:cNvPicPr>
+            <a:picLocks noGrp="1" noChangeAspect="1"/>
+          </p:cNvPicPr>
+          <p:nvPr>
+            <p:ph idx="1"/>
+          </p:nvPr>
+        </p:nvPicPr>
+        <p:blipFill>
+          <a:blip r:embed="rId2"/>
+          <a:stretch>
+            <a:fillRect/>
+          </a:stretch>
+        </p:blipFill>
+        <p:spPr>
+          <a:xfrm>
+            <a:off x="1268730" y="2015491"/>
+            <a:ext cx="4857750" cy="3105150"/>
+          </a:xfrm>
+          <a:prstGeom prst="rect">
+            <a:avLst/>
+          </a:prstGeom>
+        </p:spPr>
+      </p:pic>
+      <p:sp>
+        <p:nvSpPr>
+          <p:cNvPr id="5" name="Metin kutusu 4">
+            <a:extLst>
+              <a:ext uri="{FF2B5EF4-FFF2-40B4-BE49-F238E27FC236}">
+                <a16:creationId xmlns:a16="http://schemas.microsoft.com/office/drawing/2014/main" id="{9618A392-A0DC-4F9E-9E86-5D08C3E60067}"/>
+              </a:ext>
+            </a:extLst>
+          </p:cNvPr>
+          <p:cNvSpPr txBox="1"/>
+          <p:nvPr/>
+        </p:nvSpPr>
+        <p:spPr>
+          <a:xfrm>
+            <a:off x="5943600" y="2213811"/>
+            <a:ext cx="3705726" cy="646331"/>
+          </a:xfrm>
+          <a:prstGeom prst="rect">
+            <a:avLst/>
+          </a:prstGeom>
+          <a:noFill/>
+        </p:spPr>
+        <p:txBody>
+          <a:bodyPr wrap="square" rtlCol="0">
+            <a:spAutoFit/>
+          </a:bodyPr>
+          <a:lstStyle/>
+          <a:p>
+            <a:r>
+              <a:rPr lang="tr-TR" dirty="0"/>
+              <a:t>A</a:t>
+            </a:r>
+            <a:r>
+              <a:rPr lang="en-US" dirty="0" err="1"/>
+              <a:t>rchitecture</a:t>
+            </a:r>
+            <a:r>
+              <a:rPr lang="en-US" dirty="0"/>
+              <a:t> for a simple information extraction system</a:t>
+            </a:r>
+            <a:endParaRPr lang="tr-TR" dirty="0"/>
+          </a:p>
+        </p:txBody>
+      </p:sp>
+      <p:sp>
+        <p:nvSpPr>
+          <p:cNvPr id="6" name="Metin kutusu 5">
+            <a:extLst>
+              <a:ext uri="{FF2B5EF4-FFF2-40B4-BE49-F238E27FC236}">
+                <a16:creationId xmlns:a16="http://schemas.microsoft.com/office/drawing/2014/main" id="{24294E84-00B3-47DA-A4A7-E82CD92F03E3}"/>
+              </a:ext>
+            </a:extLst>
+          </p:cNvPr>
+          <p:cNvSpPr txBox="1"/>
+          <p:nvPr/>
+        </p:nvSpPr>
+        <p:spPr>
+          <a:xfrm>
+            <a:off x="1097280" y="5206267"/>
+            <a:ext cx="4644190" cy="646331"/>
+          </a:xfrm>
+          <a:prstGeom prst="rect">
+            <a:avLst/>
+          </a:prstGeom>
+          <a:noFill/>
+        </p:spPr>
+        <p:txBody>
+          <a:bodyPr wrap="square" rtlCol="0">
+            <a:spAutoFit/>
+          </a:bodyPr>
+          <a:lstStyle/>
+          <a:p>
+            <a:r>
+              <a:rPr lang="tr-TR" dirty="0" err="1"/>
+              <a:t>Ref</a:t>
+            </a:r>
+            <a:r>
+              <a:rPr lang="tr-TR" dirty="0"/>
+              <a:t> : </a:t>
+            </a:r>
+            <a:r>
+              <a:rPr lang="en-US" dirty="0">
+                <a:hlinkClick r:id="rId3"/>
+              </a:rPr>
+              <a:t>https://www.nltk.org/book/ch07.html</a:t>
+            </a:r>
+            <a:endParaRPr lang="en-US" dirty="0"/>
+          </a:p>
+          <a:p>
+            <a:endParaRPr lang="en-US" dirty="0"/>
+          </a:p>
+        </p:txBody>
+      </p:sp>
+    </p:spTree>
+    <p:extLst>
+      <p:ext uri="{BB962C8B-B14F-4D97-AF65-F5344CB8AC3E}">
+        <p14:creationId xmlns:p14="http://schemas.microsoft.com/office/powerpoint/2010/main" val="719798267"/>
+      </p:ext>
+    </p:extLst>
+  </p:cSld>
+  <p:clrMapOvr>
+    <a:masterClrMapping/>
+  </p:clrMapOvr>
+</p:sld>
+</file>
+
+<file path=ppt/slides/slide11.xml><?xml version="1.0" encoding="utf-8"?>
+<p:sld xmlns:a="http://schemas.openxmlformats.org/drawingml/2006/main" xmlns:r="http://schemas.openxmlformats.org/officeDocument/2006/relationships" xmlns:p="http://schemas.openxmlformats.org/presentationml/2006/main">
+  <p:cSld>
+    <p:spTree>
+      <p:nvGrpSpPr>
+        <p:cNvPr id="1" name=""/>
+        <p:cNvGrpSpPr/>
+        <p:nvPr/>
+      </p:nvGrpSpPr>
+      <p:grpSpPr>
+        <a:xfrm>
+          <a:off x="0" y="0"/>
+          <a:ext cx="0" cy="0"/>
+          <a:chOff x="0" y="0"/>
+          <a:chExt cx="0" cy="0"/>
+        </a:xfrm>
+      </p:grpSpPr>
+      <p:sp>
+        <p:nvSpPr>
+          <p:cNvPr id="2" name="Title 1">
+            <a:extLst>
+              <a:ext uri="{FF2B5EF4-FFF2-40B4-BE49-F238E27FC236}">
+                <a16:creationId xmlns:a16="http://schemas.microsoft.com/office/drawing/2014/main" id="{369CA4F0-7F76-4DC7-A47D-BD061E0C6AF6}"/>
+              </a:ext>
+            </a:extLst>
+          </p:cNvPr>
+          <p:cNvSpPr>
+            <a:spLocks noGrp="1"/>
+          </p:cNvSpPr>
+          <p:nvPr>
+            <p:ph type="title"/>
+          </p:nvPr>
+        </p:nvSpPr>
+        <p:spPr/>
+        <p:txBody>
+          <a:bodyPr/>
+          <a:lstStyle/>
+          <a:p>
+            <a:r>
+              <a:rPr lang="tr-TR" dirty="0" err="1"/>
+              <a:t>Ontology</a:t>
+            </a:r>
+            <a:endParaRPr lang="en-US" dirty="0"/>
+          </a:p>
+        </p:txBody>
+      </p:sp>
+      <p:sp>
+        <p:nvSpPr>
+          <p:cNvPr id="3" name="Content Placeholder 2">
+            <a:extLst>
+              <a:ext uri="{FF2B5EF4-FFF2-40B4-BE49-F238E27FC236}">
+                <a16:creationId xmlns:a16="http://schemas.microsoft.com/office/drawing/2014/main" id="{D941672E-CF5C-4625-8693-307F29A99472}"/>
+              </a:ext>
+            </a:extLst>
+          </p:cNvPr>
+          <p:cNvSpPr>
+            <a:spLocks noGrp="1"/>
+          </p:cNvSpPr>
+          <p:nvPr>
+            <p:ph idx="1"/>
+          </p:nvPr>
+        </p:nvSpPr>
+        <p:spPr/>
+        <p:txBody>
+          <a:bodyPr/>
+          <a:lstStyle/>
+          <a:p>
+            <a:r>
+              <a:rPr lang="tr-TR" dirty="0" err="1"/>
+              <a:t>There</a:t>
+            </a:r>
+            <a:r>
+              <a:rPr lang="tr-TR" dirty="0"/>
+              <a:t> is an </a:t>
+            </a:r>
+            <a:r>
+              <a:rPr lang="tr-TR" dirty="0" err="1"/>
+              <a:t>Ontology</a:t>
+            </a:r>
+            <a:r>
+              <a:rPr lang="tr-TR" dirty="0"/>
+              <a:t> </a:t>
+            </a:r>
+            <a:r>
+              <a:rPr lang="tr-TR" dirty="0" err="1"/>
+              <a:t>implementation</a:t>
+            </a:r>
+            <a:r>
+              <a:rPr lang="tr-TR" dirty="0"/>
+              <a:t> in </a:t>
+            </a:r>
+            <a:r>
+              <a:rPr lang="tr-TR" dirty="0" err="1"/>
+              <a:t>Python</a:t>
+            </a:r>
+            <a:r>
+              <a:rPr lang="tr-TR" dirty="0"/>
+              <a:t> </a:t>
+            </a:r>
+            <a:r>
+              <a:rPr lang="tr-TR" dirty="0" err="1"/>
+              <a:t>written</a:t>
+            </a:r>
+            <a:r>
+              <a:rPr lang="tr-TR" dirty="0"/>
+              <a:t> </a:t>
+            </a:r>
+            <a:r>
+              <a:rPr lang="tr-TR" dirty="0" err="1"/>
+              <a:t>by</a:t>
+            </a:r>
+            <a:r>
+              <a:rPr lang="tr-TR" dirty="0"/>
+              <a:t> </a:t>
+            </a:r>
+            <a:r>
+              <a:rPr lang="en-US" dirty="0"/>
+              <a:t>Martin </a:t>
+            </a:r>
+            <a:r>
+              <a:rPr lang="en-US" dirty="0" err="1"/>
+              <a:t>Larralde</a:t>
+            </a:r>
+            <a:r>
+              <a:rPr lang="tr-TR" dirty="0"/>
+              <a:t>.</a:t>
+            </a:r>
+          </a:p>
+          <a:p>
+            <a:br>
+              <a:rPr lang="tr-TR" dirty="0"/>
+            </a:br>
+            <a:r>
+              <a:rPr lang="tr-TR" dirty="0"/>
+              <a:t>Reference : </a:t>
+            </a:r>
+            <a:r>
+              <a:rPr lang="tr-TR" i="1" dirty="0"/>
+              <a:t>github.com/</a:t>
+            </a:r>
+            <a:r>
+              <a:rPr lang="en-US" i="1" dirty="0" err="1"/>
+              <a:t>althonos</a:t>
+            </a:r>
+            <a:endParaRPr lang="en-US" i="1" dirty="0"/>
+          </a:p>
+          <a:p>
+            <a:endParaRPr lang="tr-TR" dirty="0"/>
+          </a:p>
+          <a:p>
+            <a:r>
+              <a:rPr lang="tr-TR" dirty="0" err="1"/>
+              <a:t>Given</a:t>
+            </a:r>
+            <a:r>
+              <a:rPr lang="tr-TR" dirty="0"/>
+              <a:t> an .</a:t>
+            </a:r>
+            <a:r>
+              <a:rPr lang="tr-TR" dirty="0" err="1"/>
+              <a:t>obo</a:t>
+            </a:r>
+            <a:r>
+              <a:rPr lang="tr-TR" dirty="0"/>
+              <a:t> </a:t>
+            </a:r>
+            <a:r>
+              <a:rPr lang="tr-TR" dirty="0" err="1"/>
+              <a:t>document</a:t>
+            </a:r>
+            <a:r>
+              <a:rPr lang="tr-TR" dirty="0"/>
+              <a:t>. </a:t>
+            </a:r>
+          </a:p>
+          <a:p>
+            <a:r>
+              <a:rPr lang="tr-TR" dirty="0" err="1"/>
+              <a:t>Creates</a:t>
+            </a:r>
+            <a:r>
+              <a:rPr lang="tr-TR" dirty="0"/>
+              <a:t> </a:t>
+            </a:r>
+            <a:r>
+              <a:rPr lang="tr-TR" dirty="0" err="1"/>
+              <a:t>the</a:t>
+            </a:r>
+            <a:r>
+              <a:rPr lang="tr-TR" dirty="0"/>
+              <a:t> </a:t>
+            </a:r>
+            <a:r>
+              <a:rPr lang="tr-TR" dirty="0" err="1"/>
+              <a:t>graph</a:t>
+            </a:r>
+            <a:r>
+              <a:rPr lang="tr-TR" dirty="0"/>
+              <a:t> </a:t>
+            </a:r>
+            <a:r>
+              <a:rPr lang="tr-TR" dirty="0" err="1"/>
+              <a:t>representation</a:t>
+            </a:r>
+            <a:r>
+              <a:rPr lang="tr-TR" dirty="0"/>
+              <a:t> of </a:t>
+            </a:r>
+            <a:r>
+              <a:rPr lang="tr-TR" dirty="0" err="1"/>
+              <a:t>Ontology</a:t>
+            </a:r>
+            <a:r>
+              <a:rPr lang="tr-TR" dirty="0"/>
+              <a:t> </a:t>
+            </a:r>
+            <a:r>
+              <a:rPr lang="tr-TR" dirty="0" err="1"/>
+              <a:t>Terms</a:t>
+            </a:r>
+            <a:r>
+              <a:rPr lang="tr-TR" dirty="0"/>
+              <a:t> </a:t>
+            </a:r>
+            <a:r>
+              <a:rPr lang="tr-TR" dirty="0" err="1"/>
+              <a:t>by</a:t>
+            </a:r>
+            <a:r>
+              <a:rPr lang="tr-TR" dirty="0"/>
+              <a:t> </a:t>
+            </a:r>
+            <a:r>
+              <a:rPr lang="en-US" dirty="0"/>
+              <a:t>implement</a:t>
+            </a:r>
+            <a:r>
+              <a:rPr lang="tr-TR" dirty="0" err="1"/>
+              <a:t>ing</a:t>
+            </a:r>
+            <a:r>
+              <a:rPr lang="en-US" dirty="0"/>
+              <a:t> the specifications of the </a:t>
+            </a:r>
+            <a:r>
+              <a:rPr lang="en-US" dirty="0">
+                <a:hlinkClick r:id="rId2"/>
+              </a:rPr>
+              <a:t>Open Biomedical Ontologies 1.4</a:t>
+            </a:r>
+            <a:endParaRPr lang="en-US" dirty="0"/>
+          </a:p>
+        </p:txBody>
+      </p:sp>
+    </p:spTree>
+    <p:extLst>
+      <p:ext uri="{BB962C8B-B14F-4D97-AF65-F5344CB8AC3E}">
+        <p14:creationId xmlns:p14="http://schemas.microsoft.com/office/powerpoint/2010/main" val="2921863296"/>
+      </p:ext>
+    </p:extLst>
+  </p:cSld>
+  <p:clrMapOvr>
+    <a:masterClrMapping/>
+  </p:clrMapOvr>
+</p:sld>
+</file>
+
+<file path=ppt/slides/slide12.xml><?xml version="1.0" encoding="utf-8"?>
+<p:sld xmlns:a="http://schemas.openxmlformats.org/drawingml/2006/main" xmlns:r="http://schemas.openxmlformats.org/officeDocument/2006/relationships" xmlns:p="http://schemas.openxmlformats.org/presentationml/2006/main">
+  <p:cSld>
+    <p:spTree>
+      <p:nvGrpSpPr>
+        <p:cNvPr id="1" name=""/>
+        <p:cNvGrpSpPr/>
+        <p:nvPr/>
+      </p:nvGrpSpPr>
+      <p:grpSpPr>
+        <a:xfrm>
+          <a:off x="0" y="0"/>
+          <a:ext cx="0" cy="0"/>
+          <a:chOff x="0" y="0"/>
+          <a:chExt cx="0" cy="0"/>
+        </a:xfrm>
+      </p:grpSpPr>
+      <p:sp>
+        <p:nvSpPr>
+          <p:cNvPr id="2" name="Title 1">
+            <a:extLst>
+              <a:ext uri="{FF2B5EF4-FFF2-40B4-BE49-F238E27FC236}">
+                <a16:creationId xmlns:a16="http://schemas.microsoft.com/office/drawing/2014/main" id="{369CA4F0-7F76-4DC7-A47D-BD061E0C6AF6}"/>
+              </a:ext>
+            </a:extLst>
+          </p:cNvPr>
+          <p:cNvSpPr>
+            <a:spLocks noGrp="1"/>
+          </p:cNvSpPr>
+          <p:nvPr>
+            <p:ph type="title"/>
+          </p:nvPr>
+        </p:nvSpPr>
+        <p:spPr/>
+        <p:txBody>
+          <a:bodyPr/>
+          <a:lstStyle/>
+          <a:p>
+            <a:r>
+              <a:rPr lang="tr-TR" dirty="0" err="1"/>
+              <a:t>Ontology</a:t>
+            </a:r>
+            <a:r>
+              <a:rPr lang="tr-TR" dirty="0"/>
+              <a:t> Library - </a:t>
+            </a:r>
+            <a:r>
+              <a:rPr lang="tr-TR" dirty="0" err="1"/>
+              <a:t>Pronto</a:t>
+            </a:r>
+            <a:endParaRPr lang="en-US" dirty="0"/>
+          </a:p>
+        </p:txBody>
+      </p:sp>
+      <p:sp>
+        <p:nvSpPr>
+          <p:cNvPr id="4" name="İçerik Yer Tutucusu 3">
+            <a:extLst>
+              <a:ext uri="{FF2B5EF4-FFF2-40B4-BE49-F238E27FC236}">
+                <a16:creationId xmlns:a16="http://schemas.microsoft.com/office/drawing/2014/main" id="{B432F4EC-C1A5-493E-BDE2-8489EF8409A5}"/>
+              </a:ext>
+            </a:extLst>
+          </p:cNvPr>
+          <p:cNvSpPr>
+            <a:spLocks noGrp="1"/>
+          </p:cNvSpPr>
+          <p:nvPr>
+            <p:ph idx="1"/>
+          </p:nvPr>
+        </p:nvSpPr>
+        <p:spPr>
+          <a:xfrm>
+            <a:off x="6561222" y="1845734"/>
+            <a:ext cx="4594458" cy="4023360"/>
+          </a:xfrm>
+        </p:spPr>
+        <p:txBody>
+          <a:bodyPr/>
+          <a:lstStyle/>
+          <a:p>
+            <a:endParaRPr lang="tr-TR" dirty="0"/>
+          </a:p>
+          <a:p>
+            <a:r>
+              <a:rPr lang="tr-TR" dirty="0"/>
+              <a:t>Starts </a:t>
+            </a:r>
+            <a:r>
+              <a:rPr lang="tr-TR" dirty="0" err="1"/>
+              <a:t>from</a:t>
+            </a:r>
+            <a:r>
+              <a:rPr lang="tr-TR" dirty="0"/>
+              <a:t> </a:t>
+            </a:r>
+            <a:r>
+              <a:rPr lang="tr-TR" dirty="0" err="1"/>
+              <a:t>the</a:t>
+            </a:r>
+            <a:r>
+              <a:rPr lang="tr-TR" dirty="0"/>
+              <a:t> </a:t>
+            </a:r>
+            <a:r>
+              <a:rPr lang="tr-TR" dirty="0" err="1"/>
+              <a:t>Patient</a:t>
+            </a:r>
+            <a:r>
+              <a:rPr lang="tr-TR" dirty="0"/>
+              <a:t> (OBT:003220 ) </a:t>
+            </a:r>
+            <a:r>
+              <a:rPr lang="tr-TR" dirty="0" err="1"/>
+              <a:t>term</a:t>
+            </a:r>
+            <a:r>
+              <a:rPr lang="tr-TR" dirty="0"/>
+              <a:t>.</a:t>
+            </a:r>
+          </a:p>
+          <a:p>
+            <a:r>
+              <a:rPr lang="tr-TR" dirty="0" err="1"/>
+              <a:t>Whole</a:t>
+            </a:r>
+            <a:r>
+              <a:rPr lang="tr-TR" dirty="0"/>
+              <a:t> </a:t>
+            </a:r>
+            <a:r>
+              <a:rPr lang="tr-TR" dirty="0" err="1"/>
+              <a:t>graph</a:t>
+            </a:r>
+            <a:r>
+              <a:rPr lang="tr-TR" dirty="0"/>
+              <a:t> can be </a:t>
+            </a:r>
+            <a:r>
+              <a:rPr lang="tr-TR" dirty="0" err="1"/>
+              <a:t>induced</a:t>
+            </a:r>
+            <a:r>
+              <a:rPr lang="tr-TR" dirty="0"/>
+              <a:t> </a:t>
+            </a:r>
+            <a:r>
+              <a:rPr lang="tr-TR" dirty="0" err="1"/>
+              <a:t>by</a:t>
+            </a:r>
+            <a:r>
+              <a:rPr lang="tr-TR" dirty="0"/>
+              <a:t> </a:t>
+            </a:r>
+            <a:r>
+              <a:rPr lang="tr-TR" dirty="0" err="1"/>
+              <a:t>following</a:t>
+            </a:r>
+            <a:r>
+              <a:rPr lang="tr-TR" dirty="0"/>
+              <a:t> </a:t>
+            </a:r>
+            <a:r>
+              <a:rPr lang="tr-TR" dirty="0" err="1"/>
+              <a:t>is_a</a:t>
+            </a:r>
+            <a:r>
+              <a:rPr lang="tr-TR" dirty="0"/>
+              <a:t> </a:t>
+            </a:r>
+            <a:r>
+              <a:rPr lang="tr-TR" dirty="0" err="1"/>
+              <a:t>and</a:t>
+            </a:r>
+            <a:r>
+              <a:rPr lang="tr-TR" dirty="0"/>
+              <a:t> </a:t>
+            </a:r>
+            <a:r>
+              <a:rPr lang="tr-TR" dirty="0" err="1"/>
+              <a:t>synonym</a:t>
+            </a:r>
+            <a:r>
+              <a:rPr lang="tr-TR" dirty="0"/>
+              <a:t> </a:t>
+            </a:r>
+            <a:r>
+              <a:rPr lang="tr-TR" dirty="0" err="1"/>
+              <a:t>relationships</a:t>
+            </a:r>
+            <a:r>
+              <a:rPr lang="tr-TR" dirty="0"/>
+              <a:t>.</a:t>
+            </a:r>
+          </a:p>
+          <a:p>
+            <a:r>
+              <a:rPr lang="tr-TR" dirty="0" err="1"/>
+              <a:t>Pronto</a:t>
+            </a:r>
+            <a:r>
+              <a:rPr lang="tr-TR" dirty="0"/>
+              <a:t> </a:t>
+            </a:r>
+            <a:r>
+              <a:rPr lang="tr-TR" dirty="0" err="1"/>
+              <a:t>library</a:t>
+            </a:r>
+            <a:r>
+              <a:rPr lang="tr-TR" dirty="0"/>
+              <a:t> has </a:t>
+            </a:r>
+            <a:r>
+              <a:rPr lang="tr-TR" dirty="0" err="1"/>
+              <a:t>superclasses</a:t>
+            </a:r>
+            <a:r>
+              <a:rPr lang="tr-TR" dirty="0"/>
+              <a:t> </a:t>
+            </a:r>
+            <a:r>
+              <a:rPr lang="tr-TR" dirty="0" err="1"/>
+              <a:t>and</a:t>
+            </a:r>
+            <a:r>
+              <a:rPr lang="tr-TR" dirty="0"/>
+              <a:t> </a:t>
+            </a:r>
+            <a:r>
+              <a:rPr lang="tr-TR" dirty="0" err="1"/>
+              <a:t>subclasses</a:t>
+            </a:r>
+            <a:r>
+              <a:rPr lang="tr-TR" dirty="0"/>
+              <a:t> </a:t>
+            </a:r>
+            <a:r>
+              <a:rPr lang="tr-TR" dirty="0" err="1"/>
+              <a:t>functions</a:t>
+            </a:r>
+            <a:r>
+              <a:rPr lang="tr-TR" dirty="0"/>
+              <a:t> </a:t>
+            </a:r>
+            <a:r>
+              <a:rPr lang="tr-TR" dirty="0" err="1"/>
+              <a:t>to</a:t>
+            </a:r>
+            <a:r>
+              <a:rPr lang="tr-TR" dirty="0"/>
+              <a:t> </a:t>
+            </a:r>
+            <a:r>
+              <a:rPr lang="tr-TR" dirty="0" err="1"/>
+              <a:t>return</a:t>
+            </a:r>
+            <a:r>
+              <a:rPr lang="tr-TR" dirty="0"/>
+              <a:t> </a:t>
+            </a:r>
+            <a:r>
+              <a:rPr lang="tr-TR" dirty="0" err="1"/>
+              <a:t>relevant</a:t>
+            </a:r>
+            <a:r>
+              <a:rPr lang="tr-TR" dirty="0"/>
+              <a:t> </a:t>
+            </a:r>
+            <a:r>
+              <a:rPr lang="tr-TR" dirty="0" err="1"/>
+              <a:t>Ontology</a:t>
+            </a:r>
+            <a:r>
+              <a:rPr lang="tr-TR" dirty="0"/>
+              <a:t> </a:t>
+            </a:r>
+            <a:r>
+              <a:rPr lang="tr-TR" dirty="0" err="1"/>
+              <a:t>terms</a:t>
+            </a:r>
+            <a:r>
+              <a:rPr lang="tr-TR" dirty="0"/>
+              <a:t>.</a:t>
+            </a:r>
+          </a:p>
+          <a:p>
+            <a:endParaRPr lang="en-US" dirty="0"/>
+          </a:p>
+        </p:txBody>
+      </p:sp>
+      <p:pic>
+        <p:nvPicPr>
+          <p:cNvPr id="1028" name="Picture 4">
+            <a:extLst>
+              <a:ext uri="{FF2B5EF4-FFF2-40B4-BE49-F238E27FC236}">
+                <a16:creationId xmlns:a16="http://schemas.microsoft.com/office/drawing/2014/main" id="{DDBD1DA1-837A-4922-AF81-6A99AE34C0D0}"/>
+              </a:ext>
+            </a:extLst>
+          </p:cNvPr>
+          <p:cNvPicPr>
+            <a:picLocks noChangeAspect="1" noChangeArrowheads="1"/>
+          </p:cNvPicPr>
+          <p:nvPr/>
+        </p:nvPicPr>
+        <p:blipFill>
+          <a:blip r:embed="rId2">
+            <a:extLst>
+              <a:ext uri="{28A0092B-C50C-407E-A947-70E740481C1C}">
+                <a14:useLocalDpi xmlns:a14="http://schemas.microsoft.com/office/drawing/2010/main" val="0"/>
+              </a:ext>
+            </a:extLst>
+          </a:blip>
+          <a:srcRect/>
+          <a:stretch>
+            <a:fillRect/>
+          </a:stretch>
+        </p:blipFill>
+        <p:spPr bwMode="auto">
+          <a:xfrm>
+            <a:off x="1321870" y="1845734"/>
+            <a:ext cx="5239352" cy="4297377"/>
+          </a:xfrm>
+          <a:prstGeom prst="rect">
+            <a:avLst/>
+          </a:prstGeom>
+          <a:noFill/>
+          <a:extLst>
+            <a:ext uri="{909E8E84-426E-40DD-AFC4-6F175D3DCCD1}">
+              <a14:hiddenFill xmlns:a14="http://schemas.microsoft.com/office/drawing/2010/main">
+                <a:solidFill>
+                  <a:srgbClr val="FFFFFF"/>
+                </a:solidFill>
+              </a14:hiddenFill>
+            </a:ext>
+          </a:extLst>
+        </p:spPr>
+      </p:pic>
+    </p:spTree>
+    <p:extLst>
+      <p:ext uri="{BB962C8B-B14F-4D97-AF65-F5344CB8AC3E}">
+        <p14:creationId xmlns:p14="http://schemas.microsoft.com/office/powerpoint/2010/main" val="3374292231"/>
+      </p:ext>
+    </p:extLst>
+  </p:cSld>
+  <p:clrMapOvr>
+    <a:masterClrMapping/>
+  </p:clrMapOvr>
+</p:sld>
+</file>
+
+<file path=ppt/slides/slide13.xml><?xml version="1.0" encoding="utf-8"?>
+<p:sld xmlns:a="http://schemas.openxmlformats.org/drawingml/2006/main" xmlns:r="http://schemas.openxmlformats.org/officeDocument/2006/relationships" xmlns:p="http://schemas.openxmlformats.org/presentationml/2006/main">
+  <p:cSld>
+    <p:spTree>
+      <p:nvGrpSpPr>
+        <p:cNvPr id="1" name=""/>
+        <p:cNvGrpSpPr/>
+        <p:nvPr/>
+      </p:nvGrpSpPr>
+      <p:grpSpPr>
+        <a:xfrm>
+          <a:off x="0" y="0"/>
+          <a:ext cx="0" cy="0"/>
+          <a:chOff x="0" y="0"/>
+          <a:chExt cx="0" cy="0"/>
+        </a:xfrm>
+      </p:grpSpPr>
+      <p:sp>
+        <p:nvSpPr>
+          <p:cNvPr id="2" name="Title 1">
+            <a:extLst>
+              <a:ext uri="{FF2B5EF4-FFF2-40B4-BE49-F238E27FC236}">
+                <a16:creationId xmlns:a16="http://schemas.microsoft.com/office/drawing/2014/main" id="{369CA4F0-7F76-4DC7-A47D-BD061E0C6AF6}"/>
+              </a:ext>
+            </a:extLst>
+          </p:cNvPr>
+          <p:cNvSpPr>
+            <a:spLocks noGrp="1"/>
+          </p:cNvSpPr>
+          <p:nvPr>
+            <p:ph type="title"/>
+          </p:nvPr>
+        </p:nvSpPr>
+        <p:spPr/>
+        <p:txBody>
+          <a:bodyPr/>
+          <a:lstStyle/>
+          <a:p>
+            <a:r>
+              <a:rPr lang="tr-TR" dirty="0" err="1"/>
+              <a:t>Ontology</a:t>
+            </a:r>
+            <a:r>
+              <a:rPr lang="tr-TR" dirty="0"/>
+              <a:t> Library - </a:t>
+            </a:r>
+            <a:r>
+              <a:rPr lang="tr-TR" dirty="0" err="1"/>
+              <a:t>Pronto</a:t>
+            </a:r>
+            <a:endParaRPr lang="en-US" dirty="0"/>
+          </a:p>
+        </p:txBody>
+      </p:sp>
+      <p:pic>
+        <p:nvPicPr>
+          <p:cNvPr id="1028" name="Picture 4">
+            <a:extLst>
+              <a:ext uri="{FF2B5EF4-FFF2-40B4-BE49-F238E27FC236}">
+                <a16:creationId xmlns:a16="http://schemas.microsoft.com/office/drawing/2014/main" id="{DDBD1DA1-837A-4922-AF81-6A99AE34C0D0}"/>
+              </a:ext>
+            </a:extLst>
+          </p:cNvPr>
+          <p:cNvPicPr>
+            <a:picLocks noChangeAspect="1" noChangeArrowheads="1"/>
+          </p:cNvPicPr>
+          <p:nvPr/>
+        </p:nvPicPr>
+        <p:blipFill>
+          <a:blip r:embed="rId2">
+            <a:extLst>
+              <a:ext uri="{28A0092B-C50C-407E-A947-70E740481C1C}">
+                <a14:useLocalDpi xmlns:a14="http://schemas.microsoft.com/office/drawing/2010/main" val="0"/>
+              </a:ext>
+            </a:extLst>
+          </a:blip>
+          <a:srcRect/>
+          <a:stretch>
+            <a:fillRect/>
+          </a:stretch>
+        </p:blipFill>
+        <p:spPr bwMode="auto">
+          <a:xfrm>
+            <a:off x="1321870" y="1845734"/>
+            <a:ext cx="5239352" cy="4297377"/>
+          </a:xfrm>
+          <a:prstGeom prst="rect">
+            <a:avLst/>
+          </a:prstGeom>
+          <a:noFill/>
+          <a:extLst>
+            <a:ext uri="{909E8E84-426E-40DD-AFC4-6F175D3DCCD1}">
+              <a14:hiddenFill xmlns:a14="http://schemas.microsoft.com/office/drawing/2010/main">
+                <a:solidFill>
+                  <a:srgbClr val="FFFFFF"/>
+                </a:solidFill>
+              </a14:hiddenFill>
+            </a:ext>
+          </a:extLst>
+        </p:spPr>
+      </p:pic>
+      <p:sp>
+        <p:nvSpPr>
+          <p:cNvPr id="5" name="Rectangle 2">
+            <a:extLst>
+              <a:ext uri="{FF2B5EF4-FFF2-40B4-BE49-F238E27FC236}">
+                <a16:creationId xmlns:a16="http://schemas.microsoft.com/office/drawing/2014/main" id="{A4A320A4-510A-467E-AC3D-A63F495A6DEB}"/>
+              </a:ext>
+            </a:extLst>
+          </p:cNvPr>
+          <p:cNvSpPr>
+            <a:spLocks noGrp="1" noChangeArrowheads="1"/>
+          </p:cNvSpPr>
+          <p:nvPr>
+            <p:ph idx="1"/>
+          </p:nvPr>
+        </p:nvSpPr>
+        <p:spPr bwMode="auto">
+          <a:xfrm>
+            <a:off x="6745738" y="2221410"/>
+            <a:ext cx="4581700" cy="3231654"/>
+          </a:xfrm>
+          <a:prstGeom prst="rect">
+            <a:avLst/>
+          </a:prstGeom>
+          <a:solidFill>
+            <a:srgbClr val="FFFFFF"/>
+          </a:solidFill>
+          <a:ln>
+            <a:noFill/>
+          </a:ln>
+          <a:effectLst/>
+          <a:extLst>
+            <a:ext uri="{91240B29-F687-4F45-9708-019B960494DF}">
+              <a14:hiddenLine xmlns:a14="http://schemas.microsoft.com/office/drawing/2010/main" w="9525">
+                <a:solidFill>
+                  <a:schemeClr val="tx1"/>
+                </a:solidFill>
+                <a:miter lim="800000"/>
+                <a:headEnd/>
+                <a:tailEnd/>
+              </a14:hiddenLine>
+            </a:ext>
+            <a:ext uri="{AF507438-7753-43E0-B8FC-AC1667EBCBE1}">
+              <a14:hiddenEffects xmlns:a14="http://schemas.microsoft.com/office/drawing/2010/main">
+                <a:effectLst>
+                  <a:outerShdw dist="35921" dir="2700000" algn="ctr" rotWithShape="0">
+                    <a:schemeClr val="bg2"/>
+                  </a:outerShdw>
+                </a:effectLst>
+              </a14:hiddenEffects>
+            </a:ext>
+          </a:extLst>
+        </p:spPr>
+        <p:txBody>
+          <a:bodyPr vert="horz" wrap="square" lIns="0" tIns="0" rIns="0" bIns="0" numCol="1" anchor="ctr" anchorCtr="0" compatLnSpc="1">
+            <a:prstTxWarp prst="textNoShape">
+              <a:avLst/>
+            </a:prstTxWarp>
+            <a:spAutoFit/>
+          </a:bodyPr>
+          <a:lstStyle/>
+          <a:p>
+            <a:pPr marL="0" marR="0" lvl="0" indent="0" algn="l" defTabSz="914400" rtl="0" eaLnBrk="0" fontAlgn="base" latinLnBrk="0" hangingPunct="0">
+              <a:lnSpc>
+                <a:spcPct val="100000"/>
+              </a:lnSpc>
+              <a:spcBef>
+                <a:spcPct val="0"/>
+              </a:spcBef>
+              <a:spcAft>
+                <a:spcPct val="0"/>
+              </a:spcAft>
+              <a:buClrTx/>
+              <a:buSzTx/>
+              <a:buFontTx/>
+              <a:buNone/>
+              <a:tabLst/>
+            </a:pPr>
+            <a:r>
+              <a:rPr kumimoji="0" lang="tr-TR" altLang="en-US" sz="1500" b="1" i="0" u="none" strike="noStrike" cap="none" normalizeH="0" baseline="0" dirty="0" err="1">
+                <a:ln>
+                  <a:noFill/>
+                </a:ln>
+                <a:solidFill>
+                  <a:srgbClr val="000000"/>
+                </a:solidFill>
+                <a:effectLst/>
+                <a:latin typeface="Courier New" panose="02070309020205020404" pitchFamily="49" charset="0"/>
+              </a:rPr>
+              <a:t>Superclasses</a:t>
+            </a:r>
+            <a:r>
+              <a:rPr kumimoji="0" lang="tr-TR" altLang="en-US" sz="1500" b="1" i="0" u="none" strike="noStrike" cap="none" normalizeH="0" baseline="0" dirty="0">
+                <a:ln>
+                  <a:noFill/>
+                </a:ln>
+                <a:solidFill>
+                  <a:srgbClr val="000000"/>
+                </a:solidFill>
+                <a:effectLst/>
+                <a:latin typeface="Courier New" panose="02070309020205020404" pitchFamily="49" charset="0"/>
+              </a:rPr>
+              <a:t> of ‘</a:t>
+            </a:r>
+            <a:r>
+              <a:rPr kumimoji="0" lang="tr-TR" altLang="en-US" sz="1500" b="1" i="0" u="none" strike="noStrike" cap="none" normalizeH="0" baseline="0" dirty="0" err="1">
+                <a:ln>
+                  <a:noFill/>
+                </a:ln>
+                <a:solidFill>
+                  <a:srgbClr val="000000"/>
+                </a:solidFill>
+                <a:effectLst/>
+                <a:latin typeface="Courier New" panose="02070309020205020404" pitchFamily="49" charset="0"/>
+              </a:rPr>
+              <a:t>Patient</a:t>
+            </a:r>
+            <a:r>
+              <a:rPr kumimoji="0" lang="tr-TR" altLang="en-US" sz="1500" b="1" i="0" u="none" strike="noStrike" cap="none" normalizeH="0" baseline="0" dirty="0">
+                <a:ln>
+                  <a:noFill/>
+                </a:ln>
+                <a:solidFill>
+                  <a:srgbClr val="000000"/>
+                </a:solidFill>
+                <a:effectLst/>
+                <a:latin typeface="Courier New" panose="02070309020205020404" pitchFamily="49" charset="0"/>
+              </a:rPr>
+              <a:t>’</a:t>
+            </a:r>
+          </a:p>
+          <a:p>
+            <a:pPr marL="0" marR="0" lvl="0" indent="0" algn="l" defTabSz="914400" rtl="0" eaLnBrk="0" fontAlgn="base" latinLnBrk="0" hangingPunct="0">
+              <a:lnSpc>
+                <a:spcPct val="100000"/>
+              </a:lnSpc>
+              <a:spcBef>
+                <a:spcPct val="0"/>
+              </a:spcBef>
+              <a:spcAft>
+                <a:spcPct val="0"/>
+              </a:spcAft>
+              <a:buClrTx/>
+              <a:buSzTx/>
+              <a:buFontTx/>
+              <a:buNone/>
+              <a:tabLst/>
+            </a:pPr>
+            <a:endParaRPr lang="tr-TR" altLang="en-US" sz="1500" dirty="0">
+              <a:solidFill>
+                <a:srgbClr val="000000"/>
+              </a:solidFill>
+              <a:latin typeface="Courier New" panose="02070309020205020404" pitchFamily="49" charset="0"/>
+            </a:endParaRPr>
+          </a:p>
+          <a:p>
+            <a:pPr marL="0" marR="0" lvl="0" indent="0" algn="l" defTabSz="914400" rtl="0" eaLnBrk="0" fontAlgn="base" latinLnBrk="0" hangingPunct="0">
+              <a:lnSpc>
+                <a:spcPct val="100000"/>
+              </a:lnSpc>
+              <a:spcBef>
+                <a:spcPct val="0"/>
+              </a:spcBef>
+              <a:spcAft>
+                <a:spcPct val="0"/>
+              </a:spcAft>
+              <a:buClrTx/>
+              <a:buSzTx/>
+              <a:buFontTx/>
+              <a:buNone/>
+              <a:tabLst/>
+            </a:pPr>
+            <a:r>
+              <a:rPr kumimoji="0" lang="en-US" altLang="en-US" sz="1500" b="0" i="0" u="none" strike="noStrike" cap="none" normalizeH="0" baseline="0" dirty="0">
+                <a:ln>
+                  <a:noFill/>
+                </a:ln>
+                <a:solidFill>
+                  <a:srgbClr val="000000"/>
+                </a:solidFill>
+                <a:effectLst/>
+                <a:latin typeface="Courier New" panose="02070309020205020404" pitchFamily="49" charset="0"/>
+              </a:rPr>
+              <a:t>'root for extraction’</a:t>
+            </a:r>
+            <a:endParaRPr kumimoji="0" lang="tr-TR" altLang="en-US" sz="1500" b="0" i="0" u="none" strike="noStrike" cap="none" normalizeH="0" baseline="0" dirty="0">
+              <a:ln>
+                <a:noFill/>
+              </a:ln>
+              <a:solidFill>
+                <a:srgbClr val="000000"/>
+              </a:solidFill>
+              <a:effectLst/>
+              <a:latin typeface="Courier New" panose="02070309020205020404" pitchFamily="49" charset="0"/>
+            </a:endParaRPr>
+          </a:p>
+          <a:p>
+            <a:pPr marL="0" marR="0" lvl="0" indent="0" algn="l" defTabSz="914400" rtl="0" eaLnBrk="0" fontAlgn="base" latinLnBrk="0" hangingPunct="0">
+              <a:lnSpc>
+                <a:spcPct val="100000"/>
+              </a:lnSpc>
+              <a:spcBef>
+                <a:spcPct val="0"/>
+              </a:spcBef>
+              <a:spcAft>
+                <a:spcPct val="0"/>
+              </a:spcAft>
+              <a:buClrTx/>
+              <a:buSzTx/>
+              <a:buFontTx/>
+              <a:buNone/>
+              <a:tabLst/>
+            </a:pPr>
+            <a:r>
+              <a:rPr kumimoji="0" lang="en-US" altLang="en-US" sz="1500" b="0" i="0" u="none" strike="noStrike" cap="none" normalizeH="0" baseline="0" dirty="0">
+                <a:ln>
+                  <a:noFill/>
+                </a:ln>
+                <a:solidFill>
+                  <a:srgbClr val="000000"/>
+                </a:solidFill>
+                <a:effectLst/>
+                <a:latin typeface="Courier New" panose="02070309020205020404" pitchFamily="49" charset="0"/>
+              </a:rPr>
+              <a:t>'microbial habitat’</a:t>
+            </a:r>
+            <a:endParaRPr kumimoji="0" lang="tr-TR" altLang="en-US" sz="1500" b="0" i="0" u="none" strike="noStrike" cap="none" normalizeH="0" baseline="0" dirty="0">
+              <a:ln>
+                <a:noFill/>
+              </a:ln>
+              <a:solidFill>
+                <a:srgbClr val="000000"/>
+              </a:solidFill>
+              <a:effectLst/>
+              <a:latin typeface="Courier New" panose="02070309020205020404" pitchFamily="49" charset="0"/>
+            </a:endParaRPr>
+          </a:p>
+          <a:p>
+            <a:pPr marL="0" marR="0" lvl="0" indent="0" algn="l" defTabSz="914400" rtl="0" eaLnBrk="0" fontAlgn="base" latinLnBrk="0" hangingPunct="0">
+              <a:lnSpc>
+                <a:spcPct val="100000"/>
+              </a:lnSpc>
+              <a:spcBef>
+                <a:spcPct val="0"/>
+              </a:spcBef>
+              <a:spcAft>
+                <a:spcPct val="0"/>
+              </a:spcAft>
+              <a:buClrTx/>
+              <a:buSzTx/>
+              <a:buFontTx/>
+              <a:buNone/>
+              <a:tabLst/>
+            </a:pPr>
+            <a:r>
+              <a:rPr kumimoji="0" lang="en-US" altLang="en-US" sz="1500" b="0" i="0" u="none" strike="noStrike" cap="none" normalizeH="0" baseline="0" dirty="0">
+                <a:ln>
+                  <a:noFill/>
+                </a:ln>
+                <a:solidFill>
+                  <a:srgbClr val="000000"/>
+                </a:solidFill>
+                <a:effectLst/>
+                <a:latin typeface="Courier New" panose="02070309020205020404" pitchFamily="49" charset="0"/>
+              </a:rPr>
+              <a:t>'living organism’</a:t>
+            </a:r>
+            <a:endParaRPr kumimoji="0" lang="tr-TR" altLang="en-US" sz="1500" b="0" i="0" u="none" strike="noStrike" cap="none" normalizeH="0" baseline="0" dirty="0">
+              <a:ln>
+                <a:noFill/>
+              </a:ln>
+              <a:solidFill>
+                <a:srgbClr val="000000"/>
+              </a:solidFill>
+              <a:effectLst/>
+              <a:latin typeface="Courier New" panose="02070309020205020404" pitchFamily="49" charset="0"/>
+            </a:endParaRPr>
+          </a:p>
+          <a:p>
+            <a:pPr marL="0" marR="0" lvl="0" indent="0" algn="l" defTabSz="914400" rtl="0" eaLnBrk="0" fontAlgn="base" latinLnBrk="0" hangingPunct="0">
+              <a:lnSpc>
+                <a:spcPct val="100000"/>
+              </a:lnSpc>
+              <a:spcBef>
+                <a:spcPct val="0"/>
+              </a:spcBef>
+              <a:spcAft>
+                <a:spcPct val="0"/>
+              </a:spcAft>
+              <a:buClrTx/>
+              <a:buSzTx/>
+              <a:buFontTx/>
+              <a:buNone/>
+              <a:tabLst/>
+            </a:pPr>
+            <a:r>
+              <a:rPr kumimoji="0" lang="en-US" altLang="en-US" sz="1500" b="0" i="0" u="none" strike="noStrike" cap="none" normalizeH="0" baseline="0" dirty="0">
+                <a:ln>
+                  <a:noFill/>
+                </a:ln>
+                <a:solidFill>
+                  <a:srgbClr val="000000"/>
+                </a:solidFill>
+                <a:effectLst/>
+                <a:latin typeface="Courier New" panose="02070309020205020404" pitchFamily="49" charset="0"/>
+              </a:rPr>
+              <a:t>'eukaryote host’</a:t>
+            </a:r>
+            <a:endParaRPr kumimoji="0" lang="tr-TR" altLang="en-US" sz="1500" b="0" i="0" u="none" strike="noStrike" cap="none" normalizeH="0" baseline="0" dirty="0">
+              <a:ln>
+                <a:noFill/>
+              </a:ln>
+              <a:solidFill>
+                <a:srgbClr val="000000"/>
+              </a:solidFill>
+              <a:effectLst/>
+              <a:latin typeface="Courier New" panose="02070309020205020404" pitchFamily="49" charset="0"/>
+            </a:endParaRPr>
+          </a:p>
+          <a:p>
+            <a:pPr marL="0" marR="0" lvl="0" indent="0" algn="l" defTabSz="914400" rtl="0" eaLnBrk="0" fontAlgn="base" latinLnBrk="0" hangingPunct="0">
+              <a:lnSpc>
+                <a:spcPct val="100000"/>
+              </a:lnSpc>
+              <a:spcBef>
+                <a:spcPct val="0"/>
+              </a:spcBef>
+              <a:spcAft>
+                <a:spcPct val="0"/>
+              </a:spcAft>
+              <a:buClrTx/>
+              <a:buSzTx/>
+              <a:buFontTx/>
+              <a:buNone/>
+              <a:tabLst/>
+            </a:pPr>
+            <a:r>
+              <a:rPr kumimoji="0" lang="en-US" altLang="en-US" sz="1500" b="0" i="0" u="none" strike="noStrike" cap="none" normalizeH="0" baseline="0" dirty="0">
+                <a:ln>
+                  <a:noFill/>
+                </a:ln>
+                <a:solidFill>
+                  <a:srgbClr val="000000"/>
+                </a:solidFill>
+                <a:effectLst/>
+                <a:latin typeface="Courier New" panose="02070309020205020404" pitchFamily="49" charset="0"/>
+              </a:rPr>
+              <a:t>'animal’</a:t>
+            </a:r>
+            <a:endParaRPr kumimoji="0" lang="tr-TR" altLang="en-US" sz="1500" b="0" i="0" u="none" strike="noStrike" cap="none" normalizeH="0" baseline="0" dirty="0">
+              <a:ln>
+                <a:noFill/>
+              </a:ln>
+              <a:solidFill>
+                <a:srgbClr val="000000"/>
+              </a:solidFill>
+              <a:effectLst/>
+              <a:latin typeface="Courier New" panose="02070309020205020404" pitchFamily="49" charset="0"/>
+            </a:endParaRPr>
+          </a:p>
+          <a:p>
+            <a:pPr marL="0" marR="0" lvl="0" indent="0" algn="l" defTabSz="914400" rtl="0" eaLnBrk="0" fontAlgn="base" latinLnBrk="0" hangingPunct="0">
+              <a:lnSpc>
+                <a:spcPct val="100000"/>
+              </a:lnSpc>
+              <a:spcBef>
+                <a:spcPct val="0"/>
+              </a:spcBef>
+              <a:spcAft>
+                <a:spcPct val="0"/>
+              </a:spcAft>
+              <a:buClrTx/>
+              <a:buSzTx/>
+              <a:buFontTx/>
+              <a:buNone/>
+              <a:tabLst/>
+            </a:pPr>
+            <a:r>
+              <a:rPr kumimoji="0" lang="en-US" altLang="en-US" sz="1500" b="0" i="0" u="none" strike="noStrike" cap="none" normalizeH="0" baseline="0" dirty="0">
+                <a:ln>
+                  <a:noFill/>
+                </a:ln>
+                <a:solidFill>
+                  <a:srgbClr val="000000"/>
+                </a:solidFill>
+                <a:effectLst/>
+                <a:latin typeface="Courier New" panose="02070309020205020404" pitchFamily="49" charset="0"/>
+              </a:rPr>
+              <a:t>'animal with disease’</a:t>
+            </a:r>
+            <a:endParaRPr kumimoji="0" lang="tr-TR" altLang="en-US" sz="1500" b="0" i="0" u="none" strike="noStrike" cap="none" normalizeH="0" baseline="0" dirty="0">
+              <a:ln>
+                <a:noFill/>
+              </a:ln>
+              <a:solidFill>
+                <a:srgbClr val="000000"/>
+              </a:solidFill>
+              <a:effectLst/>
+              <a:latin typeface="Courier New" panose="02070309020205020404" pitchFamily="49" charset="0"/>
+            </a:endParaRPr>
+          </a:p>
+          <a:p>
+            <a:pPr marL="0" marR="0" lvl="0" indent="0" algn="l" defTabSz="914400" rtl="0" eaLnBrk="0" fontAlgn="base" latinLnBrk="0" hangingPunct="0">
+              <a:lnSpc>
+                <a:spcPct val="100000"/>
+              </a:lnSpc>
+              <a:spcBef>
+                <a:spcPct val="0"/>
+              </a:spcBef>
+              <a:spcAft>
+                <a:spcPct val="0"/>
+              </a:spcAft>
+              <a:buClrTx/>
+              <a:buSzTx/>
+              <a:buFontTx/>
+              <a:buNone/>
+              <a:tabLst/>
+            </a:pPr>
+            <a:r>
+              <a:rPr kumimoji="0" lang="en-US" altLang="en-US" sz="1500" b="0" i="0" u="none" strike="noStrike" cap="none" normalizeH="0" baseline="0" dirty="0">
+                <a:ln>
+                  <a:noFill/>
+                </a:ln>
+                <a:solidFill>
+                  <a:srgbClr val="000000"/>
+                </a:solidFill>
+                <a:effectLst/>
+                <a:latin typeface="Courier New" panose="02070309020205020404" pitchFamily="49" charset="0"/>
+              </a:rPr>
+              <a:t>'vertebrate’</a:t>
+            </a:r>
+            <a:endParaRPr kumimoji="0" lang="tr-TR" altLang="en-US" sz="1500" b="0" i="0" u="none" strike="noStrike" cap="none" normalizeH="0" baseline="0" dirty="0">
+              <a:ln>
+                <a:noFill/>
+              </a:ln>
+              <a:solidFill>
+                <a:srgbClr val="000000"/>
+              </a:solidFill>
+              <a:effectLst/>
+              <a:latin typeface="Courier New" panose="02070309020205020404" pitchFamily="49" charset="0"/>
+            </a:endParaRPr>
+          </a:p>
+          <a:p>
+            <a:pPr marL="0" marR="0" lvl="0" indent="0" algn="l" defTabSz="914400" rtl="0" eaLnBrk="0" fontAlgn="base" latinLnBrk="0" hangingPunct="0">
+              <a:lnSpc>
+                <a:spcPct val="100000"/>
+              </a:lnSpc>
+              <a:spcBef>
+                <a:spcPct val="0"/>
+              </a:spcBef>
+              <a:spcAft>
+                <a:spcPct val="0"/>
+              </a:spcAft>
+              <a:buClrTx/>
+              <a:buSzTx/>
+              <a:buFontTx/>
+              <a:buNone/>
+              <a:tabLst/>
+            </a:pPr>
+            <a:r>
+              <a:rPr kumimoji="0" lang="en-US" altLang="en-US" sz="1500" b="0" i="0" u="none" strike="noStrike" cap="none" normalizeH="0" baseline="0" dirty="0">
+                <a:ln>
+                  <a:noFill/>
+                </a:ln>
+                <a:solidFill>
+                  <a:srgbClr val="000000"/>
+                </a:solidFill>
+                <a:effectLst/>
+                <a:latin typeface="Courier New" panose="02070309020205020404" pitchFamily="49" charset="0"/>
+              </a:rPr>
+              <a:t>'warm-blooded animal’</a:t>
+            </a:r>
+            <a:endParaRPr kumimoji="0" lang="tr-TR" altLang="en-US" sz="1500" b="0" i="0" u="none" strike="noStrike" cap="none" normalizeH="0" baseline="0" dirty="0">
+              <a:ln>
+                <a:noFill/>
+              </a:ln>
+              <a:solidFill>
+                <a:srgbClr val="000000"/>
+              </a:solidFill>
+              <a:effectLst/>
+              <a:latin typeface="Courier New" panose="02070309020205020404" pitchFamily="49" charset="0"/>
+            </a:endParaRPr>
+          </a:p>
+          <a:p>
+            <a:pPr marL="0" marR="0" lvl="0" indent="0" algn="l" defTabSz="914400" rtl="0" eaLnBrk="0" fontAlgn="base" latinLnBrk="0" hangingPunct="0">
+              <a:lnSpc>
+                <a:spcPct val="100000"/>
+              </a:lnSpc>
+              <a:spcBef>
+                <a:spcPct val="0"/>
+              </a:spcBef>
+              <a:spcAft>
+                <a:spcPct val="0"/>
+              </a:spcAft>
+              <a:buClrTx/>
+              <a:buSzTx/>
+              <a:buFontTx/>
+              <a:buNone/>
+              <a:tabLst/>
+            </a:pPr>
+            <a:r>
+              <a:rPr kumimoji="0" lang="en-US" altLang="en-US" sz="1500" b="0" i="0" u="none" strike="noStrike" cap="none" normalizeH="0" baseline="0" dirty="0">
+                <a:ln>
+                  <a:noFill/>
+                </a:ln>
+                <a:solidFill>
+                  <a:srgbClr val="000000"/>
+                </a:solidFill>
+                <a:effectLst/>
+                <a:latin typeface="Courier New" panose="02070309020205020404" pitchFamily="49" charset="0"/>
+              </a:rPr>
+              <a:t>'mammalian’</a:t>
+            </a:r>
+            <a:endParaRPr kumimoji="0" lang="tr-TR" altLang="en-US" sz="1500" b="0" i="0" u="none" strike="noStrike" cap="none" normalizeH="0" baseline="0" dirty="0">
+              <a:ln>
+                <a:noFill/>
+              </a:ln>
+              <a:solidFill>
+                <a:srgbClr val="000000"/>
+              </a:solidFill>
+              <a:effectLst/>
+              <a:latin typeface="Courier New" panose="02070309020205020404" pitchFamily="49" charset="0"/>
+            </a:endParaRPr>
+          </a:p>
+          <a:p>
+            <a:pPr marL="0" marR="0" lvl="0" indent="0" algn="l" defTabSz="914400" rtl="0" eaLnBrk="0" fontAlgn="base" latinLnBrk="0" hangingPunct="0">
+              <a:lnSpc>
+                <a:spcPct val="100000"/>
+              </a:lnSpc>
+              <a:spcBef>
+                <a:spcPct val="0"/>
+              </a:spcBef>
+              <a:spcAft>
+                <a:spcPct val="0"/>
+              </a:spcAft>
+              <a:buClrTx/>
+              <a:buSzTx/>
+              <a:buFontTx/>
+              <a:buNone/>
+              <a:tabLst/>
+            </a:pPr>
+            <a:r>
+              <a:rPr kumimoji="0" lang="en-US" altLang="en-US" sz="1500" b="0" i="0" u="none" strike="noStrike" cap="none" normalizeH="0" baseline="0" dirty="0">
+                <a:ln>
+                  <a:noFill/>
+                </a:ln>
+                <a:solidFill>
+                  <a:srgbClr val="000000"/>
+                </a:solidFill>
+                <a:effectLst/>
+                <a:latin typeface="Courier New" panose="02070309020205020404" pitchFamily="49" charset="0"/>
+              </a:rPr>
+              <a:t>'primate’</a:t>
+            </a:r>
+            <a:endParaRPr kumimoji="0" lang="tr-TR" altLang="en-US" sz="1500" b="0" i="0" u="none" strike="noStrike" cap="none" normalizeH="0" baseline="0" dirty="0">
+              <a:ln>
+                <a:noFill/>
+              </a:ln>
+              <a:solidFill>
+                <a:srgbClr val="000000"/>
+              </a:solidFill>
+              <a:effectLst/>
+              <a:latin typeface="Courier New" panose="02070309020205020404" pitchFamily="49" charset="0"/>
+            </a:endParaRPr>
+          </a:p>
+          <a:p>
+            <a:pPr marL="0" marR="0" lvl="0" indent="0" algn="l" defTabSz="914400" rtl="0" eaLnBrk="0" fontAlgn="base" latinLnBrk="0" hangingPunct="0">
+              <a:lnSpc>
+                <a:spcPct val="100000"/>
+              </a:lnSpc>
+              <a:spcBef>
+                <a:spcPct val="0"/>
+              </a:spcBef>
+              <a:spcAft>
+                <a:spcPct val="0"/>
+              </a:spcAft>
+              <a:buClrTx/>
+              <a:buSzTx/>
+              <a:buFontTx/>
+              <a:buNone/>
+              <a:tabLst/>
+            </a:pPr>
+            <a:r>
+              <a:rPr kumimoji="0" lang="en-US" altLang="en-US" sz="1500" b="0" i="0" u="none" strike="noStrike" cap="none" normalizeH="0" baseline="0" dirty="0">
+                <a:ln>
+                  <a:noFill/>
+                </a:ln>
+                <a:solidFill>
+                  <a:srgbClr val="000000"/>
+                </a:solidFill>
+                <a:effectLst/>
+                <a:latin typeface="Courier New" panose="02070309020205020404" pitchFamily="49" charset="0"/>
+              </a:rPr>
+              <a:t>'human</a:t>
+            </a:r>
+            <a:r>
+              <a:rPr kumimoji="0" lang="tr-TR" altLang="en-US" sz="1500" b="0" i="0" u="none" strike="noStrike" cap="none" normalizeH="0" baseline="0" dirty="0">
+                <a:ln>
+                  <a:noFill/>
+                </a:ln>
+                <a:solidFill>
+                  <a:srgbClr val="000000"/>
+                </a:solidFill>
+                <a:effectLst/>
+                <a:latin typeface="Courier New" panose="02070309020205020404" pitchFamily="49" charset="0"/>
+              </a:rPr>
+              <a:t>’</a:t>
+            </a:r>
+          </a:p>
+          <a:p>
+            <a:pPr marL="0" marR="0" lvl="0" indent="0" algn="l" defTabSz="914400" rtl="0" eaLnBrk="0" fontAlgn="base" latinLnBrk="0" hangingPunct="0">
+              <a:lnSpc>
+                <a:spcPct val="100000"/>
+              </a:lnSpc>
+              <a:spcBef>
+                <a:spcPct val="0"/>
+              </a:spcBef>
+              <a:spcAft>
+                <a:spcPct val="0"/>
+              </a:spcAft>
+              <a:buClrTx/>
+              <a:buSzTx/>
+              <a:buFontTx/>
+              <a:buNone/>
+              <a:tabLst/>
+            </a:pPr>
+            <a:r>
+              <a:rPr kumimoji="0" lang="en-US" altLang="en-US" sz="1500" b="0" i="0" u="none" strike="noStrike" cap="none" normalizeH="0" baseline="0" dirty="0">
+                <a:ln>
+                  <a:noFill/>
+                </a:ln>
+                <a:solidFill>
+                  <a:srgbClr val="000000"/>
+                </a:solidFill>
+                <a:effectLst/>
+                <a:latin typeface="Courier New" panose="02070309020205020404" pitchFamily="49" charset="0"/>
+              </a:rPr>
+              <a:t>'ill person'</a:t>
+            </a:r>
+            <a:endParaRPr kumimoji="0" lang="en-US" altLang="en-US" sz="1500" b="0" i="0" u="none" strike="noStrike" cap="none" normalizeH="0" baseline="0" dirty="0">
+              <a:ln>
+                <a:noFill/>
+              </a:ln>
+              <a:solidFill>
+                <a:schemeClr val="tx1"/>
+              </a:solidFill>
+              <a:effectLst/>
+              <a:latin typeface="Arial" panose="020B0604020202020204" pitchFamily="34" charset="0"/>
+            </a:endParaRPr>
+          </a:p>
+        </p:txBody>
+      </p:sp>
+    </p:spTree>
+    <p:extLst>
+      <p:ext uri="{BB962C8B-B14F-4D97-AF65-F5344CB8AC3E}">
+        <p14:creationId xmlns:p14="http://schemas.microsoft.com/office/powerpoint/2010/main" val="364321508"/>
+      </p:ext>
+    </p:extLst>
+  </p:cSld>
+  <p:clrMapOvr>
+    <a:masterClrMapping/>
+  </p:clrMapOvr>
+</p:sld>
+</file>
+
+<file path=ppt/slides/slide14.xml><?xml version="1.0" encoding="utf-8"?>
+<p:sld xmlns:a="http://schemas.openxmlformats.org/drawingml/2006/main" xmlns:r="http://schemas.openxmlformats.org/officeDocument/2006/relationships" xmlns:p="http://schemas.openxmlformats.org/presentationml/2006/main">
+  <p:cSld>
+    <p:spTree>
+      <p:nvGrpSpPr>
+        <p:cNvPr id="1" name=""/>
+        <p:cNvGrpSpPr/>
+        <p:nvPr/>
+      </p:nvGrpSpPr>
+      <p:grpSpPr>
+        <a:xfrm>
+          <a:off x="0" y="0"/>
+          <a:ext cx="0" cy="0"/>
+          <a:chOff x="0" y="0"/>
+          <a:chExt cx="0" cy="0"/>
+        </a:xfrm>
+      </p:grpSpPr>
+      <p:sp>
+        <p:nvSpPr>
+          <p:cNvPr id="2" name="Title 1">
+            <a:extLst>
+              <a:ext uri="{FF2B5EF4-FFF2-40B4-BE49-F238E27FC236}">
+                <a16:creationId xmlns:a16="http://schemas.microsoft.com/office/drawing/2014/main" id="{369CA4F0-7F76-4DC7-A47D-BD061E0C6AF6}"/>
+              </a:ext>
+            </a:extLst>
+          </p:cNvPr>
+          <p:cNvSpPr>
+            <a:spLocks noGrp="1"/>
+          </p:cNvSpPr>
+          <p:nvPr>
+            <p:ph type="title"/>
+          </p:nvPr>
+        </p:nvSpPr>
+        <p:spPr/>
+        <p:txBody>
+          <a:bodyPr/>
+          <a:lstStyle/>
+          <a:p>
+            <a:r>
+              <a:rPr lang="tr-TR" dirty="0" err="1"/>
+              <a:t>Ontology</a:t>
+            </a:r>
+            <a:r>
+              <a:rPr lang="tr-TR" dirty="0"/>
+              <a:t> Library - </a:t>
+            </a:r>
+            <a:r>
+              <a:rPr lang="tr-TR" dirty="0" err="1"/>
+              <a:t>Pronto</a:t>
+            </a:r>
+            <a:endParaRPr lang="en-US" dirty="0"/>
+          </a:p>
+        </p:txBody>
+      </p:sp>
+      <p:sp>
+        <p:nvSpPr>
+          <p:cNvPr id="4" name="Metin kutusu 3">
+            <a:extLst>
+              <a:ext uri="{FF2B5EF4-FFF2-40B4-BE49-F238E27FC236}">
+                <a16:creationId xmlns:a16="http://schemas.microsoft.com/office/drawing/2014/main" id="{5493AFB4-C80F-4C1E-A778-8C2780B2BBBD}"/>
+              </a:ext>
+            </a:extLst>
+          </p:cNvPr>
+          <p:cNvSpPr txBox="1"/>
+          <p:nvPr/>
+        </p:nvSpPr>
+        <p:spPr>
+          <a:xfrm>
+            <a:off x="7093610" y="2052084"/>
+            <a:ext cx="4001110" cy="1200329"/>
+          </a:xfrm>
+          <a:prstGeom prst="rect">
+            <a:avLst/>
+          </a:prstGeom>
+          <a:noFill/>
+        </p:spPr>
+        <p:txBody>
+          <a:bodyPr wrap="square" rtlCol="0">
+            <a:spAutoFit/>
+          </a:bodyPr>
+          <a:lstStyle/>
+          <a:p>
+            <a:r>
+              <a:rPr lang="tr-TR" dirty="0"/>
+              <a:t>K-</a:t>
+            </a:r>
+            <a:r>
+              <a:rPr lang="tr-TR" dirty="0" err="1"/>
+              <a:t>Means</a:t>
+            </a:r>
+            <a:r>
+              <a:rPr lang="tr-TR" dirty="0"/>
+              <a:t> Clustering</a:t>
+            </a:r>
+          </a:p>
+          <a:p>
+            <a:endParaRPr lang="tr-TR" dirty="0"/>
+          </a:p>
+          <a:p>
+            <a:r>
+              <a:rPr lang="tr-TR" dirty="0" err="1"/>
+              <a:t>Nearest</a:t>
+            </a:r>
+            <a:r>
+              <a:rPr lang="tr-TR" dirty="0"/>
+              <a:t> </a:t>
+            </a:r>
+            <a:r>
+              <a:rPr lang="tr-TR" dirty="0" err="1"/>
+              <a:t>cluster</a:t>
+            </a:r>
+            <a:r>
+              <a:rPr lang="tr-TR" dirty="0"/>
+              <a:t> can be </a:t>
+            </a:r>
+            <a:r>
+              <a:rPr lang="tr-TR" dirty="0" err="1"/>
+              <a:t>selected</a:t>
+            </a:r>
+            <a:r>
+              <a:rPr lang="tr-TR" dirty="0"/>
+              <a:t> </a:t>
+            </a:r>
+            <a:r>
+              <a:rPr lang="tr-TR" dirty="0" err="1"/>
+              <a:t>for</a:t>
+            </a:r>
+            <a:r>
+              <a:rPr lang="tr-TR" dirty="0"/>
+              <a:t> </a:t>
+            </a:r>
+            <a:r>
+              <a:rPr lang="tr-TR" dirty="0" err="1"/>
+              <a:t>candidate</a:t>
+            </a:r>
+            <a:r>
+              <a:rPr lang="tr-TR" dirty="0"/>
+              <a:t> </a:t>
+            </a:r>
+            <a:r>
+              <a:rPr lang="tr-TR" dirty="0" err="1"/>
+              <a:t>text</a:t>
+            </a:r>
+            <a:r>
+              <a:rPr lang="tr-TR" dirty="0"/>
+              <a:t>.</a:t>
+            </a:r>
+          </a:p>
+        </p:txBody>
+      </p:sp>
+      <p:sp>
+        <p:nvSpPr>
+          <p:cNvPr id="6" name="İçerik Yer Tutucusu 5">
+            <a:extLst>
+              <a:ext uri="{FF2B5EF4-FFF2-40B4-BE49-F238E27FC236}">
+                <a16:creationId xmlns:a16="http://schemas.microsoft.com/office/drawing/2014/main" id="{23B3D097-7371-4ECD-8AB7-8D891604880E}"/>
+              </a:ext>
+            </a:extLst>
+          </p:cNvPr>
+          <p:cNvSpPr>
+            <a:spLocks noGrp="1"/>
+          </p:cNvSpPr>
+          <p:nvPr>
+            <p:ph idx="1"/>
+          </p:nvPr>
+        </p:nvSpPr>
+        <p:spPr>
+          <a:xfrm>
+            <a:off x="1097280" y="1845734"/>
+            <a:ext cx="5905099" cy="4023360"/>
+          </a:xfrm>
+        </p:spPr>
+        <p:txBody>
+          <a:bodyPr/>
+          <a:lstStyle/>
+          <a:p>
+            <a:endParaRPr lang="en-US" dirty="0"/>
+          </a:p>
+        </p:txBody>
+      </p:sp>
+      <p:pic>
+        <p:nvPicPr>
+          <p:cNvPr id="3076" name="Picture 4">
+            <a:extLst>
+              <a:ext uri="{FF2B5EF4-FFF2-40B4-BE49-F238E27FC236}">
+                <a16:creationId xmlns:a16="http://schemas.microsoft.com/office/drawing/2014/main" id="{86C3228B-6897-4809-B0A4-6B47BEF18AEA}"/>
+              </a:ext>
+            </a:extLst>
+          </p:cNvPr>
+          <p:cNvPicPr>
+            <a:picLocks noChangeAspect="1" noChangeArrowheads="1"/>
+          </p:cNvPicPr>
+          <p:nvPr/>
+        </p:nvPicPr>
+        <p:blipFill>
+          <a:blip r:embed="rId2">
+            <a:extLst>
+              <a:ext uri="{28A0092B-C50C-407E-A947-70E740481C1C}">
+                <a14:useLocalDpi xmlns:a14="http://schemas.microsoft.com/office/drawing/2010/main" val="0"/>
+              </a:ext>
+            </a:extLst>
+          </a:blip>
+          <a:srcRect/>
+          <a:stretch>
+            <a:fillRect/>
+          </a:stretch>
+        </p:blipFill>
+        <p:spPr bwMode="auto">
+          <a:xfrm>
+            <a:off x="1123347" y="1851433"/>
+            <a:ext cx="5121041" cy="4203741"/>
+          </a:xfrm>
+          <a:prstGeom prst="rect">
+            <a:avLst/>
+          </a:prstGeom>
+          <a:noFill/>
+          <a:extLst>
+            <a:ext uri="{909E8E84-426E-40DD-AFC4-6F175D3DCCD1}">
+              <a14:hiddenFill xmlns:a14="http://schemas.microsoft.com/office/drawing/2010/main">
+                <a:solidFill>
+                  <a:srgbClr val="FFFFFF"/>
+                </a:solidFill>
+              </a14:hiddenFill>
+            </a:ext>
+          </a:extLst>
+        </p:spPr>
+      </p:pic>
+    </p:spTree>
+    <p:extLst>
+      <p:ext uri="{BB962C8B-B14F-4D97-AF65-F5344CB8AC3E}">
+        <p14:creationId xmlns:p14="http://schemas.microsoft.com/office/powerpoint/2010/main" val="2272323668"/>
+      </p:ext>
+    </p:extLst>
+  </p:cSld>
+  <p:clrMapOvr>
+    <a:masterClrMapping/>
+  </p:clrMapOvr>
+</p:sld>
+</file>
+
+<file path=ppt/slides/slide15.xml><?xml version="1.0" encoding="utf-8"?>
+<p:sld xmlns:a="http://schemas.openxmlformats.org/drawingml/2006/main" xmlns:r="http://schemas.openxmlformats.org/officeDocument/2006/relationships" xmlns:p="http://schemas.openxmlformats.org/presentationml/2006/main">
+  <p:cSld>
+    <p:spTree>
+      <p:nvGrpSpPr>
+        <p:cNvPr id="1" name=""/>
+        <p:cNvGrpSpPr/>
+        <p:nvPr/>
+      </p:nvGrpSpPr>
+      <p:grpSpPr>
+        <a:xfrm>
+          <a:off x="0" y="0"/>
+          <a:ext cx="0" cy="0"/>
+          <a:chOff x="0" y="0"/>
+          <a:chExt cx="0" cy="0"/>
+        </a:xfrm>
+      </p:grpSpPr>
+      <p:sp>
+        <p:nvSpPr>
+          <p:cNvPr id="2" name="Title 1">
+            <a:extLst>
+              <a:ext uri="{FF2B5EF4-FFF2-40B4-BE49-F238E27FC236}">
+                <a16:creationId xmlns:a16="http://schemas.microsoft.com/office/drawing/2014/main" id="{1AE67C95-A1CD-44F8-99D2-4640264C88CA}"/>
+              </a:ext>
+            </a:extLst>
+          </p:cNvPr>
+          <p:cNvSpPr>
+            <a:spLocks noGrp="1"/>
+          </p:cNvSpPr>
+          <p:nvPr>
+            <p:ph type="title"/>
+          </p:nvPr>
+        </p:nvSpPr>
+        <p:spPr/>
+        <p:txBody>
+          <a:bodyPr/>
+          <a:lstStyle/>
+          <a:p>
+            <a:r>
+              <a:rPr lang="en-US" dirty="0"/>
+              <a:t>Future Work</a:t>
+            </a:r>
+          </a:p>
+        </p:txBody>
+      </p:sp>
+      <p:sp>
+        <p:nvSpPr>
+          <p:cNvPr id="3" name="Content Placeholder 2">
+            <a:extLst>
+              <a:ext uri="{FF2B5EF4-FFF2-40B4-BE49-F238E27FC236}">
+                <a16:creationId xmlns:a16="http://schemas.microsoft.com/office/drawing/2014/main" id="{3B9B51B1-383B-4A8B-9C5B-9FD704B0BC1B}"/>
+              </a:ext>
+            </a:extLst>
+          </p:cNvPr>
+          <p:cNvSpPr>
+            <a:spLocks noGrp="1"/>
+          </p:cNvSpPr>
+          <p:nvPr>
+            <p:ph idx="1"/>
+          </p:nvPr>
+        </p:nvSpPr>
+        <p:spPr/>
+        <p:txBody>
+          <a:bodyPr/>
+          <a:lstStyle/>
+          <a:p>
+            <a:r>
+              <a:rPr lang="en-US" dirty="0"/>
+              <a:t>Paper 1</a:t>
+            </a:r>
+          </a:p>
+          <a:p>
+            <a:r>
+              <a:rPr lang="en-US" dirty="0"/>
+              <a:t>Paper 2</a:t>
+            </a:r>
+          </a:p>
+          <a:p>
+            <a:r>
+              <a:rPr lang="en-US" dirty="0"/>
+              <a:t>Paper 3</a:t>
+            </a:r>
+          </a:p>
+        </p:txBody>
+      </p:sp>
+    </p:spTree>
+    <p:extLst>
+      <p:ext uri="{BB962C8B-B14F-4D97-AF65-F5344CB8AC3E}">
+        <p14:creationId xmlns:p14="http://schemas.microsoft.com/office/powerpoint/2010/main" val="2168468946"/>
+      </p:ext>
+    </p:extLst>
+  </p:cSld>
+  <p:clrMapOvr>
+    <a:masterClrMapping/>
+  </p:clrMapOvr>
+</p:sld>
+</file>
+
+<file path=ppt/slides/slide16.xml><?xml version="1.0" encoding="utf-8"?>
+<p:sld xmlns:a="http://schemas.openxmlformats.org/drawingml/2006/main" xmlns:r="http://schemas.openxmlformats.org/officeDocument/2006/relationships" xmlns:p="http://schemas.openxmlformats.org/presentationml/2006/main">
+  <p:cSld>
+    <p:spTree>
+      <p:nvGrpSpPr>
+        <p:cNvPr id="1" name=""/>
+        <p:cNvGrpSpPr/>
+        <p:nvPr/>
+      </p:nvGrpSpPr>
+      <p:grpSpPr>
+        <a:xfrm>
+          <a:off x="0" y="0"/>
+          <a:ext cx="0" cy="0"/>
+          <a:chOff x="0" y="0"/>
+          <a:chExt cx="0" cy="0"/>
+        </a:xfrm>
+      </p:grpSpPr>
+      <p:sp>
+        <p:nvSpPr>
+          <p:cNvPr id="2" name="Title 1">
+            <a:extLst>
+              <a:ext uri="{FF2B5EF4-FFF2-40B4-BE49-F238E27FC236}">
+                <a16:creationId xmlns:a16="http://schemas.microsoft.com/office/drawing/2014/main" id="{1AE67C95-A1CD-44F8-99D2-4640264C88CA}"/>
+              </a:ext>
+            </a:extLst>
+          </p:cNvPr>
+          <p:cNvSpPr>
+            <a:spLocks noGrp="1"/>
+          </p:cNvSpPr>
+          <p:nvPr>
+            <p:ph type="title"/>
+          </p:nvPr>
+        </p:nvSpPr>
+        <p:spPr/>
+        <p:txBody>
+          <a:bodyPr/>
+          <a:lstStyle/>
+          <a:p>
+            <a:r>
+              <a:rPr lang="en-US" dirty="0"/>
+              <a:t>Paper 1</a:t>
+            </a:r>
+          </a:p>
+        </p:txBody>
+      </p:sp>
+      <p:sp>
+        <p:nvSpPr>
+          <p:cNvPr id="3" name="Content Placeholder 2">
+            <a:extLst>
+              <a:ext uri="{FF2B5EF4-FFF2-40B4-BE49-F238E27FC236}">
+                <a16:creationId xmlns:a16="http://schemas.microsoft.com/office/drawing/2014/main" id="{3B9B51B1-383B-4A8B-9C5B-9FD704B0BC1B}"/>
+              </a:ext>
+            </a:extLst>
+          </p:cNvPr>
+          <p:cNvSpPr>
+            <a:spLocks noGrp="1"/>
+          </p:cNvSpPr>
+          <p:nvPr>
+            <p:ph idx="1"/>
+          </p:nvPr>
+        </p:nvSpPr>
+        <p:spPr/>
+        <p:txBody>
+          <a:bodyPr/>
+          <a:lstStyle/>
+          <a:p>
+            <a:endParaRPr lang="en-US" dirty="0"/>
+          </a:p>
+        </p:txBody>
+      </p:sp>
+    </p:spTree>
+    <p:extLst>
+      <p:ext uri="{BB962C8B-B14F-4D97-AF65-F5344CB8AC3E}">
+        <p14:creationId xmlns:p14="http://schemas.microsoft.com/office/powerpoint/2010/main" val="1452545530"/>
+      </p:ext>
+    </p:extLst>
+  </p:cSld>
+  <p:clrMapOvr>
+    <a:masterClrMapping/>
+  </p:clrMapOvr>
+</p:sld>
+</file>
+
+<file path=ppt/slides/slide17.xml><?xml version="1.0" encoding="utf-8"?>
+<p:sld xmlns:a="http://schemas.openxmlformats.org/drawingml/2006/main" xmlns:r="http://schemas.openxmlformats.org/officeDocument/2006/relationships" xmlns:p="http://schemas.openxmlformats.org/presentationml/2006/main">
+  <p:cSld>
+    <p:spTree>
+      <p:nvGrpSpPr>
+        <p:cNvPr id="1" name=""/>
+        <p:cNvGrpSpPr/>
+        <p:nvPr/>
+      </p:nvGrpSpPr>
+      <p:grpSpPr>
+        <a:xfrm>
+          <a:off x="0" y="0"/>
+          <a:ext cx="0" cy="0"/>
+          <a:chOff x="0" y="0"/>
+          <a:chExt cx="0" cy="0"/>
+        </a:xfrm>
+      </p:grpSpPr>
+      <p:sp>
+        <p:nvSpPr>
+          <p:cNvPr id="2" name="Title 1">
+            <a:extLst>
+              <a:ext uri="{FF2B5EF4-FFF2-40B4-BE49-F238E27FC236}">
+                <a16:creationId xmlns:a16="http://schemas.microsoft.com/office/drawing/2014/main" id="{1AE67C95-A1CD-44F8-99D2-4640264C88CA}"/>
+              </a:ext>
+            </a:extLst>
+          </p:cNvPr>
+          <p:cNvSpPr>
+            <a:spLocks noGrp="1"/>
+          </p:cNvSpPr>
+          <p:nvPr>
+            <p:ph type="title"/>
+          </p:nvPr>
+        </p:nvSpPr>
+        <p:spPr/>
+        <p:txBody>
+          <a:bodyPr/>
+          <a:lstStyle/>
+          <a:p>
+            <a:r>
+              <a:rPr lang="en-US" dirty="0"/>
+              <a:t>Paper 2</a:t>
+            </a:r>
+          </a:p>
+        </p:txBody>
+      </p:sp>
+      <p:sp>
+        <p:nvSpPr>
+          <p:cNvPr id="3" name="Content Placeholder 2">
+            <a:extLst>
+              <a:ext uri="{FF2B5EF4-FFF2-40B4-BE49-F238E27FC236}">
+                <a16:creationId xmlns:a16="http://schemas.microsoft.com/office/drawing/2014/main" id="{3B9B51B1-383B-4A8B-9C5B-9FD704B0BC1B}"/>
+              </a:ext>
+            </a:extLst>
+          </p:cNvPr>
+          <p:cNvSpPr>
+            <a:spLocks noGrp="1"/>
+          </p:cNvSpPr>
+          <p:nvPr>
+            <p:ph idx="1"/>
+          </p:nvPr>
+        </p:nvSpPr>
+        <p:spPr/>
+        <p:txBody>
+          <a:bodyPr/>
+          <a:lstStyle/>
+          <a:p>
+            <a:endParaRPr lang="en-US" dirty="0"/>
+          </a:p>
+        </p:txBody>
+      </p:sp>
+    </p:spTree>
+    <p:extLst>
+      <p:ext uri="{BB962C8B-B14F-4D97-AF65-F5344CB8AC3E}">
+        <p14:creationId xmlns:p14="http://schemas.microsoft.com/office/powerpoint/2010/main" val="3961645006"/>
+      </p:ext>
+    </p:extLst>
+  </p:cSld>
+  <p:clrMapOvr>
+    <a:masterClrMapping/>
+  </p:clrMapOvr>
+</p:sld>
+</file>
+
+<file path=ppt/slides/slide18.xml><?xml version="1.0" encoding="utf-8"?>
+<p:sld xmlns:a="http://schemas.openxmlformats.org/drawingml/2006/main" xmlns:r="http://schemas.openxmlformats.org/officeDocument/2006/relationships" xmlns:p="http://schemas.openxmlformats.org/presentationml/2006/main">
+  <p:cSld>
+    <p:spTree>
+      <p:nvGrpSpPr>
+        <p:cNvPr id="1" name=""/>
+        <p:cNvGrpSpPr/>
+        <p:nvPr/>
+      </p:nvGrpSpPr>
+      <p:grpSpPr>
+        <a:xfrm>
+          <a:off x="0" y="0"/>
+          <a:ext cx="0" cy="0"/>
+          <a:chOff x="0" y="0"/>
+          <a:chExt cx="0" cy="0"/>
+        </a:xfrm>
+      </p:grpSpPr>
+      <p:sp>
+        <p:nvSpPr>
+          <p:cNvPr id="2" name="Title 1">
+            <a:extLst>
+              <a:ext uri="{FF2B5EF4-FFF2-40B4-BE49-F238E27FC236}">
                 <a16:creationId xmlns:a16="http://schemas.microsoft.com/office/drawing/2014/main" id="{1AE67C95-A1CD-44F8-99D2-4640264C88CA}"/>
               </a:ext>
             </a:extLst>
@@ -4316,34 +6597,1401 @@
           <a:lstStyle/>
           <a:p>
             <a:r>
-              <a:rPr lang="en-US" dirty="0" err="1"/>
-              <a:t>Abdullah_part_name</a:t>
+              <a:rPr lang="tr-TR" dirty="0" err="1"/>
+              <a:t>Performance</a:t>
+            </a:r>
+            <a:r>
+              <a:rPr lang="tr-TR" dirty="0"/>
+              <a:t> </a:t>
+            </a:r>
+            <a:r>
+              <a:rPr lang="tr-TR" dirty="0" err="1"/>
+              <a:t>Problems</a:t>
             </a:r>
             <a:endParaRPr lang="en-US" dirty="0"/>
           </a:p>
         </p:txBody>
       </p:sp>
-      <p:sp>
-        <p:nvSpPr>
-          <p:cNvPr id="3" name="Content Placeholder 2">
+      <p:graphicFrame>
+        <p:nvGraphicFramePr>
+          <p:cNvPr id="4" name="İçerik Yer Tutucusu 3">
             <a:extLst>
               <a:ext uri="{FF2B5EF4-FFF2-40B4-BE49-F238E27FC236}">
-                <a16:creationId xmlns:a16="http://schemas.microsoft.com/office/drawing/2014/main" id="{D941672E-CF5C-4625-8693-307F29A99472}"/>
+                <a16:creationId xmlns:a16="http://schemas.microsoft.com/office/drawing/2014/main" id="{82941924-2BA1-4302-B14A-7C4369D08178}"/>
               </a:ext>
             </a:extLst>
           </p:cNvPr>
-          <p:cNvSpPr>
-            <a:spLocks noGrp="1"/>
-          </p:cNvSpPr>
+          <p:cNvGraphicFramePr>
+            <a:graphicFrameLocks noGrp="1"/>
+          </p:cNvGraphicFramePr>
           <p:nvPr>
             <p:ph idx="1"/>
+            <p:extLst>
+              <p:ext uri="{D42A27DB-BD31-4B8C-83A1-F6EECF244321}">
+                <p14:modId xmlns:p14="http://schemas.microsoft.com/office/powerpoint/2010/main" val="2133789892"/>
+              </p:ext>
+            </p:extLst>
           </p:nvPr>
-        </p:nvSpPr>
-        <p:spPr/>
+        </p:nvGraphicFramePr>
+        <p:xfrm>
+          <a:off x="1218281" y="2167187"/>
+          <a:ext cx="4316247" cy="2140116"/>
+        </p:xfrm>
+        <a:graphic>
+          <a:graphicData uri="http://schemas.openxmlformats.org/drawingml/2006/table">
+            <a:tbl>
+              <a:tblPr/>
+              <a:tblGrid>
+                <a:gridCol w="1381769">
+                  <a:extLst>
+                    <a:ext uri="{9D8B030D-6E8A-4147-A177-3AD203B41FA5}">
+                      <a16:colId xmlns:a16="http://schemas.microsoft.com/office/drawing/2014/main" val="3021092209"/>
+                    </a:ext>
+                  </a:extLst>
+                </a:gridCol>
+                <a:gridCol w="1310544">
+                  <a:extLst>
+                    <a:ext uri="{9D8B030D-6E8A-4147-A177-3AD203B41FA5}">
+                      <a16:colId xmlns:a16="http://schemas.microsoft.com/office/drawing/2014/main" val="2193093290"/>
+                    </a:ext>
+                  </a:extLst>
+                </a:gridCol>
+                <a:gridCol w="1623934">
+                  <a:extLst>
+                    <a:ext uri="{9D8B030D-6E8A-4147-A177-3AD203B41FA5}">
+                      <a16:colId xmlns:a16="http://schemas.microsoft.com/office/drawing/2014/main" val="2210054494"/>
+                    </a:ext>
+                  </a:extLst>
+                </a:gridCol>
+              </a:tblGrid>
+              <a:tr h="356686">
+                <a:tc>
+                  <a:txBody>
+                    <a:bodyPr/>
+                    <a:lstStyle/>
+                    <a:p>
+                      <a:pPr algn="l" fontAlgn="b"/>
+                      <a:r>
+                        <a:rPr lang="en-US" sz="1100" b="0" i="0" u="none" strike="noStrike">
+                          <a:solidFill>
+                            <a:srgbClr val="000000"/>
+                          </a:solidFill>
+                          <a:effectLst/>
+                          <a:latin typeface="Calibri" panose="020F0502020204030204" pitchFamily="34" charset="0"/>
+                        </a:rPr>
+                        <a:t>Input Term </a:t>
+                      </a:r>
+                    </a:p>
+                  </a:txBody>
+                  <a:tcPr marL="9525" marR="9525" marT="9525" marB="0" anchor="b">
+                    <a:lnL w="6350" cap="flat" cmpd="sng" algn="ctr">
+                      <a:solidFill>
+                        <a:srgbClr val="000000"/>
+                      </a:solidFill>
+                      <a:prstDash val="solid"/>
+                      <a:round/>
+                      <a:headEnd type="none" w="med" len="med"/>
+                      <a:tailEnd type="none" w="med" len="med"/>
+                    </a:lnL>
+                    <a:lnR w="6350" cap="flat" cmpd="sng" algn="ctr">
+                      <a:solidFill>
+                        <a:srgbClr val="000000"/>
+                      </a:solidFill>
+                      <a:prstDash val="solid"/>
+                      <a:round/>
+                      <a:headEnd type="none" w="med" len="med"/>
+                      <a:tailEnd type="none" w="med" len="med"/>
+                    </a:lnR>
+                    <a:lnT w="6350" cap="flat" cmpd="sng" algn="ctr">
+                      <a:solidFill>
+                        <a:srgbClr val="000000"/>
+                      </a:solidFill>
+                      <a:prstDash val="solid"/>
+                      <a:round/>
+                      <a:headEnd type="none" w="med" len="med"/>
+                      <a:tailEnd type="none" w="med" len="med"/>
+                    </a:lnT>
+                    <a:lnB w="6350" cap="flat" cmpd="sng" algn="ctr">
+                      <a:solidFill>
+                        <a:srgbClr val="000000"/>
+                      </a:solidFill>
+                      <a:prstDash val="solid"/>
+                      <a:round/>
+                      <a:headEnd type="none" w="med" len="med"/>
+                      <a:tailEnd type="none" w="med" len="med"/>
+                    </a:lnB>
+                    <a:solidFill>
+                      <a:srgbClr val="92D050"/>
+                    </a:solidFill>
+                  </a:tcPr>
+                </a:tc>
+                <a:tc>
+                  <a:txBody>
+                    <a:bodyPr/>
+                    <a:lstStyle/>
+                    <a:p>
+                      <a:pPr algn="l" fontAlgn="b"/>
+                      <a:r>
+                        <a:rPr lang="en-US" sz="1100" b="0" i="0" u="none" strike="noStrike">
+                          <a:solidFill>
+                            <a:srgbClr val="000000"/>
+                          </a:solidFill>
+                          <a:effectLst/>
+                          <a:latin typeface="Calibri" panose="020F0502020204030204" pitchFamily="34" charset="0"/>
+                        </a:rPr>
+                        <a:t> Normalized Term </a:t>
+                      </a:r>
+                    </a:p>
+                  </a:txBody>
+                  <a:tcPr marL="9525" marR="9525" marT="9525" marB="0" anchor="b">
+                    <a:lnL w="6350" cap="flat" cmpd="sng" algn="ctr">
+                      <a:solidFill>
+                        <a:srgbClr val="000000"/>
+                      </a:solidFill>
+                      <a:prstDash val="solid"/>
+                      <a:round/>
+                      <a:headEnd type="none" w="med" len="med"/>
+                      <a:tailEnd type="none" w="med" len="med"/>
+                    </a:lnL>
+                    <a:lnR w="6350" cap="flat" cmpd="sng" algn="ctr">
+                      <a:solidFill>
+                        <a:srgbClr val="000000"/>
+                      </a:solidFill>
+                      <a:prstDash val="solid"/>
+                      <a:round/>
+                      <a:headEnd type="none" w="med" len="med"/>
+                      <a:tailEnd type="none" w="med" len="med"/>
+                    </a:lnR>
+                    <a:lnT w="6350" cap="flat" cmpd="sng" algn="ctr">
+                      <a:solidFill>
+                        <a:srgbClr val="000000"/>
+                      </a:solidFill>
+                      <a:prstDash val="solid"/>
+                      <a:round/>
+                      <a:headEnd type="none" w="med" len="med"/>
+                      <a:tailEnd type="none" w="med" len="med"/>
+                    </a:lnT>
+                    <a:lnB w="6350" cap="flat" cmpd="sng" algn="ctr">
+                      <a:solidFill>
+                        <a:srgbClr val="000000"/>
+                      </a:solidFill>
+                      <a:prstDash val="solid"/>
+                      <a:round/>
+                      <a:headEnd type="none" w="med" len="med"/>
+                      <a:tailEnd type="none" w="med" len="med"/>
+                    </a:lnB>
+                    <a:solidFill>
+                      <a:srgbClr val="92D050"/>
+                    </a:solidFill>
+                  </a:tcPr>
+                </a:tc>
+                <a:tc>
+                  <a:txBody>
+                    <a:bodyPr/>
+                    <a:lstStyle/>
+                    <a:p>
+                      <a:pPr algn="l" fontAlgn="b"/>
+                      <a:r>
+                        <a:rPr lang="en-US" sz="1100" b="0" i="0" u="none" strike="noStrike">
+                          <a:solidFill>
+                            <a:srgbClr val="000000"/>
+                          </a:solidFill>
+                          <a:effectLst/>
+                          <a:latin typeface="Calibri" panose="020F0502020204030204" pitchFamily="34" charset="0"/>
+                        </a:rPr>
+                        <a:t> True Normalized Term </a:t>
+                      </a:r>
+                    </a:p>
+                  </a:txBody>
+                  <a:tcPr marL="9525" marR="9525" marT="9525" marB="0" anchor="b">
+                    <a:lnL w="6350" cap="flat" cmpd="sng" algn="ctr">
+                      <a:solidFill>
+                        <a:srgbClr val="000000"/>
+                      </a:solidFill>
+                      <a:prstDash val="solid"/>
+                      <a:round/>
+                      <a:headEnd type="none" w="med" len="med"/>
+                      <a:tailEnd type="none" w="med" len="med"/>
+                    </a:lnL>
+                    <a:lnR w="6350" cap="flat" cmpd="sng" algn="ctr">
+                      <a:solidFill>
+                        <a:srgbClr val="000000"/>
+                      </a:solidFill>
+                      <a:prstDash val="solid"/>
+                      <a:round/>
+                      <a:headEnd type="none" w="med" len="med"/>
+                      <a:tailEnd type="none" w="med" len="med"/>
+                    </a:lnR>
+                    <a:lnT w="6350" cap="flat" cmpd="sng" algn="ctr">
+                      <a:solidFill>
+                        <a:srgbClr val="000000"/>
+                      </a:solidFill>
+                      <a:prstDash val="solid"/>
+                      <a:round/>
+                      <a:headEnd type="none" w="med" len="med"/>
+                      <a:tailEnd type="none" w="med" len="med"/>
+                    </a:lnT>
+                    <a:lnB w="6350" cap="flat" cmpd="sng" algn="ctr">
+                      <a:solidFill>
+                        <a:srgbClr val="000000"/>
+                      </a:solidFill>
+                      <a:prstDash val="solid"/>
+                      <a:round/>
+                      <a:headEnd type="none" w="med" len="med"/>
+                      <a:tailEnd type="none" w="med" len="med"/>
+                    </a:lnB>
+                    <a:solidFill>
+                      <a:srgbClr val="92D050"/>
+                    </a:solidFill>
+                  </a:tcPr>
+                </a:tc>
+                <a:extLst>
+                  <a:ext uri="{0D108BD9-81ED-4DB2-BD59-A6C34878D82A}">
+                    <a16:rowId xmlns:a16="http://schemas.microsoft.com/office/drawing/2014/main" val="3248941337"/>
+                  </a:ext>
+                </a:extLst>
+              </a:tr>
+              <a:tr h="356686">
+                <a:tc>
+                  <a:txBody>
+                    <a:bodyPr/>
+                    <a:lstStyle/>
+                    <a:p>
+                      <a:pPr algn="l" fontAlgn="b"/>
+                      <a:r>
+                        <a:rPr lang="en-US" sz="1100" b="0" i="0" u="none" strike="noStrike">
+                          <a:solidFill>
+                            <a:srgbClr val="000000"/>
+                          </a:solidFill>
+                          <a:effectLst/>
+                          <a:latin typeface="Calibri" panose="020F0502020204030204" pitchFamily="34" charset="0"/>
+                        </a:rPr>
+                        <a:t>CD20-positive cells </a:t>
+                      </a:r>
+                    </a:p>
+                  </a:txBody>
+                  <a:tcPr marL="9525" marR="9525" marT="9525" marB="0" anchor="b">
+                    <a:lnL w="6350" cap="flat" cmpd="sng" algn="ctr">
+                      <a:solidFill>
+                        <a:srgbClr val="000000"/>
+                      </a:solidFill>
+                      <a:prstDash val="solid"/>
+                      <a:round/>
+                      <a:headEnd type="none" w="med" len="med"/>
+                      <a:tailEnd type="none" w="med" len="med"/>
+                    </a:lnL>
+                    <a:lnR w="6350" cap="flat" cmpd="sng" algn="ctr">
+                      <a:solidFill>
+                        <a:srgbClr val="000000"/>
+                      </a:solidFill>
+                      <a:prstDash val="solid"/>
+                      <a:round/>
+                      <a:headEnd type="none" w="med" len="med"/>
+                      <a:tailEnd type="none" w="med" len="med"/>
+                    </a:lnR>
+                    <a:lnT w="6350" cap="flat" cmpd="sng" algn="ctr">
+                      <a:solidFill>
+                        <a:srgbClr val="000000"/>
+                      </a:solidFill>
+                      <a:prstDash val="solid"/>
+                      <a:round/>
+                      <a:headEnd type="none" w="med" len="med"/>
+                      <a:tailEnd type="none" w="med" len="med"/>
+                    </a:lnT>
+                    <a:lnB w="6350" cap="flat" cmpd="sng" algn="ctr">
+                      <a:solidFill>
+                        <a:srgbClr val="000000"/>
+                      </a:solidFill>
+                      <a:prstDash val="solid"/>
+                      <a:round/>
+                      <a:headEnd type="none" w="med" len="med"/>
+                      <a:tailEnd type="none" w="med" len="med"/>
+                    </a:lnB>
+                  </a:tcPr>
+                </a:tc>
+                <a:tc>
+                  <a:txBody>
+                    <a:bodyPr/>
+                    <a:lstStyle/>
+                    <a:p>
+                      <a:pPr algn="l" fontAlgn="b"/>
+                      <a:r>
+                        <a:rPr lang="en-US" sz="1100" b="0" i="0" u="none" strike="noStrike">
+                          <a:solidFill>
+                            <a:srgbClr val="000000"/>
+                          </a:solidFill>
+                          <a:effectLst/>
+                          <a:latin typeface="Calibri" panose="020F0502020204030204" pitchFamily="34" charset="0"/>
+                        </a:rPr>
+                        <a:t> phagocyte </a:t>
+                      </a:r>
+                    </a:p>
+                  </a:txBody>
+                  <a:tcPr marL="9525" marR="9525" marT="9525" marB="0" anchor="b">
+                    <a:lnL w="6350" cap="flat" cmpd="sng" algn="ctr">
+                      <a:solidFill>
+                        <a:srgbClr val="000000"/>
+                      </a:solidFill>
+                      <a:prstDash val="solid"/>
+                      <a:round/>
+                      <a:headEnd type="none" w="med" len="med"/>
+                      <a:tailEnd type="none" w="med" len="med"/>
+                    </a:lnL>
+                    <a:lnR w="6350" cap="flat" cmpd="sng" algn="ctr">
+                      <a:solidFill>
+                        <a:srgbClr val="000000"/>
+                      </a:solidFill>
+                      <a:prstDash val="solid"/>
+                      <a:round/>
+                      <a:headEnd type="none" w="med" len="med"/>
+                      <a:tailEnd type="none" w="med" len="med"/>
+                    </a:lnR>
+                    <a:lnT w="6350" cap="flat" cmpd="sng" algn="ctr">
+                      <a:solidFill>
+                        <a:srgbClr val="000000"/>
+                      </a:solidFill>
+                      <a:prstDash val="solid"/>
+                      <a:round/>
+                      <a:headEnd type="none" w="med" len="med"/>
+                      <a:tailEnd type="none" w="med" len="med"/>
+                    </a:lnT>
+                    <a:lnB w="6350" cap="flat" cmpd="sng" algn="ctr">
+                      <a:solidFill>
+                        <a:srgbClr val="000000"/>
+                      </a:solidFill>
+                      <a:prstDash val="solid"/>
+                      <a:round/>
+                      <a:headEnd type="none" w="med" len="med"/>
+                      <a:tailEnd type="none" w="med" len="med"/>
+                    </a:lnB>
+                  </a:tcPr>
+                </a:tc>
+                <a:tc>
+                  <a:txBody>
+                    <a:bodyPr/>
+                    <a:lstStyle/>
+                    <a:p>
+                      <a:pPr algn="l" fontAlgn="b"/>
+                      <a:r>
+                        <a:rPr lang="en-US" sz="1100" b="0" i="0" u="none" strike="noStrike">
+                          <a:solidFill>
+                            <a:srgbClr val="000000"/>
+                          </a:solidFill>
+                          <a:effectLst/>
+                          <a:latin typeface="Calibri" panose="020F0502020204030204" pitchFamily="34" charset="0"/>
+                        </a:rPr>
+                        <a:t> lymphocyte </a:t>
+                      </a:r>
+                    </a:p>
+                  </a:txBody>
+                  <a:tcPr marL="9525" marR="9525" marT="9525" marB="0" anchor="b">
+                    <a:lnL w="6350" cap="flat" cmpd="sng" algn="ctr">
+                      <a:solidFill>
+                        <a:srgbClr val="000000"/>
+                      </a:solidFill>
+                      <a:prstDash val="solid"/>
+                      <a:round/>
+                      <a:headEnd type="none" w="med" len="med"/>
+                      <a:tailEnd type="none" w="med" len="med"/>
+                    </a:lnL>
+                    <a:lnR w="6350" cap="flat" cmpd="sng" algn="ctr">
+                      <a:solidFill>
+                        <a:srgbClr val="000000"/>
+                      </a:solidFill>
+                      <a:prstDash val="solid"/>
+                      <a:round/>
+                      <a:headEnd type="none" w="med" len="med"/>
+                      <a:tailEnd type="none" w="med" len="med"/>
+                    </a:lnR>
+                    <a:lnT w="6350" cap="flat" cmpd="sng" algn="ctr">
+                      <a:solidFill>
+                        <a:srgbClr val="000000"/>
+                      </a:solidFill>
+                      <a:prstDash val="solid"/>
+                      <a:round/>
+                      <a:headEnd type="none" w="med" len="med"/>
+                      <a:tailEnd type="none" w="med" len="med"/>
+                    </a:lnT>
+                    <a:lnB w="6350" cap="flat" cmpd="sng" algn="ctr">
+                      <a:solidFill>
+                        <a:srgbClr val="000000"/>
+                      </a:solidFill>
+                      <a:prstDash val="solid"/>
+                      <a:round/>
+                      <a:headEnd type="none" w="med" len="med"/>
+                      <a:tailEnd type="none" w="med" len="med"/>
+                    </a:lnB>
+                  </a:tcPr>
+                </a:tc>
+                <a:extLst>
+                  <a:ext uri="{0D108BD9-81ED-4DB2-BD59-A6C34878D82A}">
+                    <a16:rowId xmlns:a16="http://schemas.microsoft.com/office/drawing/2014/main" val="693340036"/>
+                  </a:ext>
+                </a:extLst>
+              </a:tr>
+              <a:tr h="356686">
+                <a:tc>
+                  <a:txBody>
+                    <a:bodyPr/>
+                    <a:lstStyle/>
+                    <a:p>
+                      <a:pPr algn="l" fontAlgn="b"/>
+                      <a:r>
+                        <a:rPr lang="en-US" sz="1100" b="0" i="0" u="none" strike="noStrike">
+                          <a:solidFill>
+                            <a:srgbClr val="000000"/>
+                          </a:solidFill>
+                          <a:effectLst/>
+                          <a:latin typeface="Calibri" panose="020F0502020204030204" pitchFamily="34" charset="0"/>
+                        </a:rPr>
+                        <a:t>lymphocytic </a:t>
+                      </a:r>
+                    </a:p>
+                  </a:txBody>
+                  <a:tcPr marL="9525" marR="9525" marT="9525" marB="0" anchor="b">
+                    <a:lnL w="6350" cap="flat" cmpd="sng" algn="ctr">
+                      <a:solidFill>
+                        <a:srgbClr val="000000"/>
+                      </a:solidFill>
+                      <a:prstDash val="solid"/>
+                      <a:round/>
+                      <a:headEnd type="none" w="med" len="med"/>
+                      <a:tailEnd type="none" w="med" len="med"/>
+                    </a:lnL>
+                    <a:lnR w="6350" cap="flat" cmpd="sng" algn="ctr">
+                      <a:solidFill>
+                        <a:srgbClr val="000000"/>
+                      </a:solidFill>
+                      <a:prstDash val="solid"/>
+                      <a:round/>
+                      <a:headEnd type="none" w="med" len="med"/>
+                      <a:tailEnd type="none" w="med" len="med"/>
+                    </a:lnR>
+                    <a:lnT w="6350" cap="flat" cmpd="sng" algn="ctr">
+                      <a:solidFill>
+                        <a:srgbClr val="000000"/>
+                      </a:solidFill>
+                      <a:prstDash val="solid"/>
+                      <a:round/>
+                      <a:headEnd type="none" w="med" len="med"/>
+                      <a:tailEnd type="none" w="med" len="med"/>
+                    </a:lnT>
+                    <a:lnB w="6350" cap="flat" cmpd="sng" algn="ctr">
+                      <a:solidFill>
+                        <a:srgbClr val="000000"/>
+                      </a:solidFill>
+                      <a:prstDash val="solid"/>
+                      <a:round/>
+                      <a:headEnd type="none" w="med" len="med"/>
+                      <a:tailEnd type="none" w="med" len="med"/>
+                    </a:lnB>
+                  </a:tcPr>
+                </a:tc>
+                <a:tc>
+                  <a:txBody>
+                    <a:bodyPr/>
+                    <a:lstStyle/>
+                    <a:p>
+                      <a:pPr algn="l" fontAlgn="b"/>
+                      <a:r>
+                        <a:rPr lang="en-US" sz="1100" b="0" i="0" u="none" strike="noStrike">
+                          <a:solidFill>
+                            <a:srgbClr val="000000"/>
+                          </a:solidFill>
+                          <a:effectLst/>
+                          <a:latin typeface="Calibri" panose="020F0502020204030204" pitchFamily="34" charset="0"/>
+                        </a:rPr>
+                        <a:t> nutrient broth </a:t>
+                      </a:r>
+                    </a:p>
+                  </a:txBody>
+                  <a:tcPr marL="9525" marR="9525" marT="9525" marB="0" anchor="b">
+                    <a:lnL w="6350" cap="flat" cmpd="sng" algn="ctr">
+                      <a:solidFill>
+                        <a:srgbClr val="000000"/>
+                      </a:solidFill>
+                      <a:prstDash val="solid"/>
+                      <a:round/>
+                      <a:headEnd type="none" w="med" len="med"/>
+                      <a:tailEnd type="none" w="med" len="med"/>
+                    </a:lnL>
+                    <a:lnR w="6350" cap="flat" cmpd="sng" algn="ctr">
+                      <a:solidFill>
+                        <a:srgbClr val="000000"/>
+                      </a:solidFill>
+                      <a:prstDash val="solid"/>
+                      <a:round/>
+                      <a:headEnd type="none" w="med" len="med"/>
+                      <a:tailEnd type="none" w="med" len="med"/>
+                    </a:lnR>
+                    <a:lnT w="6350" cap="flat" cmpd="sng" algn="ctr">
+                      <a:solidFill>
+                        <a:srgbClr val="000000"/>
+                      </a:solidFill>
+                      <a:prstDash val="solid"/>
+                      <a:round/>
+                      <a:headEnd type="none" w="med" len="med"/>
+                      <a:tailEnd type="none" w="med" len="med"/>
+                    </a:lnT>
+                    <a:lnB w="6350" cap="flat" cmpd="sng" algn="ctr">
+                      <a:solidFill>
+                        <a:srgbClr val="000000"/>
+                      </a:solidFill>
+                      <a:prstDash val="solid"/>
+                      <a:round/>
+                      <a:headEnd type="none" w="med" len="med"/>
+                      <a:tailEnd type="none" w="med" len="med"/>
+                    </a:lnB>
+                  </a:tcPr>
+                </a:tc>
+                <a:tc>
+                  <a:txBody>
+                    <a:bodyPr/>
+                    <a:lstStyle/>
+                    <a:p>
+                      <a:pPr algn="l" fontAlgn="b"/>
+                      <a:r>
+                        <a:rPr lang="en-US" sz="1100" b="0" i="0" u="none" strike="noStrike">
+                          <a:solidFill>
+                            <a:srgbClr val="000000"/>
+                          </a:solidFill>
+                          <a:effectLst/>
+                          <a:latin typeface="Calibri" panose="020F0502020204030204" pitchFamily="34" charset="0"/>
+                        </a:rPr>
+                        <a:t> lymphocyte </a:t>
+                      </a:r>
+                    </a:p>
+                  </a:txBody>
+                  <a:tcPr marL="9525" marR="9525" marT="9525" marB="0" anchor="b">
+                    <a:lnL w="6350" cap="flat" cmpd="sng" algn="ctr">
+                      <a:solidFill>
+                        <a:srgbClr val="000000"/>
+                      </a:solidFill>
+                      <a:prstDash val="solid"/>
+                      <a:round/>
+                      <a:headEnd type="none" w="med" len="med"/>
+                      <a:tailEnd type="none" w="med" len="med"/>
+                    </a:lnL>
+                    <a:lnR w="6350" cap="flat" cmpd="sng" algn="ctr">
+                      <a:solidFill>
+                        <a:srgbClr val="000000"/>
+                      </a:solidFill>
+                      <a:prstDash val="solid"/>
+                      <a:round/>
+                      <a:headEnd type="none" w="med" len="med"/>
+                      <a:tailEnd type="none" w="med" len="med"/>
+                    </a:lnR>
+                    <a:lnT w="6350" cap="flat" cmpd="sng" algn="ctr">
+                      <a:solidFill>
+                        <a:srgbClr val="000000"/>
+                      </a:solidFill>
+                      <a:prstDash val="solid"/>
+                      <a:round/>
+                      <a:headEnd type="none" w="med" len="med"/>
+                      <a:tailEnd type="none" w="med" len="med"/>
+                    </a:lnT>
+                    <a:lnB w="6350" cap="flat" cmpd="sng" algn="ctr">
+                      <a:solidFill>
+                        <a:srgbClr val="000000"/>
+                      </a:solidFill>
+                      <a:prstDash val="solid"/>
+                      <a:round/>
+                      <a:headEnd type="none" w="med" len="med"/>
+                      <a:tailEnd type="none" w="med" len="med"/>
+                    </a:lnB>
+                  </a:tcPr>
+                </a:tc>
+                <a:extLst>
+                  <a:ext uri="{0D108BD9-81ED-4DB2-BD59-A6C34878D82A}">
+                    <a16:rowId xmlns:a16="http://schemas.microsoft.com/office/drawing/2014/main" val="1467766982"/>
+                  </a:ext>
+                </a:extLst>
+              </a:tr>
+              <a:tr h="356686">
+                <a:tc>
+                  <a:txBody>
+                    <a:bodyPr/>
+                    <a:lstStyle/>
+                    <a:p>
+                      <a:pPr algn="l" fontAlgn="b"/>
+                      <a:r>
+                        <a:rPr lang="en-US" sz="1100" b="0" i="0" u="none" strike="noStrike">
+                          <a:solidFill>
+                            <a:srgbClr val="000000"/>
+                          </a:solidFill>
+                          <a:effectLst/>
+                          <a:latin typeface="Calibri" panose="020F0502020204030204" pitchFamily="34" charset="0"/>
+                        </a:rPr>
+                        <a:t>B cells </a:t>
+                      </a:r>
+                    </a:p>
+                  </a:txBody>
+                  <a:tcPr marL="9525" marR="9525" marT="9525" marB="0" anchor="b">
+                    <a:lnL w="6350" cap="flat" cmpd="sng" algn="ctr">
+                      <a:solidFill>
+                        <a:srgbClr val="000000"/>
+                      </a:solidFill>
+                      <a:prstDash val="solid"/>
+                      <a:round/>
+                      <a:headEnd type="none" w="med" len="med"/>
+                      <a:tailEnd type="none" w="med" len="med"/>
+                    </a:lnL>
+                    <a:lnR w="6350" cap="flat" cmpd="sng" algn="ctr">
+                      <a:solidFill>
+                        <a:srgbClr val="000000"/>
+                      </a:solidFill>
+                      <a:prstDash val="solid"/>
+                      <a:round/>
+                      <a:headEnd type="none" w="med" len="med"/>
+                      <a:tailEnd type="none" w="med" len="med"/>
+                    </a:lnR>
+                    <a:lnT w="6350" cap="flat" cmpd="sng" algn="ctr">
+                      <a:solidFill>
+                        <a:srgbClr val="000000"/>
+                      </a:solidFill>
+                      <a:prstDash val="solid"/>
+                      <a:round/>
+                      <a:headEnd type="none" w="med" len="med"/>
+                      <a:tailEnd type="none" w="med" len="med"/>
+                    </a:lnT>
+                    <a:lnB w="6350" cap="flat" cmpd="sng" algn="ctr">
+                      <a:solidFill>
+                        <a:srgbClr val="000000"/>
+                      </a:solidFill>
+                      <a:prstDash val="solid"/>
+                      <a:round/>
+                      <a:headEnd type="none" w="med" len="med"/>
+                      <a:tailEnd type="none" w="med" len="med"/>
+                    </a:lnB>
+                  </a:tcPr>
+                </a:tc>
+                <a:tc>
+                  <a:txBody>
+                    <a:bodyPr/>
+                    <a:lstStyle/>
+                    <a:p>
+                      <a:pPr algn="l" fontAlgn="b"/>
+                      <a:r>
+                        <a:rPr lang="en-US" sz="1100" b="0" i="0" u="none" strike="noStrike">
+                          <a:solidFill>
+                            <a:srgbClr val="000000"/>
+                          </a:solidFill>
+                          <a:effectLst/>
+                          <a:latin typeface="Calibri" panose="020F0502020204030204" pitchFamily="34" charset="0"/>
+                        </a:rPr>
+                        <a:t> phagocyte </a:t>
+                      </a:r>
+                    </a:p>
+                  </a:txBody>
+                  <a:tcPr marL="9525" marR="9525" marT="9525" marB="0" anchor="b">
+                    <a:lnL w="6350" cap="flat" cmpd="sng" algn="ctr">
+                      <a:solidFill>
+                        <a:srgbClr val="000000"/>
+                      </a:solidFill>
+                      <a:prstDash val="solid"/>
+                      <a:round/>
+                      <a:headEnd type="none" w="med" len="med"/>
+                      <a:tailEnd type="none" w="med" len="med"/>
+                    </a:lnL>
+                    <a:lnR w="6350" cap="flat" cmpd="sng" algn="ctr">
+                      <a:solidFill>
+                        <a:srgbClr val="000000"/>
+                      </a:solidFill>
+                      <a:prstDash val="solid"/>
+                      <a:round/>
+                      <a:headEnd type="none" w="med" len="med"/>
+                      <a:tailEnd type="none" w="med" len="med"/>
+                    </a:lnR>
+                    <a:lnT w="6350" cap="flat" cmpd="sng" algn="ctr">
+                      <a:solidFill>
+                        <a:srgbClr val="000000"/>
+                      </a:solidFill>
+                      <a:prstDash val="solid"/>
+                      <a:round/>
+                      <a:headEnd type="none" w="med" len="med"/>
+                      <a:tailEnd type="none" w="med" len="med"/>
+                    </a:lnT>
+                    <a:lnB w="6350" cap="flat" cmpd="sng" algn="ctr">
+                      <a:solidFill>
+                        <a:srgbClr val="000000"/>
+                      </a:solidFill>
+                      <a:prstDash val="solid"/>
+                      <a:round/>
+                      <a:headEnd type="none" w="med" len="med"/>
+                      <a:tailEnd type="none" w="med" len="med"/>
+                    </a:lnB>
+                  </a:tcPr>
+                </a:tc>
+                <a:tc>
+                  <a:txBody>
+                    <a:bodyPr/>
+                    <a:lstStyle/>
+                    <a:p>
+                      <a:pPr algn="l" fontAlgn="b"/>
+                      <a:r>
+                        <a:rPr lang="en-US" sz="1100" b="0" i="0" u="none" strike="noStrike">
+                          <a:solidFill>
+                            <a:srgbClr val="000000"/>
+                          </a:solidFill>
+                          <a:effectLst/>
+                          <a:latin typeface="Calibri" panose="020F0502020204030204" pitchFamily="34" charset="0"/>
+                        </a:rPr>
+                        <a:t> lymphocyte </a:t>
+                      </a:r>
+                    </a:p>
+                  </a:txBody>
+                  <a:tcPr marL="9525" marR="9525" marT="9525" marB="0" anchor="b">
+                    <a:lnL w="6350" cap="flat" cmpd="sng" algn="ctr">
+                      <a:solidFill>
+                        <a:srgbClr val="000000"/>
+                      </a:solidFill>
+                      <a:prstDash val="solid"/>
+                      <a:round/>
+                      <a:headEnd type="none" w="med" len="med"/>
+                      <a:tailEnd type="none" w="med" len="med"/>
+                    </a:lnL>
+                    <a:lnR w="6350" cap="flat" cmpd="sng" algn="ctr">
+                      <a:solidFill>
+                        <a:srgbClr val="000000"/>
+                      </a:solidFill>
+                      <a:prstDash val="solid"/>
+                      <a:round/>
+                      <a:headEnd type="none" w="med" len="med"/>
+                      <a:tailEnd type="none" w="med" len="med"/>
+                    </a:lnR>
+                    <a:lnT w="6350" cap="flat" cmpd="sng" algn="ctr">
+                      <a:solidFill>
+                        <a:srgbClr val="000000"/>
+                      </a:solidFill>
+                      <a:prstDash val="solid"/>
+                      <a:round/>
+                      <a:headEnd type="none" w="med" len="med"/>
+                      <a:tailEnd type="none" w="med" len="med"/>
+                    </a:lnT>
+                    <a:lnB w="6350" cap="flat" cmpd="sng" algn="ctr">
+                      <a:solidFill>
+                        <a:srgbClr val="000000"/>
+                      </a:solidFill>
+                      <a:prstDash val="solid"/>
+                      <a:round/>
+                      <a:headEnd type="none" w="med" len="med"/>
+                      <a:tailEnd type="none" w="med" len="med"/>
+                    </a:lnB>
+                  </a:tcPr>
+                </a:tc>
+                <a:extLst>
+                  <a:ext uri="{0D108BD9-81ED-4DB2-BD59-A6C34878D82A}">
+                    <a16:rowId xmlns:a16="http://schemas.microsoft.com/office/drawing/2014/main" val="2843020089"/>
+                  </a:ext>
+                </a:extLst>
+              </a:tr>
+              <a:tr h="356686">
+                <a:tc>
+                  <a:txBody>
+                    <a:bodyPr/>
+                    <a:lstStyle/>
+                    <a:p>
+                      <a:pPr algn="l" fontAlgn="b"/>
+                      <a:r>
+                        <a:rPr lang="en-US" sz="1100" b="0" i="0" u="none" strike="noStrike">
+                          <a:solidFill>
+                            <a:srgbClr val="000000"/>
+                          </a:solidFill>
+                          <a:effectLst/>
+                          <a:latin typeface="Calibri" panose="020F0502020204030204" pitchFamily="34" charset="0"/>
+                        </a:rPr>
+                        <a:t>T cells </a:t>
+                      </a:r>
+                    </a:p>
+                  </a:txBody>
+                  <a:tcPr marL="9525" marR="9525" marT="9525" marB="0" anchor="b">
+                    <a:lnL w="6350" cap="flat" cmpd="sng" algn="ctr">
+                      <a:solidFill>
+                        <a:srgbClr val="000000"/>
+                      </a:solidFill>
+                      <a:prstDash val="solid"/>
+                      <a:round/>
+                      <a:headEnd type="none" w="med" len="med"/>
+                      <a:tailEnd type="none" w="med" len="med"/>
+                    </a:lnL>
+                    <a:lnR w="6350" cap="flat" cmpd="sng" algn="ctr">
+                      <a:solidFill>
+                        <a:srgbClr val="000000"/>
+                      </a:solidFill>
+                      <a:prstDash val="solid"/>
+                      <a:round/>
+                      <a:headEnd type="none" w="med" len="med"/>
+                      <a:tailEnd type="none" w="med" len="med"/>
+                    </a:lnR>
+                    <a:lnT w="6350" cap="flat" cmpd="sng" algn="ctr">
+                      <a:solidFill>
+                        <a:srgbClr val="000000"/>
+                      </a:solidFill>
+                      <a:prstDash val="solid"/>
+                      <a:round/>
+                      <a:headEnd type="none" w="med" len="med"/>
+                      <a:tailEnd type="none" w="med" len="med"/>
+                    </a:lnT>
+                    <a:lnB w="6350" cap="flat" cmpd="sng" algn="ctr">
+                      <a:solidFill>
+                        <a:srgbClr val="000000"/>
+                      </a:solidFill>
+                      <a:prstDash val="solid"/>
+                      <a:round/>
+                      <a:headEnd type="none" w="med" len="med"/>
+                      <a:tailEnd type="none" w="med" len="med"/>
+                    </a:lnB>
+                  </a:tcPr>
+                </a:tc>
+                <a:tc>
+                  <a:txBody>
+                    <a:bodyPr/>
+                    <a:lstStyle/>
+                    <a:p>
+                      <a:pPr algn="l" fontAlgn="b"/>
+                      <a:r>
+                        <a:rPr lang="en-US" sz="1100" b="0" i="0" u="none" strike="noStrike">
+                          <a:solidFill>
+                            <a:srgbClr val="000000"/>
+                          </a:solidFill>
+                          <a:effectLst/>
+                          <a:latin typeface="Calibri" panose="020F0502020204030204" pitchFamily="34" charset="0"/>
+                        </a:rPr>
+                        <a:t> phagocyte </a:t>
+                      </a:r>
+                    </a:p>
+                  </a:txBody>
+                  <a:tcPr marL="9525" marR="9525" marT="9525" marB="0" anchor="b">
+                    <a:lnL w="6350" cap="flat" cmpd="sng" algn="ctr">
+                      <a:solidFill>
+                        <a:srgbClr val="000000"/>
+                      </a:solidFill>
+                      <a:prstDash val="solid"/>
+                      <a:round/>
+                      <a:headEnd type="none" w="med" len="med"/>
+                      <a:tailEnd type="none" w="med" len="med"/>
+                    </a:lnL>
+                    <a:lnR w="6350" cap="flat" cmpd="sng" algn="ctr">
+                      <a:solidFill>
+                        <a:srgbClr val="000000"/>
+                      </a:solidFill>
+                      <a:prstDash val="solid"/>
+                      <a:round/>
+                      <a:headEnd type="none" w="med" len="med"/>
+                      <a:tailEnd type="none" w="med" len="med"/>
+                    </a:lnR>
+                    <a:lnT w="6350" cap="flat" cmpd="sng" algn="ctr">
+                      <a:solidFill>
+                        <a:srgbClr val="000000"/>
+                      </a:solidFill>
+                      <a:prstDash val="solid"/>
+                      <a:round/>
+                      <a:headEnd type="none" w="med" len="med"/>
+                      <a:tailEnd type="none" w="med" len="med"/>
+                    </a:lnT>
+                    <a:lnB w="6350" cap="flat" cmpd="sng" algn="ctr">
+                      <a:solidFill>
+                        <a:srgbClr val="000000"/>
+                      </a:solidFill>
+                      <a:prstDash val="solid"/>
+                      <a:round/>
+                      <a:headEnd type="none" w="med" len="med"/>
+                      <a:tailEnd type="none" w="med" len="med"/>
+                    </a:lnB>
+                  </a:tcPr>
+                </a:tc>
+                <a:tc>
+                  <a:txBody>
+                    <a:bodyPr/>
+                    <a:lstStyle/>
+                    <a:p>
+                      <a:pPr algn="l" fontAlgn="b"/>
+                      <a:r>
+                        <a:rPr lang="en-US" sz="1100" b="0" i="0" u="none" strike="noStrike">
+                          <a:solidFill>
+                            <a:srgbClr val="000000"/>
+                          </a:solidFill>
+                          <a:effectLst/>
+                          <a:latin typeface="Calibri" panose="020F0502020204030204" pitchFamily="34" charset="0"/>
+                        </a:rPr>
+                        <a:t> lymphocyte </a:t>
+                      </a:r>
+                    </a:p>
+                  </a:txBody>
+                  <a:tcPr marL="9525" marR="9525" marT="9525" marB="0" anchor="b">
+                    <a:lnL w="6350" cap="flat" cmpd="sng" algn="ctr">
+                      <a:solidFill>
+                        <a:srgbClr val="000000"/>
+                      </a:solidFill>
+                      <a:prstDash val="solid"/>
+                      <a:round/>
+                      <a:headEnd type="none" w="med" len="med"/>
+                      <a:tailEnd type="none" w="med" len="med"/>
+                    </a:lnL>
+                    <a:lnR w="6350" cap="flat" cmpd="sng" algn="ctr">
+                      <a:solidFill>
+                        <a:srgbClr val="000000"/>
+                      </a:solidFill>
+                      <a:prstDash val="solid"/>
+                      <a:round/>
+                      <a:headEnd type="none" w="med" len="med"/>
+                      <a:tailEnd type="none" w="med" len="med"/>
+                    </a:lnR>
+                    <a:lnT w="6350" cap="flat" cmpd="sng" algn="ctr">
+                      <a:solidFill>
+                        <a:srgbClr val="000000"/>
+                      </a:solidFill>
+                      <a:prstDash val="solid"/>
+                      <a:round/>
+                      <a:headEnd type="none" w="med" len="med"/>
+                      <a:tailEnd type="none" w="med" len="med"/>
+                    </a:lnT>
+                    <a:lnB w="6350" cap="flat" cmpd="sng" algn="ctr">
+                      <a:solidFill>
+                        <a:srgbClr val="000000"/>
+                      </a:solidFill>
+                      <a:prstDash val="solid"/>
+                      <a:round/>
+                      <a:headEnd type="none" w="med" len="med"/>
+                      <a:tailEnd type="none" w="med" len="med"/>
+                    </a:lnB>
+                  </a:tcPr>
+                </a:tc>
+                <a:extLst>
+                  <a:ext uri="{0D108BD9-81ED-4DB2-BD59-A6C34878D82A}">
+                    <a16:rowId xmlns:a16="http://schemas.microsoft.com/office/drawing/2014/main" val="2185243740"/>
+                  </a:ext>
+                </a:extLst>
+              </a:tr>
+              <a:tr h="356686">
+                <a:tc>
+                  <a:txBody>
+                    <a:bodyPr/>
+                    <a:lstStyle/>
+                    <a:p>
+                      <a:pPr algn="l" fontAlgn="b"/>
+                      <a:r>
+                        <a:rPr lang="en-US" sz="1100" b="0" i="0" u="none" strike="noStrike" dirty="0">
+                          <a:solidFill>
+                            <a:srgbClr val="000000"/>
+                          </a:solidFill>
+                          <a:effectLst/>
+                          <a:latin typeface="Calibri" panose="020F0502020204030204" pitchFamily="34" charset="0"/>
+                        </a:rPr>
+                        <a:t>lymphocytic </a:t>
+                      </a:r>
+                    </a:p>
+                  </a:txBody>
+                  <a:tcPr marL="9525" marR="9525" marT="9525" marB="0" anchor="b">
+                    <a:lnL w="6350" cap="flat" cmpd="sng" algn="ctr">
+                      <a:solidFill>
+                        <a:srgbClr val="000000"/>
+                      </a:solidFill>
+                      <a:prstDash val="solid"/>
+                      <a:round/>
+                      <a:headEnd type="none" w="med" len="med"/>
+                      <a:tailEnd type="none" w="med" len="med"/>
+                    </a:lnL>
+                    <a:lnR w="6350" cap="flat" cmpd="sng" algn="ctr">
+                      <a:solidFill>
+                        <a:srgbClr val="000000"/>
+                      </a:solidFill>
+                      <a:prstDash val="solid"/>
+                      <a:round/>
+                      <a:headEnd type="none" w="med" len="med"/>
+                      <a:tailEnd type="none" w="med" len="med"/>
+                    </a:lnR>
+                    <a:lnT w="6350" cap="flat" cmpd="sng" algn="ctr">
+                      <a:solidFill>
+                        <a:srgbClr val="000000"/>
+                      </a:solidFill>
+                      <a:prstDash val="solid"/>
+                      <a:round/>
+                      <a:headEnd type="none" w="med" len="med"/>
+                      <a:tailEnd type="none" w="med" len="med"/>
+                    </a:lnT>
+                    <a:lnB w="6350" cap="flat" cmpd="sng" algn="ctr">
+                      <a:solidFill>
+                        <a:srgbClr val="000000"/>
+                      </a:solidFill>
+                      <a:prstDash val="solid"/>
+                      <a:round/>
+                      <a:headEnd type="none" w="med" len="med"/>
+                      <a:tailEnd type="none" w="med" len="med"/>
+                    </a:lnB>
+                  </a:tcPr>
+                </a:tc>
+                <a:tc>
+                  <a:txBody>
+                    <a:bodyPr/>
+                    <a:lstStyle/>
+                    <a:p>
+                      <a:pPr algn="l" fontAlgn="b"/>
+                      <a:r>
+                        <a:rPr lang="en-US" sz="1100" b="0" i="0" u="none" strike="noStrike">
+                          <a:solidFill>
+                            <a:srgbClr val="000000"/>
+                          </a:solidFill>
+                          <a:effectLst/>
+                          <a:latin typeface="Calibri" panose="020F0502020204030204" pitchFamily="34" charset="0"/>
+                        </a:rPr>
+                        <a:t> nutrient broth </a:t>
+                      </a:r>
+                    </a:p>
+                  </a:txBody>
+                  <a:tcPr marL="9525" marR="9525" marT="9525" marB="0" anchor="b">
+                    <a:lnL w="6350" cap="flat" cmpd="sng" algn="ctr">
+                      <a:solidFill>
+                        <a:srgbClr val="000000"/>
+                      </a:solidFill>
+                      <a:prstDash val="solid"/>
+                      <a:round/>
+                      <a:headEnd type="none" w="med" len="med"/>
+                      <a:tailEnd type="none" w="med" len="med"/>
+                    </a:lnL>
+                    <a:lnR w="6350" cap="flat" cmpd="sng" algn="ctr">
+                      <a:solidFill>
+                        <a:srgbClr val="000000"/>
+                      </a:solidFill>
+                      <a:prstDash val="solid"/>
+                      <a:round/>
+                      <a:headEnd type="none" w="med" len="med"/>
+                      <a:tailEnd type="none" w="med" len="med"/>
+                    </a:lnR>
+                    <a:lnT w="6350" cap="flat" cmpd="sng" algn="ctr">
+                      <a:solidFill>
+                        <a:srgbClr val="000000"/>
+                      </a:solidFill>
+                      <a:prstDash val="solid"/>
+                      <a:round/>
+                      <a:headEnd type="none" w="med" len="med"/>
+                      <a:tailEnd type="none" w="med" len="med"/>
+                    </a:lnT>
+                    <a:lnB w="6350" cap="flat" cmpd="sng" algn="ctr">
+                      <a:solidFill>
+                        <a:srgbClr val="000000"/>
+                      </a:solidFill>
+                      <a:prstDash val="solid"/>
+                      <a:round/>
+                      <a:headEnd type="none" w="med" len="med"/>
+                      <a:tailEnd type="none" w="med" len="med"/>
+                    </a:lnB>
+                  </a:tcPr>
+                </a:tc>
+                <a:tc>
+                  <a:txBody>
+                    <a:bodyPr/>
+                    <a:lstStyle/>
+                    <a:p>
+                      <a:pPr algn="l" fontAlgn="b"/>
+                      <a:r>
+                        <a:rPr lang="en-US" sz="1100" b="0" i="0" u="none" strike="noStrike" dirty="0">
+                          <a:solidFill>
+                            <a:srgbClr val="000000"/>
+                          </a:solidFill>
+                          <a:effectLst/>
+                          <a:latin typeface="Calibri" panose="020F0502020204030204" pitchFamily="34" charset="0"/>
+                        </a:rPr>
+                        <a:t> lymphocyte </a:t>
+                      </a:r>
+                    </a:p>
+                  </a:txBody>
+                  <a:tcPr marL="9525" marR="9525" marT="9525" marB="0" anchor="b">
+                    <a:lnL w="6350" cap="flat" cmpd="sng" algn="ctr">
+                      <a:solidFill>
+                        <a:srgbClr val="000000"/>
+                      </a:solidFill>
+                      <a:prstDash val="solid"/>
+                      <a:round/>
+                      <a:headEnd type="none" w="med" len="med"/>
+                      <a:tailEnd type="none" w="med" len="med"/>
+                    </a:lnL>
+                    <a:lnR w="6350" cap="flat" cmpd="sng" algn="ctr">
+                      <a:solidFill>
+                        <a:srgbClr val="000000"/>
+                      </a:solidFill>
+                      <a:prstDash val="solid"/>
+                      <a:round/>
+                      <a:headEnd type="none" w="med" len="med"/>
+                      <a:tailEnd type="none" w="med" len="med"/>
+                    </a:lnR>
+                    <a:lnT w="6350" cap="flat" cmpd="sng" algn="ctr">
+                      <a:solidFill>
+                        <a:srgbClr val="000000"/>
+                      </a:solidFill>
+                      <a:prstDash val="solid"/>
+                      <a:round/>
+                      <a:headEnd type="none" w="med" len="med"/>
+                      <a:tailEnd type="none" w="med" len="med"/>
+                    </a:lnT>
+                    <a:lnB w="6350" cap="flat" cmpd="sng" algn="ctr">
+                      <a:solidFill>
+                        <a:srgbClr val="000000"/>
+                      </a:solidFill>
+                      <a:prstDash val="solid"/>
+                      <a:round/>
+                      <a:headEnd type="none" w="med" len="med"/>
+                      <a:tailEnd type="none" w="med" len="med"/>
+                    </a:lnB>
+                  </a:tcPr>
+                </a:tc>
+                <a:extLst>
+                  <a:ext uri="{0D108BD9-81ED-4DB2-BD59-A6C34878D82A}">
+                    <a16:rowId xmlns:a16="http://schemas.microsoft.com/office/drawing/2014/main" val="3881361891"/>
+                  </a:ext>
+                </a:extLst>
+              </a:tr>
+            </a:tbl>
+          </a:graphicData>
+        </a:graphic>
+      </p:graphicFrame>
+      <p:sp>
+        <p:nvSpPr>
+          <p:cNvPr id="5" name="Metin kutusu 4">
+            <a:extLst>
+              <a:ext uri="{FF2B5EF4-FFF2-40B4-BE49-F238E27FC236}">
+                <a16:creationId xmlns:a16="http://schemas.microsoft.com/office/drawing/2014/main" id="{7EE42B15-CB31-4D67-AAA2-F14DC075DAC7}"/>
+              </a:ext>
+            </a:extLst>
+          </p:cNvPr>
+          <p:cNvSpPr txBox="1"/>
+          <p:nvPr/>
+        </p:nvSpPr>
+        <p:spPr>
+          <a:xfrm>
+            <a:off x="5811254" y="2167187"/>
+            <a:ext cx="4728410" cy="3139321"/>
+          </a:xfrm>
+          <a:prstGeom prst="rect">
+            <a:avLst/>
+          </a:prstGeom>
+          <a:noFill/>
+        </p:spPr>
         <p:txBody>
-          <a:bodyPr/>
+          <a:bodyPr wrap="square" rtlCol="0">
+            <a:spAutoFit/>
+          </a:bodyPr>
           <a:lstStyle/>
           <a:p>
+            <a:r>
+              <a:rPr lang="tr-TR" dirty="0" err="1"/>
+              <a:t>Predicts</a:t>
+            </a:r>
+            <a:r>
+              <a:rPr lang="tr-TR" dirty="0"/>
+              <a:t> </a:t>
+            </a:r>
+            <a:r>
+              <a:rPr lang="tr-TR" dirty="0" err="1"/>
+              <a:t>phagocyte</a:t>
+            </a:r>
+            <a:r>
+              <a:rPr lang="tr-TR" dirty="0"/>
+              <a:t> </a:t>
+            </a:r>
+            <a:r>
+              <a:rPr lang="tr-TR" dirty="0" err="1"/>
+              <a:t>instead</a:t>
+            </a:r>
+            <a:r>
+              <a:rPr lang="tr-TR" dirty="0"/>
+              <a:t> of </a:t>
+            </a:r>
+            <a:r>
+              <a:rPr lang="tr-TR" dirty="0" err="1"/>
+              <a:t>lymphocyte</a:t>
+            </a:r>
+            <a:r>
+              <a:rPr lang="tr-TR" dirty="0"/>
+              <a:t> </a:t>
+            </a:r>
+            <a:r>
+              <a:rPr lang="tr-TR" dirty="0" err="1"/>
+              <a:t>although</a:t>
+            </a:r>
+            <a:r>
+              <a:rPr lang="tr-TR" dirty="0"/>
+              <a:t> </a:t>
+            </a:r>
+            <a:r>
+              <a:rPr lang="tr-TR" dirty="0" err="1"/>
+              <a:t>input</a:t>
+            </a:r>
+            <a:r>
+              <a:rPr lang="tr-TR" dirty="0"/>
+              <a:t> </a:t>
+            </a:r>
+            <a:r>
+              <a:rPr lang="tr-TR" dirty="0" err="1"/>
+              <a:t>containts</a:t>
+            </a:r>
+            <a:r>
+              <a:rPr lang="tr-TR" dirty="0"/>
+              <a:t> </a:t>
+            </a:r>
+            <a:r>
+              <a:rPr lang="tr-TR" dirty="0" err="1"/>
+              <a:t>lymphocytic</a:t>
+            </a:r>
+            <a:r>
+              <a:rPr lang="tr-TR" dirty="0"/>
+              <a:t>. </a:t>
+            </a:r>
+          </a:p>
+          <a:p>
+            <a:endParaRPr lang="tr-TR" dirty="0"/>
+          </a:p>
+          <a:p>
+            <a:r>
+              <a:rPr lang="tr-TR" dirty="0" err="1"/>
+              <a:t>nltk.wordnet.WordNetLemmatizer</a:t>
+            </a:r>
+            <a:r>
+              <a:rPr lang="tr-TR" dirty="0"/>
+              <a:t>()</a:t>
+            </a:r>
+          </a:p>
+          <a:p>
+            <a:endParaRPr lang="tr-TR" dirty="0"/>
+          </a:p>
+          <a:p>
+            <a:r>
+              <a:rPr lang="tr-TR" dirty="0" err="1">
+                <a:solidFill>
+                  <a:srgbClr val="000000"/>
+                </a:solidFill>
+                <a:latin typeface="Calibri" panose="020F0502020204030204" pitchFamily="34" charset="0"/>
+              </a:rPr>
+              <a:t>e.g</a:t>
+            </a:r>
+            <a:r>
+              <a:rPr lang="tr-TR" dirty="0">
+                <a:solidFill>
+                  <a:srgbClr val="000000"/>
+                </a:solidFill>
+                <a:latin typeface="Calibri" panose="020F0502020204030204" pitchFamily="34" charset="0"/>
+              </a:rPr>
+              <a:t>. </a:t>
+            </a:r>
+            <a:r>
+              <a:rPr lang="en-US" dirty="0">
+                <a:solidFill>
+                  <a:srgbClr val="000000"/>
+                </a:solidFill>
+                <a:latin typeface="Calibri" panose="020F0502020204030204" pitchFamily="34" charset="0"/>
+              </a:rPr>
+              <a:t>lymphocytic </a:t>
+            </a:r>
+            <a:r>
+              <a:rPr lang="tr-TR" dirty="0">
+                <a:solidFill>
+                  <a:srgbClr val="000000"/>
+                </a:solidFill>
+                <a:latin typeface="Calibri" panose="020F0502020204030204" pitchFamily="34" charset="0"/>
+              </a:rPr>
+              <a:t> -&gt; </a:t>
+            </a:r>
+            <a:r>
+              <a:rPr lang="en-US" dirty="0">
+                <a:solidFill>
+                  <a:srgbClr val="000000"/>
+                </a:solidFill>
+                <a:latin typeface="Calibri" panose="020F0502020204030204" pitchFamily="34" charset="0"/>
+              </a:rPr>
+              <a:t>lymphocytic </a:t>
+            </a:r>
+            <a:endParaRPr lang="tr-TR" dirty="0">
+              <a:solidFill>
+                <a:srgbClr val="000000"/>
+              </a:solidFill>
+              <a:latin typeface="Calibri" panose="020F0502020204030204" pitchFamily="34" charset="0"/>
+            </a:endParaRPr>
+          </a:p>
+          <a:p>
+            <a:endParaRPr lang="tr-TR" dirty="0"/>
+          </a:p>
+          <a:p>
+            <a:r>
+              <a:rPr lang="tr-TR" dirty="0" err="1"/>
+              <a:t>Lemmatization</a:t>
+            </a:r>
+            <a:r>
+              <a:rPr lang="tr-TR" dirty="0"/>
+              <a:t> </a:t>
+            </a:r>
+            <a:r>
+              <a:rPr lang="tr-TR" dirty="0" err="1"/>
+              <a:t>could</a:t>
+            </a:r>
+            <a:r>
+              <a:rPr lang="tr-TR" dirty="0"/>
+              <a:t> not </a:t>
+            </a:r>
+            <a:r>
+              <a:rPr lang="tr-TR" dirty="0" err="1"/>
+              <a:t>lemmatize</a:t>
+            </a:r>
+            <a:r>
+              <a:rPr lang="tr-TR" dirty="0"/>
+              <a:t> </a:t>
+            </a:r>
+            <a:r>
+              <a:rPr lang="tr-TR" dirty="0" err="1"/>
+              <a:t>scientific</a:t>
+            </a:r>
+            <a:r>
+              <a:rPr lang="tr-TR" dirty="0"/>
+              <a:t> </a:t>
+            </a:r>
+            <a:r>
+              <a:rPr lang="tr-TR" dirty="0" err="1"/>
+              <a:t>terms</a:t>
+            </a:r>
+            <a:r>
+              <a:rPr lang="tr-TR" dirty="0"/>
+              <a:t>. </a:t>
+            </a:r>
+          </a:p>
+          <a:p>
+            <a:r>
+              <a:rPr lang="tr-TR" dirty="0" err="1"/>
+              <a:t>Cells</a:t>
+            </a:r>
+            <a:r>
+              <a:rPr lang="tr-TR" dirty="0"/>
+              <a:t> -&gt; </a:t>
+            </a:r>
+            <a:r>
+              <a:rPr lang="tr-TR" dirty="0" err="1"/>
+              <a:t>phagocyte</a:t>
+            </a:r>
+            <a:endParaRPr lang="tr-TR" dirty="0"/>
+          </a:p>
+          <a:p>
+            <a:r>
+              <a:rPr lang="tr-TR" dirty="0"/>
+              <a:t>..</a:t>
+            </a:r>
+            <a:r>
+              <a:rPr lang="tr-TR" dirty="0" err="1"/>
+              <a:t>cytic</a:t>
+            </a:r>
+            <a:r>
+              <a:rPr lang="tr-TR" dirty="0"/>
+              <a:t> -&gt; </a:t>
+            </a:r>
+            <a:r>
+              <a:rPr lang="tr-TR" dirty="0" err="1"/>
+              <a:t>nutrient</a:t>
+            </a:r>
+            <a:r>
+              <a:rPr lang="tr-TR" dirty="0"/>
+              <a:t> </a:t>
+            </a:r>
+            <a:r>
+              <a:rPr lang="tr-TR" dirty="0" err="1"/>
+              <a:t>broth</a:t>
+            </a:r>
             <a:endParaRPr lang="en-US" dirty="0"/>
           </a:p>
         </p:txBody>
@@ -4351,7 +7999,7 @@
     </p:spTree>
     <p:extLst>
       <p:ext uri="{BB962C8B-B14F-4D97-AF65-F5344CB8AC3E}">
-        <p14:creationId xmlns:p14="http://schemas.microsoft.com/office/powerpoint/2010/main" val="3374292231"/>
+        <p14:creationId xmlns:p14="http://schemas.microsoft.com/office/powerpoint/2010/main" val="2269900708"/>
       </p:ext>
     </p:extLst>
   </p:cSld>
@@ -4400,8 +8048,16 @@
           <a:lstStyle/>
           <a:p>
             <a:r>
-              <a:rPr lang="en-US" dirty="0" err="1"/>
-              <a:t>Abdullah_part_name</a:t>
+              <a:rPr lang="tr-TR" dirty="0" err="1"/>
+              <a:t>Performance</a:t>
+            </a:r>
+            <a:r>
+              <a:rPr lang="tr-TR" dirty="0"/>
+              <a:t> </a:t>
+            </a:r>
+            <a:r>
+              <a:rPr lang="tr-TR" dirty="0" err="1"/>
+              <a:t>Problems</a:t>
             </a:r>
             <a:endParaRPr lang="en-US" dirty="0"/>
           </a:p>
@@ -4409,33 +8065,1266 @@
       </p:sp>
       <p:sp>
         <p:nvSpPr>
-          <p:cNvPr id="3" name="Content Placeholder 2">
+          <p:cNvPr id="5" name="Metin kutusu 4">
             <a:extLst>
               <a:ext uri="{FF2B5EF4-FFF2-40B4-BE49-F238E27FC236}">
-                <a16:creationId xmlns:a16="http://schemas.microsoft.com/office/drawing/2014/main" id="{D941672E-CF5C-4625-8693-307F29A99472}"/>
+                <a16:creationId xmlns:a16="http://schemas.microsoft.com/office/drawing/2014/main" id="{7EE42B15-CB31-4D67-AAA2-F14DC075DAC7}"/>
               </a:ext>
             </a:extLst>
           </p:cNvPr>
-          <p:cNvSpPr>
-            <a:spLocks noGrp="1"/>
-          </p:cNvSpPr>
+          <p:cNvSpPr txBox="1"/>
+          <p:nvPr/>
+        </p:nvSpPr>
+        <p:spPr>
+          <a:xfrm>
+            <a:off x="6292517" y="2167187"/>
+            <a:ext cx="4319336" cy="1200329"/>
+          </a:xfrm>
+          <a:prstGeom prst="rect">
+            <a:avLst/>
+          </a:prstGeom>
+          <a:noFill/>
+        </p:spPr>
+        <p:txBody>
+          <a:bodyPr wrap="square" rtlCol="0">
+            <a:spAutoFit/>
+          </a:bodyPr>
+          <a:lstStyle/>
+          <a:p>
+            <a:r>
+              <a:rPr lang="tr-TR" dirty="0" err="1"/>
+              <a:t>Predicts</a:t>
+            </a:r>
+            <a:r>
+              <a:rPr lang="tr-TR" dirty="0"/>
+              <a:t> </a:t>
+            </a:r>
+            <a:r>
+              <a:rPr lang="tr-TR" dirty="0" err="1"/>
+              <a:t>elderly</a:t>
+            </a:r>
+            <a:r>
+              <a:rPr lang="tr-TR" dirty="0"/>
+              <a:t> </a:t>
+            </a:r>
+            <a:r>
+              <a:rPr lang="tr-TR" dirty="0" err="1"/>
+              <a:t>person</a:t>
+            </a:r>
+            <a:r>
+              <a:rPr lang="tr-TR" dirty="0"/>
+              <a:t> </a:t>
+            </a:r>
+            <a:r>
+              <a:rPr lang="tr-TR" dirty="0" err="1"/>
+              <a:t>instead</a:t>
+            </a:r>
+            <a:r>
+              <a:rPr lang="tr-TR" dirty="0"/>
+              <a:t> of </a:t>
+            </a:r>
+            <a:r>
+              <a:rPr lang="tr-TR" dirty="0" err="1"/>
+              <a:t>patient</a:t>
+            </a:r>
+            <a:endParaRPr lang="tr-TR" dirty="0"/>
+          </a:p>
+          <a:p>
+            <a:endParaRPr lang="tr-TR" dirty="0"/>
+          </a:p>
+          <a:p>
+            <a:endParaRPr lang="tr-TR" dirty="0"/>
+          </a:p>
+          <a:p>
+            <a:r>
+              <a:rPr lang="tr-TR" dirty="0" err="1"/>
+              <a:t>Associates</a:t>
+            </a:r>
+            <a:r>
+              <a:rPr lang="tr-TR" dirty="0"/>
+              <a:t> </a:t>
+            </a:r>
+            <a:r>
+              <a:rPr lang="tr-TR" dirty="0" err="1"/>
+              <a:t>certain</a:t>
+            </a:r>
+            <a:r>
+              <a:rPr lang="tr-TR" dirty="0"/>
+              <a:t> </a:t>
+            </a:r>
+            <a:r>
+              <a:rPr lang="tr-TR" dirty="0" err="1"/>
+              <a:t>words</a:t>
+            </a:r>
+            <a:r>
+              <a:rPr lang="tr-TR" dirty="0"/>
+              <a:t> </a:t>
+            </a:r>
+            <a:r>
+              <a:rPr lang="tr-TR" dirty="0" err="1"/>
+              <a:t>to</a:t>
+            </a:r>
+            <a:r>
+              <a:rPr lang="tr-TR" dirty="0"/>
+              <a:t> </a:t>
+            </a:r>
+            <a:r>
+              <a:rPr lang="tr-TR" dirty="0" err="1"/>
+              <a:t>certain</a:t>
+            </a:r>
+            <a:r>
+              <a:rPr lang="tr-TR" dirty="0"/>
+              <a:t> </a:t>
+            </a:r>
+            <a:r>
+              <a:rPr lang="tr-TR" dirty="0" err="1"/>
+              <a:t>entities</a:t>
+            </a:r>
+            <a:r>
+              <a:rPr lang="tr-TR" dirty="0"/>
+              <a:t>.</a:t>
+            </a:r>
+            <a:endParaRPr lang="en-US" dirty="0"/>
+          </a:p>
+        </p:txBody>
+      </p:sp>
+      <p:graphicFrame>
+        <p:nvGraphicFramePr>
+          <p:cNvPr id="7" name="İçerik Yer Tutucusu 6">
+            <a:extLst>
+              <a:ext uri="{FF2B5EF4-FFF2-40B4-BE49-F238E27FC236}">
+                <a16:creationId xmlns:a16="http://schemas.microsoft.com/office/drawing/2014/main" id="{51651F3B-6068-47DB-843D-1DB84734AD10}"/>
+              </a:ext>
+            </a:extLst>
+          </p:cNvPr>
+          <p:cNvGraphicFramePr>
+            <a:graphicFrameLocks noGrp="1"/>
+          </p:cNvGraphicFramePr>
           <p:nvPr>
             <p:ph idx="1"/>
+            <p:extLst>
+              <p:ext uri="{D42A27DB-BD31-4B8C-83A1-F6EECF244321}">
+                <p14:modId xmlns:p14="http://schemas.microsoft.com/office/powerpoint/2010/main" val="2135662559"/>
+              </p:ext>
+            </p:extLst>
           </p:nvPr>
-        </p:nvSpPr>
-        <p:spPr/>
-        <p:txBody>
-          <a:bodyPr/>
-          <a:lstStyle/>
-          <a:p>
-            <a:endParaRPr lang="en-US" dirty="0"/>
-          </a:p>
-        </p:txBody>
-      </p:sp>
+        </p:nvGraphicFramePr>
+        <p:xfrm>
+          <a:off x="1246022" y="1965019"/>
+          <a:ext cx="4653462" cy="2068830"/>
+        </p:xfrm>
+        <a:graphic>
+          <a:graphicData uri="http://schemas.openxmlformats.org/drawingml/2006/table">
+            <a:tbl>
+              <a:tblPr/>
+              <a:tblGrid>
+                <a:gridCol w="2450587">
+                  <a:extLst>
+                    <a:ext uri="{9D8B030D-6E8A-4147-A177-3AD203B41FA5}">
+                      <a16:colId xmlns:a16="http://schemas.microsoft.com/office/drawing/2014/main" val="3815706252"/>
+                    </a:ext>
+                  </a:extLst>
+                </a:gridCol>
+                <a:gridCol w="813914">
+                  <a:extLst>
+                    <a:ext uri="{9D8B030D-6E8A-4147-A177-3AD203B41FA5}">
+                      <a16:colId xmlns:a16="http://schemas.microsoft.com/office/drawing/2014/main" val="1680105718"/>
+                    </a:ext>
+                  </a:extLst>
+                </a:gridCol>
+                <a:gridCol w="1388961">
+                  <a:extLst>
+                    <a:ext uri="{9D8B030D-6E8A-4147-A177-3AD203B41FA5}">
+                      <a16:colId xmlns:a16="http://schemas.microsoft.com/office/drawing/2014/main" val="4031148593"/>
+                    </a:ext>
+                  </a:extLst>
+                </a:gridCol>
+              </a:tblGrid>
+              <a:tr h="342255">
+                <a:tc>
+                  <a:txBody>
+                    <a:bodyPr/>
+                    <a:lstStyle/>
+                    <a:p>
+                      <a:pPr algn="l" fontAlgn="b"/>
+                      <a:r>
+                        <a:rPr lang="en-US" sz="1100" b="0" i="0" u="none" strike="noStrike">
+                          <a:solidFill>
+                            <a:srgbClr val="000000"/>
+                          </a:solidFill>
+                          <a:effectLst/>
+                          <a:latin typeface="Calibri" panose="020F0502020204030204" pitchFamily="34" charset="0"/>
+                        </a:rPr>
+                        <a:t>Input Term </a:t>
+                      </a:r>
+                    </a:p>
+                  </a:txBody>
+                  <a:tcPr marL="9525" marR="9525" marT="9525" marB="0" anchor="b">
+                    <a:lnL w="6350" cap="flat" cmpd="sng" algn="ctr">
+                      <a:solidFill>
+                        <a:srgbClr val="000000"/>
+                      </a:solidFill>
+                      <a:prstDash val="solid"/>
+                      <a:round/>
+                      <a:headEnd type="none" w="med" len="med"/>
+                      <a:tailEnd type="none" w="med" len="med"/>
+                    </a:lnL>
+                    <a:lnR w="6350" cap="flat" cmpd="sng" algn="ctr">
+                      <a:solidFill>
+                        <a:srgbClr val="000000"/>
+                      </a:solidFill>
+                      <a:prstDash val="solid"/>
+                      <a:round/>
+                      <a:headEnd type="none" w="med" len="med"/>
+                      <a:tailEnd type="none" w="med" len="med"/>
+                    </a:lnR>
+                    <a:lnT w="6350" cap="flat" cmpd="sng" algn="ctr">
+                      <a:solidFill>
+                        <a:srgbClr val="000000"/>
+                      </a:solidFill>
+                      <a:prstDash val="solid"/>
+                      <a:round/>
+                      <a:headEnd type="none" w="med" len="med"/>
+                      <a:tailEnd type="none" w="med" len="med"/>
+                    </a:lnT>
+                    <a:lnB w="6350" cap="flat" cmpd="sng" algn="ctr">
+                      <a:solidFill>
+                        <a:srgbClr val="000000"/>
+                      </a:solidFill>
+                      <a:prstDash val="solid"/>
+                      <a:round/>
+                      <a:headEnd type="none" w="med" len="med"/>
+                      <a:tailEnd type="none" w="med" len="med"/>
+                    </a:lnB>
+                    <a:solidFill>
+                      <a:srgbClr val="92D050"/>
+                    </a:solidFill>
+                  </a:tcPr>
+                </a:tc>
+                <a:tc>
+                  <a:txBody>
+                    <a:bodyPr/>
+                    <a:lstStyle/>
+                    <a:p>
+                      <a:pPr algn="l" fontAlgn="b"/>
+                      <a:r>
+                        <a:rPr lang="en-US" sz="1100" b="0" i="0" u="none" strike="noStrike">
+                          <a:solidFill>
+                            <a:srgbClr val="000000"/>
+                          </a:solidFill>
+                          <a:effectLst/>
+                          <a:latin typeface="Calibri" panose="020F0502020204030204" pitchFamily="34" charset="0"/>
+                        </a:rPr>
+                        <a:t> Normalized Term </a:t>
+                      </a:r>
+                    </a:p>
+                  </a:txBody>
+                  <a:tcPr marL="9525" marR="9525" marT="9525" marB="0" anchor="b">
+                    <a:lnL w="6350" cap="flat" cmpd="sng" algn="ctr">
+                      <a:solidFill>
+                        <a:srgbClr val="000000"/>
+                      </a:solidFill>
+                      <a:prstDash val="solid"/>
+                      <a:round/>
+                      <a:headEnd type="none" w="med" len="med"/>
+                      <a:tailEnd type="none" w="med" len="med"/>
+                    </a:lnL>
+                    <a:lnR w="6350" cap="flat" cmpd="sng" algn="ctr">
+                      <a:solidFill>
+                        <a:srgbClr val="000000"/>
+                      </a:solidFill>
+                      <a:prstDash val="solid"/>
+                      <a:round/>
+                      <a:headEnd type="none" w="med" len="med"/>
+                      <a:tailEnd type="none" w="med" len="med"/>
+                    </a:lnR>
+                    <a:lnT w="6350" cap="flat" cmpd="sng" algn="ctr">
+                      <a:solidFill>
+                        <a:srgbClr val="000000"/>
+                      </a:solidFill>
+                      <a:prstDash val="solid"/>
+                      <a:round/>
+                      <a:headEnd type="none" w="med" len="med"/>
+                      <a:tailEnd type="none" w="med" len="med"/>
+                    </a:lnT>
+                    <a:lnB w="6350" cap="flat" cmpd="sng" algn="ctr">
+                      <a:solidFill>
+                        <a:srgbClr val="000000"/>
+                      </a:solidFill>
+                      <a:prstDash val="solid"/>
+                      <a:round/>
+                      <a:headEnd type="none" w="med" len="med"/>
+                      <a:tailEnd type="none" w="med" len="med"/>
+                    </a:lnB>
+                    <a:solidFill>
+                      <a:srgbClr val="92D050"/>
+                    </a:solidFill>
+                  </a:tcPr>
+                </a:tc>
+                <a:tc>
+                  <a:txBody>
+                    <a:bodyPr/>
+                    <a:lstStyle/>
+                    <a:p>
+                      <a:pPr algn="l" fontAlgn="b"/>
+                      <a:r>
+                        <a:rPr lang="en-US" sz="1100" b="0" i="0" u="none" strike="noStrike">
+                          <a:solidFill>
+                            <a:srgbClr val="000000"/>
+                          </a:solidFill>
+                          <a:effectLst/>
+                          <a:latin typeface="Calibri" panose="020F0502020204030204" pitchFamily="34" charset="0"/>
+                        </a:rPr>
+                        <a:t> True Normalized Term </a:t>
+                      </a:r>
+                    </a:p>
+                  </a:txBody>
+                  <a:tcPr marL="9525" marR="9525" marT="9525" marB="0" anchor="b">
+                    <a:lnL w="6350" cap="flat" cmpd="sng" algn="ctr">
+                      <a:solidFill>
+                        <a:srgbClr val="000000"/>
+                      </a:solidFill>
+                      <a:prstDash val="solid"/>
+                      <a:round/>
+                      <a:headEnd type="none" w="med" len="med"/>
+                      <a:tailEnd type="none" w="med" len="med"/>
+                    </a:lnL>
+                    <a:lnR w="6350" cap="flat" cmpd="sng" algn="ctr">
+                      <a:solidFill>
+                        <a:srgbClr val="000000"/>
+                      </a:solidFill>
+                      <a:prstDash val="solid"/>
+                      <a:round/>
+                      <a:headEnd type="none" w="med" len="med"/>
+                      <a:tailEnd type="none" w="med" len="med"/>
+                    </a:lnR>
+                    <a:lnT w="6350" cap="flat" cmpd="sng" algn="ctr">
+                      <a:solidFill>
+                        <a:srgbClr val="000000"/>
+                      </a:solidFill>
+                      <a:prstDash val="solid"/>
+                      <a:round/>
+                      <a:headEnd type="none" w="med" len="med"/>
+                      <a:tailEnd type="none" w="med" len="med"/>
+                    </a:lnT>
+                    <a:lnB w="6350" cap="flat" cmpd="sng" algn="ctr">
+                      <a:solidFill>
+                        <a:srgbClr val="000000"/>
+                      </a:solidFill>
+                      <a:prstDash val="solid"/>
+                      <a:round/>
+                      <a:headEnd type="none" w="med" len="med"/>
+                      <a:tailEnd type="none" w="med" len="med"/>
+                    </a:lnB>
+                    <a:solidFill>
+                      <a:srgbClr val="92D050"/>
+                    </a:solidFill>
+                  </a:tcPr>
+                </a:tc>
+                <a:extLst>
+                  <a:ext uri="{0D108BD9-81ED-4DB2-BD59-A6C34878D82A}">
+                    <a16:rowId xmlns:a16="http://schemas.microsoft.com/office/drawing/2014/main" val="1324118391"/>
+                  </a:ext>
+                </a:extLst>
+              </a:tr>
+              <a:tr h="342255">
+                <a:tc>
+                  <a:txBody>
+                    <a:bodyPr/>
+                    <a:lstStyle/>
+                    <a:p>
+                      <a:pPr algn="l" fontAlgn="b"/>
+                      <a:r>
+                        <a:rPr lang="en-US" sz="1100" b="0" i="0" u="none" strike="noStrike">
+                          <a:solidFill>
+                            <a:srgbClr val="000000"/>
+                          </a:solidFill>
+                          <a:effectLst/>
+                          <a:latin typeface="Calibri" panose="020F0502020204030204" pitchFamily="34" charset="0"/>
+                        </a:rPr>
+                        <a:t>patients with atypical lymphoid infiltrates </a:t>
+                      </a:r>
+                    </a:p>
+                  </a:txBody>
+                  <a:tcPr marL="9525" marR="9525" marT="9525" marB="0" anchor="b">
+                    <a:lnL w="6350" cap="flat" cmpd="sng" algn="ctr">
+                      <a:solidFill>
+                        <a:srgbClr val="000000"/>
+                      </a:solidFill>
+                      <a:prstDash val="solid"/>
+                      <a:round/>
+                      <a:headEnd type="none" w="med" len="med"/>
+                      <a:tailEnd type="none" w="med" len="med"/>
+                    </a:lnL>
+                    <a:lnR w="6350" cap="flat" cmpd="sng" algn="ctr">
+                      <a:solidFill>
+                        <a:srgbClr val="000000"/>
+                      </a:solidFill>
+                      <a:prstDash val="solid"/>
+                      <a:round/>
+                      <a:headEnd type="none" w="med" len="med"/>
+                      <a:tailEnd type="none" w="med" len="med"/>
+                    </a:lnR>
+                    <a:lnT w="6350" cap="flat" cmpd="sng" algn="ctr">
+                      <a:solidFill>
+                        <a:srgbClr val="000000"/>
+                      </a:solidFill>
+                      <a:prstDash val="solid"/>
+                      <a:round/>
+                      <a:headEnd type="none" w="med" len="med"/>
+                      <a:tailEnd type="none" w="med" len="med"/>
+                    </a:lnT>
+                    <a:lnB w="6350" cap="flat" cmpd="sng" algn="ctr">
+                      <a:solidFill>
+                        <a:srgbClr val="000000"/>
+                      </a:solidFill>
+                      <a:prstDash val="solid"/>
+                      <a:round/>
+                      <a:headEnd type="none" w="med" len="med"/>
+                      <a:tailEnd type="none" w="med" len="med"/>
+                    </a:lnB>
+                  </a:tcPr>
+                </a:tc>
+                <a:tc>
+                  <a:txBody>
+                    <a:bodyPr/>
+                    <a:lstStyle/>
+                    <a:p>
+                      <a:pPr algn="l" fontAlgn="b"/>
+                      <a:r>
+                        <a:rPr lang="en-US" sz="1100" b="0" i="0" u="none" strike="noStrike">
+                          <a:solidFill>
+                            <a:srgbClr val="000000"/>
+                          </a:solidFill>
+                          <a:effectLst/>
+                          <a:latin typeface="Calibri" panose="020F0502020204030204" pitchFamily="34" charset="0"/>
+                        </a:rPr>
+                        <a:t> elderly person </a:t>
+                      </a:r>
+                    </a:p>
+                  </a:txBody>
+                  <a:tcPr marL="9525" marR="9525" marT="9525" marB="0" anchor="b">
+                    <a:lnL w="6350" cap="flat" cmpd="sng" algn="ctr">
+                      <a:solidFill>
+                        <a:srgbClr val="000000"/>
+                      </a:solidFill>
+                      <a:prstDash val="solid"/>
+                      <a:round/>
+                      <a:headEnd type="none" w="med" len="med"/>
+                      <a:tailEnd type="none" w="med" len="med"/>
+                    </a:lnL>
+                    <a:lnR w="6350" cap="flat" cmpd="sng" algn="ctr">
+                      <a:solidFill>
+                        <a:srgbClr val="000000"/>
+                      </a:solidFill>
+                      <a:prstDash val="solid"/>
+                      <a:round/>
+                      <a:headEnd type="none" w="med" len="med"/>
+                      <a:tailEnd type="none" w="med" len="med"/>
+                    </a:lnR>
+                    <a:lnT w="6350" cap="flat" cmpd="sng" algn="ctr">
+                      <a:solidFill>
+                        <a:srgbClr val="000000"/>
+                      </a:solidFill>
+                      <a:prstDash val="solid"/>
+                      <a:round/>
+                      <a:headEnd type="none" w="med" len="med"/>
+                      <a:tailEnd type="none" w="med" len="med"/>
+                    </a:lnT>
+                    <a:lnB w="6350" cap="flat" cmpd="sng" algn="ctr">
+                      <a:solidFill>
+                        <a:srgbClr val="000000"/>
+                      </a:solidFill>
+                      <a:prstDash val="solid"/>
+                      <a:round/>
+                      <a:headEnd type="none" w="med" len="med"/>
+                      <a:tailEnd type="none" w="med" len="med"/>
+                    </a:lnB>
+                  </a:tcPr>
+                </a:tc>
+                <a:tc>
+                  <a:txBody>
+                    <a:bodyPr/>
+                    <a:lstStyle/>
+                    <a:p>
+                      <a:pPr algn="l" fontAlgn="b"/>
+                      <a:r>
+                        <a:rPr lang="en-US" sz="1100" b="0" i="0" u="none" strike="noStrike">
+                          <a:solidFill>
+                            <a:srgbClr val="000000"/>
+                          </a:solidFill>
+                          <a:effectLst/>
+                          <a:latin typeface="Calibri" panose="020F0502020204030204" pitchFamily="34" charset="0"/>
+                        </a:rPr>
+                        <a:t> patient </a:t>
+                      </a:r>
+                    </a:p>
+                  </a:txBody>
+                  <a:tcPr marL="9525" marR="9525" marT="9525" marB="0" anchor="b">
+                    <a:lnL w="6350" cap="flat" cmpd="sng" algn="ctr">
+                      <a:solidFill>
+                        <a:srgbClr val="000000"/>
+                      </a:solidFill>
+                      <a:prstDash val="solid"/>
+                      <a:round/>
+                      <a:headEnd type="none" w="med" len="med"/>
+                      <a:tailEnd type="none" w="med" len="med"/>
+                    </a:lnL>
+                    <a:lnR w="6350" cap="flat" cmpd="sng" algn="ctr">
+                      <a:solidFill>
+                        <a:srgbClr val="000000"/>
+                      </a:solidFill>
+                      <a:prstDash val="solid"/>
+                      <a:round/>
+                      <a:headEnd type="none" w="med" len="med"/>
+                      <a:tailEnd type="none" w="med" len="med"/>
+                    </a:lnR>
+                    <a:lnT w="6350" cap="flat" cmpd="sng" algn="ctr">
+                      <a:solidFill>
+                        <a:srgbClr val="000000"/>
+                      </a:solidFill>
+                      <a:prstDash val="solid"/>
+                      <a:round/>
+                      <a:headEnd type="none" w="med" len="med"/>
+                      <a:tailEnd type="none" w="med" len="med"/>
+                    </a:lnT>
+                    <a:lnB w="6350" cap="flat" cmpd="sng" algn="ctr">
+                      <a:solidFill>
+                        <a:srgbClr val="000000"/>
+                      </a:solidFill>
+                      <a:prstDash val="solid"/>
+                      <a:round/>
+                      <a:headEnd type="none" w="med" len="med"/>
+                      <a:tailEnd type="none" w="med" len="med"/>
+                    </a:lnB>
+                  </a:tcPr>
+                </a:tc>
+                <a:extLst>
+                  <a:ext uri="{0D108BD9-81ED-4DB2-BD59-A6C34878D82A}">
+                    <a16:rowId xmlns:a16="http://schemas.microsoft.com/office/drawing/2014/main" val="162894285"/>
+                  </a:ext>
+                </a:extLst>
+              </a:tr>
+              <a:tr h="342255">
+                <a:tc>
+                  <a:txBody>
+                    <a:bodyPr/>
+                    <a:lstStyle/>
+                    <a:p>
+                      <a:pPr algn="l" fontAlgn="b"/>
+                      <a:r>
+                        <a:rPr lang="en-US" sz="1100" b="0" i="0" u="none" strike="noStrike">
+                          <a:solidFill>
+                            <a:srgbClr val="000000"/>
+                          </a:solidFill>
+                          <a:effectLst/>
+                          <a:latin typeface="Calibri" panose="020F0502020204030204" pitchFamily="34" charset="0"/>
+                        </a:rPr>
+                        <a:t>patients with low-grade MALT lymphoma </a:t>
+                      </a:r>
+                    </a:p>
+                  </a:txBody>
+                  <a:tcPr marL="9525" marR="9525" marT="9525" marB="0" anchor="b">
+                    <a:lnL w="6350" cap="flat" cmpd="sng" algn="ctr">
+                      <a:solidFill>
+                        <a:srgbClr val="000000"/>
+                      </a:solidFill>
+                      <a:prstDash val="solid"/>
+                      <a:round/>
+                      <a:headEnd type="none" w="med" len="med"/>
+                      <a:tailEnd type="none" w="med" len="med"/>
+                    </a:lnL>
+                    <a:lnR w="6350" cap="flat" cmpd="sng" algn="ctr">
+                      <a:solidFill>
+                        <a:srgbClr val="000000"/>
+                      </a:solidFill>
+                      <a:prstDash val="solid"/>
+                      <a:round/>
+                      <a:headEnd type="none" w="med" len="med"/>
+                      <a:tailEnd type="none" w="med" len="med"/>
+                    </a:lnR>
+                    <a:lnT w="6350" cap="flat" cmpd="sng" algn="ctr">
+                      <a:solidFill>
+                        <a:srgbClr val="000000"/>
+                      </a:solidFill>
+                      <a:prstDash val="solid"/>
+                      <a:round/>
+                      <a:headEnd type="none" w="med" len="med"/>
+                      <a:tailEnd type="none" w="med" len="med"/>
+                    </a:lnT>
+                    <a:lnB w="6350" cap="flat" cmpd="sng" algn="ctr">
+                      <a:solidFill>
+                        <a:srgbClr val="000000"/>
+                      </a:solidFill>
+                      <a:prstDash val="solid"/>
+                      <a:round/>
+                      <a:headEnd type="none" w="med" len="med"/>
+                      <a:tailEnd type="none" w="med" len="med"/>
+                    </a:lnB>
+                  </a:tcPr>
+                </a:tc>
+                <a:tc>
+                  <a:txBody>
+                    <a:bodyPr/>
+                    <a:lstStyle/>
+                    <a:p>
+                      <a:pPr algn="l" fontAlgn="b"/>
+                      <a:r>
+                        <a:rPr lang="en-US" sz="1100" b="0" i="0" u="none" strike="noStrike">
+                          <a:solidFill>
+                            <a:srgbClr val="000000"/>
+                          </a:solidFill>
+                          <a:effectLst/>
+                          <a:latin typeface="Calibri" panose="020F0502020204030204" pitchFamily="34" charset="0"/>
+                        </a:rPr>
+                        <a:t> elderly person </a:t>
+                      </a:r>
+                    </a:p>
+                  </a:txBody>
+                  <a:tcPr marL="9525" marR="9525" marT="9525" marB="0" anchor="b">
+                    <a:lnL w="6350" cap="flat" cmpd="sng" algn="ctr">
+                      <a:solidFill>
+                        <a:srgbClr val="000000"/>
+                      </a:solidFill>
+                      <a:prstDash val="solid"/>
+                      <a:round/>
+                      <a:headEnd type="none" w="med" len="med"/>
+                      <a:tailEnd type="none" w="med" len="med"/>
+                    </a:lnL>
+                    <a:lnR w="6350" cap="flat" cmpd="sng" algn="ctr">
+                      <a:solidFill>
+                        <a:srgbClr val="000000"/>
+                      </a:solidFill>
+                      <a:prstDash val="solid"/>
+                      <a:round/>
+                      <a:headEnd type="none" w="med" len="med"/>
+                      <a:tailEnd type="none" w="med" len="med"/>
+                    </a:lnR>
+                    <a:lnT w="6350" cap="flat" cmpd="sng" algn="ctr">
+                      <a:solidFill>
+                        <a:srgbClr val="000000"/>
+                      </a:solidFill>
+                      <a:prstDash val="solid"/>
+                      <a:round/>
+                      <a:headEnd type="none" w="med" len="med"/>
+                      <a:tailEnd type="none" w="med" len="med"/>
+                    </a:lnT>
+                    <a:lnB w="6350" cap="flat" cmpd="sng" algn="ctr">
+                      <a:solidFill>
+                        <a:srgbClr val="000000"/>
+                      </a:solidFill>
+                      <a:prstDash val="solid"/>
+                      <a:round/>
+                      <a:headEnd type="none" w="med" len="med"/>
+                      <a:tailEnd type="none" w="med" len="med"/>
+                    </a:lnB>
+                  </a:tcPr>
+                </a:tc>
+                <a:tc>
+                  <a:txBody>
+                    <a:bodyPr/>
+                    <a:lstStyle/>
+                    <a:p>
+                      <a:pPr algn="l" fontAlgn="b"/>
+                      <a:r>
+                        <a:rPr lang="en-US" sz="1100" b="0" i="0" u="none" strike="noStrike">
+                          <a:solidFill>
+                            <a:srgbClr val="000000"/>
+                          </a:solidFill>
+                          <a:effectLst/>
+                          <a:latin typeface="Calibri" panose="020F0502020204030204" pitchFamily="34" charset="0"/>
+                        </a:rPr>
+                        <a:t> patient </a:t>
+                      </a:r>
+                    </a:p>
+                  </a:txBody>
+                  <a:tcPr marL="9525" marR="9525" marT="9525" marB="0" anchor="b">
+                    <a:lnL w="6350" cap="flat" cmpd="sng" algn="ctr">
+                      <a:solidFill>
+                        <a:srgbClr val="000000"/>
+                      </a:solidFill>
+                      <a:prstDash val="solid"/>
+                      <a:round/>
+                      <a:headEnd type="none" w="med" len="med"/>
+                      <a:tailEnd type="none" w="med" len="med"/>
+                    </a:lnL>
+                    <a:lnR w="6350" cap="flat" cmpd="sng" algn="ctr">
+                      <a:solidFill>
+                        <a:srgbClr val="000000"/>
+                      </a:solidFill>
+                      <a:prstDash val="solid"/>
+                      <a:round/>
+                      <a:headEnd type="none" w="med" len="med"/>
+                      <a:tailEnd type="none" w="med" len="med"/>
+                    </a:lnR>
+                    <a:lnT w="6350" cap="flat" cmpd="sng" algn="ctr">
+                      <a:solidFill>
+                        <a:srgbClr val="000000"/>
+                      </a:solidFill>
+                      <a:prstDash val="solid"/>
+                      <a:round/>
+                      <a:headEnd type="none" w="med" len="med"/>
+                      <a:tailEnd type="none" w="med" len="med"/>
+                    </a:lnT>
+                    <a:lnB w="6350" cap="flat" cmpd="sng" algn="ctr">
+                      <a:solidFill>
+                        <a:srgbClr val="000000"/>
+                      </a:solidFill>
+                      <a:prstDash val="solid"/>
+                      <a:round/>
+                      <a:headEnd type="none" w="med" len="med"/>
+                      <a:tailEnd type="none" w="med" len="med"/>
+                    </a:lnB>
+                  </a:tcPr>
+                </a:tc>
+                <a:extLst>
+                  <a:ext uri="{0D108BD9-81ED-4DB2-BD59-A6C34878D82A}">
+                    <a16:rowId xmlns:a16="http://schemas.microsoft.com/office/drawing/2014/main" val="1454202874"/>
+                  </a:ext>
+                </a:extLst>
+              </a:tr>
+              <a:tr h="342255">
+                <a:tc>
+                  <a:txBody>
+                    <a:bodyPr/>
+                    <a:lstStyle/>
+                    <a:p>
+                      <a:pPr algn="l" fontAlgn="b"/>
+                      <a:r>
+                        <a:rPr lang="en-US" sz="1100" b="0" i="0" u="none" strike="noStrike">
+                          <a:solidFill>
+                            <a:srgbClr val="000000"/>
+                          </a:solidFill>
+                          <a:effectLst/>
+                          <a:latin typeface="Calibri" panose="020F0502020204030204" pitchFamily="34" charset="0"/>
+                        </a:rPr>
+                        <a:t>patients with Helicobacter pylori-chronic active gastritis </a:t>
+                      </a:r>
+                    </a:p>
+                  </a:txBody>
+                  <a:tcPr marL="9525" marR="9525" marT="9525" marB="0" anchor="b">
+                    <a:lnL w="6350" cap="flat" cmpd="sng" algn="ctr">
+                      <a:solidFill>
+                        <a:srgbClr val="000000"/>
+                      </a:solidFill>
+                      <a:prstDash val="solid"/>
+                      <a:round/>
+                      <a:headEnd type="none" w="med" len="med"/>
+                      <a:tailEnd type="none" w="med" len="med"/>
+                    </a:lnL>
+                    <a:lnR w="6350" cap="flat" cmpd="sng" algn="ctr">
+                      <a:solidFill>
+                        <a:srgbClr val="000000"/>
+                      </a:solidFill>
+                      <a:prstDash val="solid"/>
+                      <a:round/>
+                      <a:headEnd type="none" w="med" len="med"/>
+                      <a:tailEnd type="none" w="med" len="med"/>
+                    </a:lnR>
+                    <a:lnT w="6350" cap="flat" cmpd="sng" algn="ctr">
+                      <a:solidFill>
+                        <a:srgbClr val="000000"/>
+                      </a:solidFill>
+                      <a:prstDash val="solid"/>
+                      <a:round/>
+                      <a:headEnd type="none" w="med" len="med"/>
+                      <a:tailEnd type="none" w="med" len="med"/>
+                    </a:lnT>
+                    <a:lnB w="6350" cap="flat" cmpd="sng" algn="ctr">
+                      <a:solidFill>
+                        <a:srgbClr val="000000"/>
+                      </a:solidFill>
+                      <a:prstDash val="solid"/>
+                      <a:round/>
+                      <a:headEnd type="none" w="med" len="med"/>
+                      <a:tailEnd type="none" w="med" len="med"/>
+                    </a:lnB>
+                  </a:tcPr>
+                </a:tc>
+                <a:tc>
+                  <a:txBody>
+                    <a:bodyPr/>
+                    <a:lstStyle/>
+                    <a:p>
+                      <a:pPr algn="l" fontAlgn="b"/>
+                      <a:r>
+                        <a:rPr lang="en-US" sz="1100" b="0" i="0" u="none" strike="noStrike">
+                          <a:solidFill>
+                            <a:srgbClr val="000000"/>
+                          </a:solidFill>
+                          <a:effectLst/>
+                          <a:latin typeface="Calibri" panose="020F0502020204030204" pitchFamily="34" charset="0"/>
+                        </a:rPr>
+                        <a:t> elderly person </a:t>
+                      </a:r>
+                    </a:p>
+                  </a:txBody>
+                  <a:tcPr marL="9525" marR="9525" marT="9525" marB="0" anchor="b">
+                    <a:lnL w="6350" cap="flat" cmpd="sng" algn="ctr">
+                      <a:solidFill>
+                        <a:srgbClr val="000000"/>
+                      </a:solidFill>
+                      <a:prstDash val="solid"/>
+                      <a:round/>
+                      <a:headEnd type="none" w="med" len="med"/>
+                      <a:tailEnd type="none" w="med" len="med"/>
+                    </a:lnL>
+                    <a:lnR w="6350" cap="flat" cmpd="sng" algn="ctr">
+                      <a:solidFill>
+                        <a:srgbClr val="000000"/>
+                      </a:solidFill>
+                      <a:prstDash val="solid"/>
+                      <a:round/>
+                      <a:headEnd type="none" w="med" len="med"/>
+                      <a:tailEnd type="none" w="med" len="med"/>
+                    </a:lnR>
+                    <a:lnT w="6350" cap="flat" cmpd="sng" algn="ctr">
+                      <a:solidFill>
+                        <a:srgbClr val="000000"/>
+                      </a:solidFill>
+                      <a:prstDash val="solid"/>
+                      <a:round/>
+                      <a:headEnd type="none" w="med" len="med"/>
+                      <a:tailEnd type="none" w="med" len="med"/>
+                    </a:lnT>
+                    <a:lnB w="6350" cap="flat" cmpd="sng" algn="ctr">
+                      <a:solidFill>
+                        <a:srgbClr val="000000"/>
+                      </a:solidFill>
+                      <a:prstDash val="solid"/>
+                      <a:round/>
+                      <a:headEnd type="none" w="med" len="med"/>
+                      <a:tailEnd type="none" w="med" len="med"/>
+                    </a:lnB>
+                  </a:tcPr>
+                </a:tc>
+                <a:tc>
+                  <a:txBody>
+                    <a:bodyPr/>
+                    <a:lstStyle/>
+                    <a:p>
+                      <a:pPr algn="l" fontAlgn="b"/>
+                      <a:r>
+                        <a:rPr lang="en-US" sz="1100" b="0" i="0" u="none" strike="noStrike">
+                          <a:solidFill>
+                            <a:srgbClr val="000000"/>
+                          </a:solidFill>
+                          <a:effectLst/>
+                          <a:latin typeface="Calibri" panose="020F0502020204030204" pitchFamily="34" charset="0"/>
+                        </a:rPr>
+                        <a:t> patient with infectious disease </a:t>
+                      </a:r>
+                    </a:p>
+                  </a:txBody>
+                  <a:tcPr marL="9525" marR="9525" marT="9525" marB="0" anchor="b">
+                    <a:lnL w="6350" cap="flat" cmpd="sng" algn="ctr">
+                      <a:solidFill>
+                        <a:srgbClr val="000000"/>
+                      </a:solidFill>
+                      <a:prstDash val="solid"/>
+                      <a:round/>
+                      <a:headEnd type="none" w="med" len="med"/>
+                      <a:tailEnd type="none" w="med" len="med"/>
+                    </a:lnL>
+                    <a:lnR w="6350" cap="flat" cmpd="sng" algn="ctr">
+                      <a:solidFill>
+                        <a:srgbClr val="000000"/>
+                      </a:solidFill>
+                      <a:prstDash val="solid"/>
+                      <a:round/>
+                      <a:headEnd type="none" w="med" len="med"/>
+                      <a:tailEnd type="none" w="med" len="med"/>
+                    </a:lnR>
+                    <a:lnT w="6350" cap="flat" cmpd="sng" algn="ctr">
+                      <a:solidFill>
+                        <a:srgbClr val="000000"/>
+                      </a:solidFill>
+                      <a:prstDash val="solid"/>
+                      <a:round/>
+                      <a:headEnd type="none" w="med" len="med"/>
+                      <a:tailEnd type="none" w="med" len="med"/>
+                    </a:lnT>
+                    <a:lnB w="6350" cap="flat" cmpd="sng" algn="ctr">
+                      <a:solidFill>
+                        <a:srgbClr val="000000"/>
+                      </a:solidFill>
+                      <a:prstDash val="solid"/>
+                      <a:round/>
+                      <a:headEnd type="none" w="med" len="med"/>
+                      <a:tailEnd type="none" w="med" len="med"/>
+                    </a:lnB>
+                  </a:tcPr>
+                </a:tc>
+                <a:extLst>
+                  <a:ext uri="{0D108BD9-81ED-4DB2-BD59-A6C34878D82A}">
+                    <a16:rowId xmlns:a16="http://schemas.microsoft.com/office/drawing/2014/main" val="1285819641"/>
+                  </a:ext>
+                </a:extLst>
+              </a:tr>
+              <a:tr h="342255">
+                <a:tc>
+                  <a:txBody>
+                    <a:bodyPr/>
+                    <a:lstStyle/>
+                    <a:p>
+                      <a:pPr algn="l" fontAlgn="b"/>
+                      <a:r>
+                        <a:rPr lang="en-US" sz="1100" b="0" i="0" u="none" strike="noStrike" dirty="0">
+                          <a:solidFill>
+                            <a:srgbClr val="000000"/>
+                          </a:solidFill>
+                          <a:effectLst/>
+                          <a:latin typeface="Calibri" panose="020F0502020204030204" pitchFamily="34" charset="0"/>
+                        </a:rPr>
+                        <a:t>patients with high-grade primary gastric lymphoma </a:t>
+                      </a:r>
+                    </a:p>
+                  </a:txBody>
+                  <a:tcPr marL="9525" marR="9525" marT="9525" marB="0" anchor="b">
+                    <a:lnL w="6350" cap="flat" cmpd="sng" algn="ctr">
+                      <a:solidFill>
+                        <a:srgbClr val="000000"/>
+                      </a:solidFill>
+                      <a:prstDash val="solid"/>
+                      <a:round/>
+                      <a:headEnd type="none" w="med" len="med"/>
+                      <a:tailEnd type="none" w="med" len="med"/>
+                    </a:lnL>
+                    <a:lnR w="6350" cap="flat" cmpd="sng" algn="ctr">
+                      <a:solidFill>
+                        <a:srgbClr val="000000"/>
+                      </a:solidFill>
+                      <a:prstDash val="solid"/>
+                      <a:round/>
+                      <a:headEnd type="none" w="med" len="med"/>
+                      <a:tailEnd type="none" w="med" len="med"/>
+                    </a:lnR>
+                    <a:lnT w="6350" cap="flat" cmpd="sng" algn="ctr">
+                      <a:solidFill>
+                        <a:srgbClr val="000000"/>
+                      </a:solidFill>
+                      <a:prstDash val="solid"/>
+                      <a:round/>
+                      <a:headEnd type="none" w="med" len="med"/>
+                      <a:tailEnd type="none" w="med" len="med"/>
+                    </a:lnT>
+                    <a:lnB w="6350" cap="flat" cmpd="sng" algn="ctr">
+                      <a:solidFill>
+                        <a:srgbClr val="000000"/>
+                      </a:solidFill>
+                      <a:prstDash val="solid"/>
+                      <a:round/>
+                      <a:headEnd type="none" w="med" len="med"/>
+                      <a:tailEnd type="none" w="med" len="med"/>
+                    </a:lnB>
+                  </a:tcPr>
+                </a:tc>
+                <a:tc>
+                  <a:txBody>
+                    <a:bodyPr/>
+                    <a:lstStyle/>
+                    <a:p>
+                      <a:pPr algn="l" fontAlgn="b"/>
+                      <a:r>
+                        <a:rPr lang="en-US" sz="1100" b="0" i="0" u="none" strike="noStrike">
+                          <a:solidFill>
+                            <a:srgbClr val="000000"/>
+                          </a:solidFill>
+                          <a:effectLst/>
+                          <a:latin typeface="Calibri" panose="020F0502020204030204" pitchFamily="34" charset="0"/>
+                        </a:rPr>
+                        <a:t> elderly person </a:t>
+                      </a:r>
+                    </a:p>
+                  </a:txBody>
+                  <a:tcPr marL="9525" marR="9525" marT="9525" marB="0" anchor="b">
+                    <a:lnL w="6350" cap="flat" cmpd="sng" algn="ctr">
+                      <a:solidFill>
+                        <a:srgbClr val="000000"/>
+                      </a:solidFill>
+                      <a:prstDash val="solid"/>
+                      <a:round/>
+                      <a:headEnd type="none" w="med" len="med"/>
+                      <a:tailEnd type="none" w="med" len="med"/>
+                    </a:lnL>
+                    <a:lnR w="6350" cap="flat" cmpd="sng" algn="ctr">
+                      <a:solidFill>
+                        <a:srgbClr val="000000"/>
+                      </a:solidFill>
+                      <a:prstDash val="solid"/>
+                      <a:round/>
+                      <a:headEnd type="none" w="med" len="med"/>
+                      <a:tailEnd type="none" w="med" len="med"/>
+                    </a:lnR>
+                    <a:lnT w="6350" cap="flat" cmpd="sng" algn="ctr">
+                      <a:solidFill>
+                        <a:srgbClr val="000000"/>
+                      </a:solidFill>
+                      <a:prstDash val="solid"/>
+                      <a:round/>
+                      <a:headEnd type="none" w="med" len="med"/>
+                      <a:tailEnd type="none" w="med" len="med"/>
+                    </a:lnT>
+                    <a:lnB w="6350" cap="flat" cmpd="sng" algn="ctr">
+                      <a:solidFill>
+                        <a:srgbClr val="000000"/>
+                      </a:solidFill>
+                      <a:prstDash val="solid"/>
+                      <a:round/>
+                      <a:headEnd type="none" w="med" len="med"/>
+                      <a:tailEnd type="none" w="med" len="med"/>
+                    </a:lnB>
+                  </a:tcPr>
+                </a:tc>
+                <a:tc>
+                  <a:txBody>
+                    <a:bodyPr/>
+                    <a:lstStyle/>
+                    <a:p>
+                      <a:pPr algn="l" fontAlgn="b"/>
+                      <a:r>
+                        <a:rPr lang="en-US" sz="1100" b="0" i="0" u="none" strike="noStrike">
+                          <a:solidFill>
+                            <a:srgbClr val="000000"/>
+                          </a:solidFill>
+                          <a:effectLst/>
+                          <a:latin typeface="Calibri" panose="020F0502020204030204" pitchFamily="34" charset="0"/>
+                        </a:rPr>
+                        <a:t> patient </a:t>
+                      </a:r>
+                    </a:p>
+                  </a:txBody>
+                  <a:tcPr marL="9525" marR="9525" marT="9525" marB="0" anchor="b">
+                    <a:lnL w="6350" cap="flat" cmpd="sng" algn="ctr">
+                      <a:solidFill>
+                        <a:srgbClr val="000000"/>
+                      </a:solidFill>
+                      <a:prstDash val="solid"/>
+                      <a:round/>
+                      <a:headEnd type="none" w="med" len="med"/>
+                      <a:tailEnd type="none" w="med" len="med"/>
+                    </a:lnL>
+                    <a:lnR w="6350" cap="flat" cmpd="sng" algn="ctr">
+                      <a:solidFill>
+                        <a:srgbClr val="000000"/>
+                      </a:solidFill>
+                      <a:prstDash val="solid"/>
+                      <a:round/>
+                      <a:headEnd type="none" w="med" len="med"/>
+                      <a:tailEnd type="none" w="med" len="med"/>
+                    </a:lnR>
+                    <a:lnT w="6350" cap="flat" cmpd="sng" algn="ctr">
+                      <a:solidFill>
+                        <a:srgbClr val="000000"/>
+                      </a:solidFill>
+                      <a:prstDash val="solid"/>
+                      <a:round/>
+                      <a:headEnd type="none" w="med" len="med"/>
+                      <a:tailEnd type="none" w="med" len="med"/>
+                    </a:lnT>
+                    <a:lnB w="6350" cap="flat" cmpd="sng" algn="ctr">
+                      <a:solidFill>
+                        <a:srgbClr val="000000"/>
+                      </a:solidFill>
+                      <a:prstDash val="solid"/>
+                      <a:round/>
+                      <a:headEnd type="none" w="med" len="med"/>
+                      <a:tailEnd type="none" w="med" len="med"/>
+                    </a:lnB>
+                  </a:tcPr>
+                </a:tc>
+                <a:extLst>
+                  <a:ext uri="{0D108BD9-81ED-4DB2-BD59-A6C34878D82A}">
+                    <a16:rowId xmlns:a16="http://schemas.microsoft.com/office/drawing/2014/main" val="2576494692"/>
+                  </a:ext>
+                </a:extLst>
+              </a:tr>
+              <a:tr h="342255">
+                <a:tc>
+                  <a:txBody>
+                    <a:bodyPr/>
+                    <a:lstStyle/>
+                    <a:p>
+                      <a:pPr algn="l" fontAlgn="b"/>
+                      <a:r>
+                        <a:rPr lang="en-US" sz="1100" b="0" i="0" u="none" strike="noStrike">
+                          <a:solidFill>
+                            <a:srgbClr val="000000"/>
+                          </a:solidFill>
+                          <a:effectLst/>
+                          <a:latin typeface="Calibri" panose="020F0502020204030204" pitchFamily="34" charset="0"/>
+                        </a:rPr>
+                        <a:t>patients with chronic active gastritis </a:t>
+                      </a:r>
+                    </a:p>
+                  </a:txBody>
+                  <a:tcPr marL="9525" marR="9525" marT="9525" marB="0" anchor="b">
+                    <a:lnL w="6350" cap="flat" cmpd="sng" algn="ctr">
+                      <a:solidFill>
+                        <a:srgbClr val="000000"/>
+                      </a:solidFill>
+                      <a:prstDash val="solid"/>
+                      <a:round/>
+                      <a:headEnd type="none" w="med" len="med"/>
+                      <a:tailEnd type="none" w="med" len="med"/>
+                    </a:lnL>
+                    <a:lnR w="6350" cap="flat" cmpd="sng" algn="ctr">
+                      <a:solidFill>
+                        <a:srgbClr val="000000"/>
+                      </a:solidFill>
+                      <a:prstDash val="solid"/>
+                      <a:round/>
+                      <a:headEnd type="none" w="med" len="med"/>
+                      <a:tailEnd type="none" w="med" len="med"/>
+                    </a:lnR>
+                    <a:lnT w="6350" cap="flat" cmpd="sng" algn="ctr">
+                      <a:solidFill>
+                        <a:srgbClr val="000000"/>
+                      </a:solidFill>
+                      <a:prstDash val="solid"/>
+                      <a:round/>
+                      <a:headEnd type="none" w="med" len="med"/>
+                      <a:tailEnd type="none" w="med" len="med"/>
+                    </a:lnT>
+                    <a:lnB w="6350" cap="flat" cmpd="sng" algn="ctr">
+                      <a:solidFill>
+                        <a:srgbClr val="000000"/>
+                      </a:solidFill>
+                      <a:prstDash val="solid"/>
+                      <a:round/>
+                      <a:headEnd type="none" w="med" len="med"/>
+                      <a:tailEnd type="none" w="med" len="med"/>
+                    </a:lnB>
+                  </a:tcPr>
+                </a:tc>
+                <a:tc>
+                  <a:txBody>
+                    <a:bodyPr/>
+                    <a:lstStyle/>
+                    <a:p>
+                      <a:pPr algn="l" fontAlgn="b"/>
+                      <a:r>
+                        <a:rPr lang="en-US" sz="1100" b="0" i="0" u="none" strike="noStrike">
+                          <a:solidFill>
+                            <a:srgbClr val="000000"/>
+                          </a:solidFill>
+                          <a:effectLst/>
+                          <a:latin typeface="Calibri" panose="020F0502020204030204" pitchFamily="34" charset="0"/>
+                        </a:rPr>
+                        <a:t> elderly person </a:t>
+                      </a:r>
+                    </a:p>
+                  </a:txBody>
+                  <a:tcPr marL="9525" marR="9525" marT="9525" marB="0" anchor="b">
+                    <a:lnL w="6350" cap="flat" cmpd="sng" algn="ctr">
+                      <a:solidFill>
+                        <a:srgbClr val="000000"/>
+                      </a:solidFill>
+                      <a:prstDash val="solid"/>
+                      <a:round/>
+                      <a:headEnd type="none" w="med" len="med"/>
+                      <a:tailEnd type="none" w="med" len="med"/>
+                    </a:lnL>
+                    <a:lnR w="6350" cap="flat" cmpd="sng" algn="ctr">
+                      <a:solidFill>
+                        <a:srgbClr val="000000"/>
+                      </a:solidFill>
+                      <a:prstDash val="solid"/>
+                      <a:round/>
+                      <a:headEnd type="none" w="med" len="med"/>
+                      <a:tailEnd type="none" w="med" len="med"/>
+                    </a:lnR>
+                    <a:lnT w="6350" cap="flat" cmpd="sng" algn="ctr">
+                      <a:solidFill>
+                        <a:srgbClr val="000000"/>
+                      </a:solidFill>
+                      <a:prstDash val="solid"/>
+                      <a:round/>
+                      <a:headEnd type="none" w="med" len="med"/>
+                      <a:tailEnd type="none" w="med" len="med"/>
+                    </a:lnT>
+                    <a:lnB w="6350" cap="flat" cmpd="sng" algn="ctr">
+                      <a:solidFill>
+                        <a:srgbClr val="000000"/>
+                      </a:solidFill>
+                      <a:prstDash val="solid"/>
+                      <a:round/>
+                      <a:headEnd type="none" w="med" len="med"/>
+                      <a:tailEnd type="none" w="med" len="med"/>
+                    </a:lnB>
+                  </a:tcPr>
+                </a:tc>
+                <a:tc>
+                  <a:txBody>
+                    <a:bodyPr/>
+                    <a:lstStyle/>
+                    <a:p>
+                      <a:pPr algn="l" fontAlgn="b"/>
+                      <a:r>
+                        <a:rPr lang="en-US" sz="1100" b="0" i="0" u="none" strike="noStrike" dirty="0">
+                          <a:solidFill>
+                            <a:srgbClr val="000000"/>
+                          </a:solidFill>
+                          <a:effectLst/>
+                          <a:latin typeface="Calibri" panose="020F0502020204030204" pitchFamily="34" charset="0"/>
+                        </a:rPr>
+                        <a:t> patient </a:t>
+                      </a:r>
+                    </a:p>
+                  </a:txBody>
+                  <a:tcPr marL="9525" marR="9525" marT="9525" marB="0" anchor="b">
+                    <a:lnL w="6350" cap="flat" cmpd="sng" algn="ctr">
+                      <a:solidFill>
+                        <a:srgbClr val="000000"/>
+                      </a:solidFill>
+                      <a:prstDash val="solid"/>
+                      <a:round/>
+                      <a:headEnd type="none" w="med" len="med"/>
+                      <a:tailEnd type="none" w="med" len="med"/>
+                    </a:lnL>
+                    <a:lnR w="6350" cap="flat" cmpd="sng" algn="ctr">
+                      <a:solidFill>
+                        <a:srgbClr val="000000"/>
+                      </a:solidFill>
+                      <a:prstDash val="solid"/>
+                      <a:round/>
+                      <a:headEnd type="none" w="med" len="med"/>
+                      <a:tailEnd type="none" w="med" len="med"/>
+                    </a:lnR>
+                    <a:lnT w="6350" cap="flat" cmpd="sng" algn="ctr">
+                      <a:solidFill>
+                        <a:srgbClr val="000000"/>
+                      </a:solidFill>
+                      <a:prstDash val="solid"/>
+                      <a:round/>
+                      <a:headEnd type="none" w="med" len="med"/>
+                      <a:tailEnd type="none" w="med" len="med"/>
+                    </a:lnT>
+                    <a:lnB w="6350" cap="flat" cmpd="sng" algn="ctr">
+                      <a:solidFill>
+                        <a:srgbClr val="000000"/>
+                      </a:solidFill>
+                      <a:prstDash val="solid"/>
+                      <a:round/>
+                      <a:headEnd type="none" w="med" len="med"/>
+                      <a:tailEnd type="none" w="med" len="med"/>
+                    </a:lnB>
+                  </a:tcPr>
+                </a:tc>
+                <a:extLst>
+                  <a:ext uri="{0D108BD9-81ED-4DB2-BD59-A6C34878D82A}">
+                    <a16:rowId xmlns:a16="http://schemas.microsoft.com/office/drawing/2014/main" val="2124397635"/>
+                  </a:ext>
+                </a:extLst>
+              </a:tr>
+            </a:tbl>
+          </a:graphicData>
+        </a:graphic>
+      </p:graphicFrame>
     </p:spTree>
     <p:extLst>
       <p:ext uri="{BB962C8B-B14F-4D97-AF65-F5344CB8AC3E}">
-        <p14:creationId xmlns:p14="http://schemas.microsoft.com/office/powerpoint/2010/main" val="2269900708"/>
+        <p14:creationId xmlns:p14="http://schemas.microsoft.com/office/powerpoint/2010/main" val="47460002"/>
       </p:ext>
     </p:extLst>
   </p:cSld>
@@ -4467,7 +9356,7 @@
           <p:cNvPr id="2" name="Title 1">
             <a:extLst>
               <a:ext uri="{FF2B5EF4-FFF2-40B4-BE49-F238E27FC236}">
-                <a16:creationId xmlns:a16="http://schemas.microsoft.com/office/drawing/2014/main" id="{1AE67C95-A1CD-44F8-99D2-4640264C88CA}"/>
+                <a16:creationId xmlns:a16="http://schemas.microsoft.com/office/drawing/2014/main" id="{369CA4F0-7F76-4DC7-A47D-BD061E0C6AF6}"/>
               </a:ext>
             </a:extLst>
           </p:cNvPr>
@@ -4484,56 +9373,1054 @@
           <a:lstStyle/>
           <a:p>
             <a:r>
-              <a:rPr lang="en-US" dirty="0"/>
-              <a:t>Future Work</a:t>
-            </a:r>
+              <a:rPr lang="tr-TR" dirty="0" err="1"/>
+              <a:t>Performance</a:t>
+            </a:r>
+            <a:r>
+              <a:rPr lang="tr-TR" dirty="0"/>
+              <a:t> </a:t>
+            </a:r>
+            <a:r>
+              <a:rPr lang="tr-TR" dirty="0" err="1"/>
+              <a:t>Problems</a:t>
+            </a:r>
+            <a:endParaRPr lang="en-US" dirty="0"/>
           </a:p>
         </p:txBody>
       </p:sp>
       <p:sp>
         <p:nvSpPr>
-          <p:cNvPr id="3" name="Content Placeholder 2">
+          <p:cNvPr id="5" name="Metin kutusu 4">
             <a:extLst>
               <a:ext uri="{FF2B5EF4-FFF2-40B4-BE49-F238E27FC236}">
-                <a16:creationId xmlns:a16="http://schemas.microsoft.com/office/drawing/2014/main" id="{3B9B51B1-383B-4A8B-9C5B-9FD704B0BC1B}"/>
+                <a16:creationId xmlns:a16="http://schemas.microsoft.com/office/drawing/2014/main" id="{7EE42B15-CB31-4D67-AAA2-F14DC075DAC7}"/>
+              </a:ext>
+            </a:extLst>
+          </p:cNvPr>
+          <p:cNvSpPr txBox="1"/>
+          <p:nvPr/>
+        </p:nvSpPr>
+        <p:spPr>
+          <a:xfrm>
+            <a:off x="6328612" y="2167187"/>
+            <a:ext cx="4211051" cy="369332"/>
+          </a:xfrm>
+          <a:prstGeom prst="rect">
+            <a:avLst/>
+          </a:prstGeom>
+          <a:noFill/>
+        </p:spPr>
+        <p:txBody>
+          <a:bodyPr wrap="square" rtlCol="0">
+            <a:spAutoFit/>
+          </a:bodyPr>
+          <a:lstStyle/>
+          <a:p>
+            <a:endParaRPr lang="en-US" dirty="0"/>
+          </a:p>
+        </p:txBody>
+      </p:sp>
+      <p:graphicFrame>
+        <p:nvGraphicFramePr>
+          <p:cNvPr id="7" name="İçerik Yer Tutucusu 6">
+            <a:extLst>
+              <a:ext uri="{FF2B5EF4-FFF2-40B4-BE49-F238E27FC236}">
+                <a16:creationId xmlns:a16="http://schemas.microsoft.com/office/drawing/2014/main" id="{F002ECC3-9455-46A7-B409-AEDA8EE92B80}"/>
+              </a:ext>
+            </a:extLst>
+          </p:cNvPr>
+          <p:cNvGraphicFramePr>
+            <a:graphicFrameLocks noGrp="1"/>
+          </p:cNvGraphicFramePr>
+          <p:nvPr>
+            <p:ph idx="1"/>
+            <p:extLst>
+              <p:ext uri="{D42A27DB-BD31-4B8C-83A1-F6EECF244321}">
+                <p14:modId xmlns:p14="http://schemas.microsoft.com/office/powerpoint/2010/main" val="37453518"/>
+              </p:ext>
+            </p:extLst>
+          </p:nvPr>
+        </p:nvGraphicFramePr>
+        <p:xfrm>
+          <a:off x="1097281" y="2191249"/>
+          <a:ext cx="4998720" cy="1173235"/>
+        </p:xfrm>
+        <a:graphic>
+          <a:graphicData uri="http://schemas.openxmlformats.org/drawingml/2006/table">
+            <a:tbl>
+              <a:tblPr/>
+              <a:tblGrid>
+                <a:gridCol w="2632405">
+                  <a:extLst>
+                    <a:ext uri="{9D8B030D-6E8A-4147-A177-3AD203B41FA5}">
+                      <a16:colId xmlns:a16="http://schemas.microsoft.com/office/drawing/2014/main" val="2832223557"/>
+                    </a:ext>
+                  </a:extLst>
+                </a:gridCol>
+                <a:gridCol w="874301">
+                  <a:extLst>
+                    <a:ext uri="{9D8B030D-6E8A-4147-A177-3AD203B41FA5}">
+                      <a16:colId xmlns:a16="http://schemas.microsoft.com/office/drawing/2014/main" val="306267915"/>
+                    </a:ext>
+                  </a:extLst>
+                </a:gridCol>
+                <a:gridCol w="1492014">
+                  <a:extLst>
+                    <a:ext uri="{9D8B030D-6E8A-4147-A177-3AD203B41FA5}">
+                      <a16:colId xmlns:a16="http://schemas.microsoft.com/office/drawing/2014/main" val="1253151645"/>
+                    </a:ext>
+                  </a:extLst>
+                </a:gridCol>
+              </a:tblGrid>
+              <a:tr h="228848">
+                <a:tc>
+                  <a:txBody>
+                    <a:bodyPr/>
+                    <a:lstStyle/>
+                    <a:p>
+                      <a:pPr algn="l" fontAlgn="b"/>
+                      <a:r>
+                        <a:rPr lang="en-US" sz="1100" b="0" i="0" u="none" strike="noStrike">
+                          <a:solidFill>
+                            <a:srgbClr val="000000"/>
+                          </a:solidFill>
+                          <a:effectLst/>
+                          <a:latin typeface="Calibri" panose="020F0502020204030204" pitchFamily="34" charset="0"/>
+                        </a:rPr>
+                        <a:t>Input Term </a:t>
+                      </a:r>
+                    </a:p>
+                  </a:txBody>
+                  <a:tcPr marL="9525" marR="9525" marT="9525" marB="0" anchor="b">
+                    <a:lnL w="6350" cap="flat" cmpd="sng" algn="ctr">
+                      <a:solidFill>
+                        <a:srgbClr val="000000"/>
+                      </a:solidFill>
+                      <a:prstDash val="solid"/>
+                      <a:round/>
+                      <a:headEnd type="none" w="med" len="med"/>
+                      <a:tailEnd type="none" w="med" len="med"/>
+                    </a:lnL>
+                    <a:lnR w="6350" cap="flat" cmpd="sng" algn="ctr">
+                      <a:solidFill>
+                        <a:srgbClr val="000000"/>
+                      </a:solidFill>
+                      <a:prstDash val="solid"/>
+                      <a:round/>
+                      <a:headEnd type="none" w="med" len="med"/>
+                      <a:tailEnd type="none" w="med" len="med"/>
+                    </a:lnR>
+                    <a:lnT w="6350" cap="flat" cmpd="sng" algn="ctr">
+                      <a:solidFill>
+                        <a:srgbClr val="000000"/>
+                      </a:solidFill>
+                      <a:prstDash val="solid"/>
+                      <a:round/>
+                      <a:headEnd type="none" w="med" len="med"/>
+                      <a:tailEnd type="none" w="med" len="med"/>
+                    </a:lnT>
+                    <a:lnB w="6350" cap="flat" cmpd="sng" algn="ctr">
+                      <a:solidFill>
+                        <a:srgbClr val="000000"/>
+                      </a:solidFill>
+                      <a:prstDash val="solid"/>
+                      <a:round/>
+                      <a:headEnd type="none" w="med" len="med"/>
+                      <a:tailEnd type="none" w="med" len="med"/>
+                    </a:lnB>
+                    <a:solidFill>
+                      <a:srgbClr val="92D050"/>
+                    </a:solidFill>
+                  </a:tcPr>
+                </a:tc>
+                <a:tc>
+                  <a:txBody>
+                    <a:bodyPr/>
+                    <a:lstStyle/>
+                    <a:p>
+                      <a:pPr algn="l" fontAlgn="b"/>
+                      <a:r>
+                        <a:rPr lang="en-US" sz="1100" b="0" i="0" u="none" strike="noStrike">
+                          <a:solidFill>
+                            <a:srgbClr val="000000"/>
+                          </a:solidFill>
+                          <a:effectLst/>
+                          <a:latin typeface="Calibri" panose="020F0502020204030204" pitchFamily="34" charset="0"/>
+                        </a:rPr>
+                        <a:t> Normalized Term </a:t>
+                      </a:r>
+                    </a:p>
+                  </a:txBody>
+                  <a:tcPr marL="9525" marR="9525" marT="9525" marB="0" anchor="b">
+                    <a:lnL w="6350" cap="flat" cmpd="sng" algn="ctr">
+                      <a:solidFill>
+                        <a:srgbClr val="000000"/>
+                      </a:solidFill>
+                      <a:prstDash val="solid"/>
+                      <a:round/>
+                      <a:headEnd type="none" w="med" len="med"/>
+                      <a:tailEnd type="none" w="med" len="med"/>
+                    </a:lnL>
+                    <a:lnR w="6350" cap="flat" cmpd="sng" algn="ctr">
+                      <a:solidFill>
+                        <a:srgbClr val="000000"/>
+                      </a:solidFill>
+                      <a:prstDash val="solid"/>
+                      <a:round/>
+                      <a:headEnd type="none" w="med" len="med"/>
+                      <a:tailEnd type="none" w="med" len="med"/>
+                    </a:lnR>
+                    <a:lnT w="6350" cap="flat" cmpd="sng" algn="ctr">
+                      <a:solidFill>
+                        <a:srgbClr val="000000"/>
+                      </a:solidFill>
+                      <a:prstDash val="solid"/>
+                      <a:round/>
+                      <a:headEnd type="none" w="med" len="med"/>
+                      <a:tailEnd type="none" w="med" len="med"/>
+                    </a:lnT>
+                    <a:lnB w="6350" cap="flat" cmpd="sng" algn="ctr">
+                      <a:solidFill>
+                        <a:srgbClr val="000000"/>
+                      </a:solidFill>
+                      <a:prstDash val="solid"/>
+                      <a:round/>
+                      <a:headEnd type="none" w="med" len="med"/>
+                      <a:tailEnd type="none" w="med" len="med"/>
+                    </a:lnB>
+                    <a:solidFill>
+                      <a:srgbClr val="92D050"/>
+                    </a:solidFill>
+                  </a:tcPr>
+                </a:tc>
+                <a:tc>
+                  <a:txBody>
+                    <a:bodyPr/>
+                    <a:lstStyle/>
+                    <a:p>
+                      <a:pPr algn="l" fontAlgn="b"/>
+                      <a:r>
+                        <a:rPr lang="en-US" sz="1100" b="0" i="0" u="none" strike="noStrike">
+                          <a:solidFill>
+                            <a:srgbClr val="000000"/>
+                          </a:solidFill>
+                          <a:effectLst/>
+                          <a:latin typeface="Calibri" panose="020F0502020204030204" pitchFamily="34" charset="0"/>
+                        </a:rPr>
+                        <a:t> True Normalized Term </a:t>
+                      </a:r>
+                    </a:p>
+                  </a:txBody>
+                  <a:tcPr marL="9525" marR="9525" marT="9525" marB="0" anchor="b">
+                    <a:lnL w="6350" cap="flat" cmpd="sng" algn="ctr">
+                      <a:solidFill>
+                        <a:srgbClr val="000000"/>
+                      </a:solidFill>
+                      <a:prstDash val="solid"/>
+                      <a:round/>
+                      <a:headEnd type="none" w="med" len="med"/>
+                      <a:tailEnd type="none" w="med" len="med"/>
+                    </a:lnL>
+                    <a:lnR w="6350" cap="flat" cmpd="sng" algn="ctr">
+                      <a:solidFill>
+                        <a:srgbClr val="000000"/>
+                      </a:solidFill>
+                      <a:prstDash val="solid"/>
+                      <a:round/>
+                      <a:headEnd type="none" w="med" len="med"/>
+                      <a:tailEnd type="none" w="med" len="med"/>
+                    </a:lnR>
+                    <a:lnT w="6350" cap="flat" cmpd="sng" algn="ctr">
+                      <a:solidFill>
+                        <a:srgbClr val="000000"/>
+                      </a:solidFill>
+                      <a:prstDash val="solid"/>
+                      <a:round/>
+                      <a:headEnd type="none" w="med" len="med"/>
+                      <a:tailEnd type="none" w="med" len="med"/>
+                    </a:lnT>
+                    <a:lnB w="6350" cap="flat" cmpd="sng" algn="ctr">
+                      <a:solidFill>
+                        <a:srgbClr val="000000"/>
+                      </a:solidFill>
+                      <a:prstDash val="solid"/>
+                      <a:round/>
+                      <a:headEnd type="none" w="med" len="med"/>
+                      <a:tailEnd type="none" w="med" len="med"/>
+                    </a:lnB>
+                    <a:solidFill>
+                      <a:srgbClr val="92D050"/>
+                    </a:solidFill>
+                  </a:tcPr>
+                </a:tc>
+                <a:extLst>
+                  <a:ext uri="{0D108BD9-81ED-4DB2-BD59-A6C34878D82A}">
+                    <a16:rowId xmlns:a16="http://schemas.microsoft.com/office/drawing/2014/main" val="1380216664"/>
+                  </a:ext>
+                </a:extLst>
+              </a:tr>
+              <a:tr h="414215">
+                <a:tc>
+                  <a:txBody>
+                    <a:bodyPr/>
+                    <a:lstStyle/>
+                    <a:p>
+                      <a:pPr algn="l" fontAlgn="b"/>
+                      <a:r>
+                        <a:rPr lang="en-US" sz="1100" b="0" i="0" u="none" strike="noStrike" dirty="0">
+                          <a:solidFill>
+                            <a:srgbClr val="000000"/>
+                          </a:solidFill>
+                          <a:effectLst/>
+                          <a:latin typeface="Calibri" panose="020F0502020204030204" pitchFamily="34" charset="0"/>
+                        </a:rPr>
+                        <a:t>placenta of a 38-year-old secondary recurrent </a:t>
+                      </a:r>
+                      <a:r>
+                        <a:rPr lang="en-US" sz="1100" b="0" i="0" u="none" strike="noStrike" dirty="0" err="1">
+                          <a:solidFill>
+                            <a:srgbClr val="000000"/>
+                          </a:solidFill>
+                          <a:effectLst/>
+                          <a:latin typeface="Calibri" panose="020F0502020204030204" pitchFamily="34" charset="0"/>
+                        </a:rPr>
+                        <a:t>aborter</a:t>
+                      </a:r>
+                      <a:r>
+                        <a:rPr lang="en-US" sz="1100" b="0" i="0" u="none" strike="noStrike" dirty="0">
+                          <a:solidFill>
+                            <a:srgbClr val="000000"/>
+                          </a:solidFill>
+                          <a:effectLst/>
+                          <a:latin typeface="Calibri" panose="020F0502020204030204" pitchFamily="34" charset="0"/>
+                        </a:rPr>
+                        <a:t> </a:t>
+                      </a:r>
+                    </a:p>
+                  </a:txBody>
+                  <a:tcPr marL="9525" marR="9525" marT="9525" marB="0" anchor="b">
+                    <a:lnL w="6350" cap="flat" cmpd="sng" algn="ctr">
+                      <a:solidFill>
+                        <a:srgbClr val="000000"/>
+                      </a:solidFill>
+                      <a:prstDash val="solid"/>
+                      <a:round/>
+                      <a:headEnd type="none" w="med" len="med"/>
+                      <a:tailEnd type="none" w="med" len="med"/>
+                    </a:lnL>
+                    <a:lnR w="6350" cap="flat" cmpd="sng" algn="ctr">
+                      <a:solidFill>
+                        <a:srgbClr val="000000"/>
+                      </a:solidFill>
+                      <a:prstDash val="solid"/>
+                      <a:round/>
+                      <a:headEnd type="none" w="med" len="med"/>
+                      <a:tailEnd type="none" w="med" len="med"/>
+                    </a:lnR>
+                    <a:lnT w="6350" cap="flat" cmpd="sng" algn="ctr">
+                      <a:solidFill>
+                        <a:srgbClr val="000000"/>
+                      </a:solidFill>
+                      <a:prstDash val="solid"/>
+                      <a:round/>
+                      <a:headEnd type="none" w="med" len="med"/>
+                      <a:tailEnd type="none" w="med" len="med"/>
+                    </a:lnT>
+                    <a:lnB w="6350" cap="flat" cmpd="sng" algn="ctr">
+                      <a:solidFill>
+                        <a:srgbClr val="000000"/>
+                      </a:solidFill>
+                      <a:prstDash val="solid"/>
+                      <a:round/>
+                      <a:headEnd type="none" w="med" len="med"/>
+                      <a:tailEnd type="none" w="med" len="med"/>
+                    </a:lnB>
+                  </a:tcPr>
+                </a:tc>
+                <a:tc>
+                  <a:txBody>
+                    <a:bodyPr/>
+                    <a:lstStyle/>
+                    <a:p>
+                      <a:pPr algn="l" fontAlgn="b"/>
+                      <a:r>
+                        <a:rPr lang="en-US" sz="1100" b="0" i="0" u="none" strike="noStrike">
+                          <a:solidFill>
+                            <a:srgbClr val="000000"/>
+                          </a:solidFill>
+                          <a:effectLst/>
+                          <a:latin typeface="Calibri" panose="020F0502020204030204" pitchFamily="34" charset="0"/>
+                        </a:rPr>
+                        <a:t> experimental medium </a:t>
+                      </a:r>
+                    </a:p>
+                  </a:txBody>
+                  <a:tcPr marL="9525" marR="9525" marT="9525" marB="0" anchor="b">
+                    <a:lnL w="6350" cap="flat" cmpd="sng" algn="ctr">
+                      <a:solidFill>
+                        <a:srgbClr val="000000"/>
+                      </a:solidFill>
+                      <a:prstDash val="solid"/>
+                      <a:round/>
+                      <a:headEnd type="none" w="med" len="med"/>
+                      <a:tailEnd type="none" w="med" len="med"/>
+                    </a:lnL>
+                    <a:lnR w="6350" cap="flat" cmpd="sng" algn="ctr">
+                      <a:solidFill>
+                        <a:srgbClr val="000000"/>
+                      </a:solidFill>
+                      <a:prstDash val="solid"/>
+                      <a:round/>
+                      <a:headEnd type="none" w="med" len="med"/>
+                      <a:tailEnd type="none" w="med" len="med"/>
+                    </a:lnR>
+                    <a:lnT w="6350" cap="flat" cmpd="sng" algn="ctr">
+                      <a:solidFill>
+                        <a:srgbClr val="000000"/>
+                      </a:solidFill>
+                      <a:prstDash val="solid"/>
+                      <a:round/>
+                      <a:headEnd type="none" w="med" len="med"/>
+                      <a:tailEnd type="none" w="med" len="med"/>
+                    </a:lnT>
+                    <a:lnB w="6350" cap="flat" cmpd="sng" algn="ctr">
+                      <a:solidFill>
+                        <a:srgbClr val="000000"/>
+                      </a:solidFill>
+                      <a:prstDash val="solid"/>
+                      <a:round/>
+                      <a:headEnd type="none" w="med" len="med"/>
+                      <a:tailEnd type="none" w="med" len="med"/>
+                    </a:lnB>
+                  </a:tcPr>
+                </a:tc>
+                <a:tc>
+                  <a:txBody>
+                    <a:bodyPr/>
+                    <a:lstStyle/>
+                    <a:p>
+                      <a:pPr algn="l" fontAlgn="b"/>
+                      <a:r>
+                        <a:rPr lang="en-US" sz="1100" b="0" i="0" u="none" strike="noStrike">
+                          <a:solidFill>
+                            <a:srgbClr val="000000"/>
+                          </a:solidFill>
+                          <a:effectLst/>
+                          <a:latin typeface="Calibri" panose="020F0502020204030204" pitchFamily="34" charset="0"/>
+                        </a:rPr>
+                        <a:t> placenta </a:t>
+                      </a:r>
+                    </a:p>
+                  </a:txBody>
+                  <a:tcPr marL="9525" marR="9525" marT="9525" marB="0" anchor="b">
+                    <a:lnL w="6350" cap="flat" cmpd="sng" algn="ctr">
+                      <a:solidFill>
+                        <a:srgbClr val="000000"/>
+                      </a:solidFill>
+                      <a:prstDash val="solid"/>
+                      <a:round/>
+                      <a:headEnd type="none" w="med" len="med"/>
+                      <a:tailEnd type="none" w="med" len="med"/>
+                    </a:lnL>
+                    <a:lnR w="6350" cap="flat" cmpd="sng" algn="ctr">
+                      <a:solidFill>
+                        <a:srgbClr val="000000"/>
+                      </a:solidFill>
+                      <a:prstDash val="solid"/>
+                      <a:round/>
+                      <a:headEnd type="none" w="med" len="med"/>
+                      <a:tailEnd type="none" w="med" len="med"/>
+                    </a:lnR>
+                    <a:lnT w="6350" cap="flat" cmpd="sng" algn="ctr">
+                      <a:solidFill>
+                        <a:srgbClr val="000000"/>
+                      </a:solidFill>
+                      <a:prstDash val="solid"/>
+                      <a:round/>
+                      <a:headEnd type="none" w="med" len="med"/>
+                      <a:tailEnd type="none" w="med" len="med"/>
+                    </a:lnT>
+                    <a:lnB w="6350" cap="flat" cmpd="sng" algn="ctr">
+                      <a:solidFill>
+                        <a:srgbClr val="000000"/>
+                      </a:solidFill>
+                      <a:prstDash val="solid"/>
+                      <a:round/>
+                      <a:headEnd type="none" w="med" len="med"/>
+                      <a:tailEnd type="none" w="med" len="med"/>
+                    </a:lnB>
+                  </a:tcPr>
+                </a:tc>
+                <a:extLst>
+                  <a:ext uri="{0D108BD9-81ED-4DB2-BD59-A6C34878D82A}">
+                    <a16:rowId xmlns:a16="http://schemas.microsoft.com/office/drawing/2014/main" val="3517525072"/>
+                  </a:ext>
+                </a:extLst>
+              </a:tr>
+              <a:tr h="414215">
+                <a:tc>
+                  <a:txBody>
+                    <a:bodyPr/>
+                    <a:lstStyle/>
+                    <a:p>
+                      <a:pPr algn="l" fontAlgn="b"/>
+                      <a:r>
+                        <a:rPr lang="en-US" sz="1100" b="0" i="0" u="none" strike="noStrike" dirty="0">
+                          <a:solidFill>
+                            <a:srgbClr val="000000"/>
+                          </a:solidFill>
+                          <a:effectLst/>
+                          <a:latin typeface="Calibri" panose="020F0502020204030204" pitchFamily="34" charset="0"/>
+                        </a:rPr>
+                        <a:t>38-year-old secondary recurrent </a:t>
+                      </a:r>
+                      <a:r>
+                        <a:rPr lang="en-US" sz="1100" b="0" i="0" u="none" strike="noStrike" dirty="0" err="1">
+                          <a:solidFill>
+                            <a:srgbClr val="000000"/>
+                          </a:solidFill>
+                          <a:effectLst/>
+                          <a:latin typeface="Calibri" panose="020F0502020204030204" pitchFamily="34" charset="0"/>
+                        </a:rPr>
+                        <a:t>aborter</a:t>
+                      </a:r>
+                      <a:r>
+                        <a:rPr lang="en-US" sz="1100" b="0" i="0" u="none" strike="noStrike" dirty="0">
+                          <a:solidFill>
+                            <a:srgbClr val="000000"/>
+                          </a:solidFill>
+                          <a:effectLst/>
+                          <a:latin typeface="Calibri" panose="020F0502020204030204" pitchFamily="34" charset="0"/>
+                        </a:rPr>
+                        <a:t> </a:t>
+                      </a:r>
+                    </a:p>
+                  </a:txBody>
+                  <a:tcPr marL="9525" marR="9525" marT="9525" marB="0" anchor="b">
+                    <a:lnL w="6350" cap="flat" cmpd="sng" algn="ctr">
+                      <a:solidFill>
+                        <a:srgbClr val="000000"/>
+                      </a:solidFill>
+                      <a:prstDash val="solid"/>
+                      <a:round/>
+                      <a:headEnd type="none" w="med" len="med"/>
+                      <a:tailEnd type="none" w="med" len="med"/>
+                    </a:lnL>
+                    <a:lnR w="6350" cap="flat" cmpd="sng" algn="ctr">
+                      <a:solidFill>
+                        <a:srgbClr val="000000"/>
+                      </a:solidFill>
+                      <a:prstDash val="solid"/>
+                      <a:round/>
+                      <a:headEnd type="none" w="med" len="med"/>
+                      <a:tailEnd type="none" w="med" len="med"/>
+                    </a:lnR>
+                    <a:lnT w="6350" cap="flat" cmpd="sng" algn="ctr">
+                      <a:solidFill>
+                        <a:srgbClr val="000000"/>
+                      </a:solidFill>
+                      <a:prstDash val="solid"/>
+                      <a:round/>
+                      <a:headEnd type="none" w="med" len="med"/>
+                      <a:tailEnd type="none" w="med" len="med"/>
+                    </a:lnT>
+                    <a:lnB w="6350" cap="flat" cmpd="sng" algn="ctr">
+                      <a:solidFill>
+                        <a:srgbClr val="000000"/>
+                      </a:solidFill>
+                      <a:prstDash val="solid"/>
+                      <a:round/>
+                      <a:headEnd type="none" w="med" len="med"/>
+                      <a:tailEnd type="none" w="med" len="med"/>
+                    </a:lnB>
+                  </a:tcPr>
+                </a:tc>
+                <a:tc>
+                  <a:txBody>
+                    <a:bodyPr/>
+                    <a:lstStyle/>
+                    <a:p>
+                      <a:pPr algn="l" fontAlgn="b"/>
+                      <a:r>
+                        <a:rPr lang="en-US" sz="1100" b="0" i="0" u="none" strike="noStrike" dirty="0">
+                          <a:solidFill>
+                            <a:srgbClr val="000000"/>
+                          </a:solidFill>
+                          <a:effectLst/>
+                          <a:latin typeface="Calibri" panose="020F0502020204030204" pitchFamily="34" charset="0"/>
+                        </a:rPr>
+                        <a:t> experimental medium </a:t>
+                      </a:r>
+                    </a:p>
+                  </a:txBody>
+                  <a:tcPr marL="9525" marR="9525" marT="9525" marB="0" anchor="b">
+                    <a:lnL w="6350" cap="flat" cmpd="sng" algn="ctr">
+                      <a:solidFill>
+                        <a:srgbClr val="000000"/>
+                      </a:solidFill>
+                      <a:prstDash val="solid"/>
+                      <a:round/>
+                      <a:headEnd type="none" w="med" len="med"/>
+                      <a:tailEnd type="none" w="med" len="med"/>
+                    </a:lnL>
+                    <a:lnR w="6350" cap="flat" cmpd="sng" algn="ctr">
+                      <a:solidFill>
+                        <a:srgbClr val="000000"/>
+                      </a:solidFill>
+                      <a:prstDash val="solid"/>
+                      <a:round/>
+                      <a:headEnd type="none" w="med" len="med"/>
+                      <a:tailEnd type="none" w="med" len="med"/>
+                    </a:lnR>
+                    <a:lnT w="6350" cap="flat" cmpd="sng" algn="ctr">
+                      <a:solidFill>
+                        <a:srgbClr val="000000"/>
+                      </a:solidFill>
+                      <a:prstDash val="solid"/>
+                      <a:round/>
+                      <a:headEnd type="none" w="med" len="med"/>
+                      <a:tailEnd type="none" w="med" len="med"/>
+                    </a:lnT>
+                    <a:lnB w="6350" cap="flat" cmpd="sng" algn="ctr">
+                      <a:solidFill>
+                        <a:srgbClr val="000000"/>
+                      </a:solidFill>
+                      <a:prstDash val="solid"/>
+                      <a:round/>
+                      <a:headEnd type="none" w="med" len="med"/>
+                      <a:tailEnd type="none" w="med" len="med"/>
+                    </a:lnB>
+                  </a:tcPr>
+                </a:tc>
+                <a:tc>
+                  <a:txBody>
+                    <a:bodyPr/>
+                    <a:lstStyle/>
+                    <a:p>
+                      <a:pPr algn="l" fontAlgn="b"/>
+                      <a:r>
+                        <a:rPr lang="en-US" sz="1100" b="0" i="0" u="none" strike="noStrike" dirty="0">
+                          <a:solidFill>
+                            <a:srgbClr val="000000"/>
+                          </a:solidFill>
+                          <a:effectLst/>
+                          <a:latin typeface="Calibri" panose="020F0502020204030204" pitchFamily="34" charset="0"/>
+                        </a:rPr>
+                        <a:t> pregnant woman </a:t>
+                      </a:r>
+                    </a:p>
+                  </a:txBody>
+                  <a:tcPr marL="9525" marR="9525" marT="9525" marB="0" anchor="b">
+                    <a:lnL w="6350" cap="flat" cmpd="sng" algn="ctr">
+                      <a:solidFill>
+                        <a:srgbClr val="000000"/>
+                      </a:solidFill>
+                      <a:prstDash val="solid"/>
+                      <a:round/>
+                      <a:headEnd type="none" w="med" len="med"/>
+                      <a:tailEnd type="none" w="med" len="med"/>
+                    </a:lnL>
+                    <a:lnR w="6350" cap="flat" cmpd="sng" algn="ctr">
+                      <a:solidFill>
+                        <a:srgbClr val="000000"/>
+                      </a:solidFill>
+                      <a:prstDash val="solid"/>
+                      <a:round/>
+                      <a:headEnd type="none" w="med" len="med"/>
+                      <a:tailEnd type="none" w="med" len="med"/>
+                    </a:lnR>
+                    <a:lnT w="6350" cap="flat" cmpd="sng" algn="ctr">
+                      <a:solidFill>
+                        <a:srgbClr val="000000"/>
+                      </a:solidFill>
+                      <a:prstDash val="solid"/>
+                      <a:round/>
+                      <a:headEnd type="none" w="med" len="med"/>
+                      <a:tailEnd type="none" w="med" len="med"/>
+                    </a:lnT>
+                    <a:lnB w="6350" cap="flat" cmpd="sng" algn="ctr">
+                      <a:solidFill>
+                        <a:srgbClr val="000000"/>
+                      </a:solidFill>
+                      <a:prstDash val="solid"/>
+                      <a:round/>
+                      <a:headEnd type="none" w="med" len="med"/>
+                      <a:tailEnd type="none" w="med" len="med"/>
+                    </a:lnB>
+                  </a:tcPr>
+                </a:tc>
+                <a:extLst>
+                  <a:ext uri="{0D108BD9-81ED-4DB2-BD59-A6C34878D82A}">
+                    <a16:rowId xmlns:a16="http://schemas.microsoft.com/office/drawing/2014/main" val="3200810552"/>
+                  </a:ext>
+                </a:extLst>
+              </a:tr>
+            </a:tbl>
+          </a:graphicData>
+        </a:graphic>
+      </p:graphicFrame>
+      <p:sp>
+        <p:nvSpPr>
+          <p:cNvPr id="8" name="Metin kutusu 7">
+            <a:extLst>
+              <a:ext uri="{FF2B5EF4-FFF2-40B4-BE49-F238E27FC236}">
+                <a16:creationId xmlns:a16="http://schemas.microsoft.com/office/drawing/2014/main" id="{C0A49393-094B-426D-892E-075680BE8640}"/>
+              </a:ext>
+            </a:extLst>
+          </p:cNvPr>
+          <p:cNvSpPr txBox="1"/>
+          <p:nvPr/>
+        </p:nvSpPr>
+        <p:spPr>
+          <a:xfrm>
+            <a:off x="6328612" y="2298033"/>
+            <a:ext cx="4827068" cy="2031325"/>
+          </a:xfrm>
+          <a:prstGeom prst="rect">
+            <a:avLst/>
+          </a:prstGeom>
+          <a:noFill/>
+        </p:spPr>
+        <p:txBody>
+          <a:bodyPr wrap="square" rtlCol="0">
+            <a:spAutoFit/>
+          </a:bodyPr>
+          <a:lstStyle/>
+          <a:p>
+            <a:r>
+              <a:rPr lang="tr-TR" dirty="0" err="1"/>
+              <a:t>Part</a:t>
+            </a:r>
+            <a:r>
+              <a:rPr lang="tr-TR" dirty="0"/>
+              <a:t> of </a:t>
+            </a:r>
+            <a:r>
+              <a:rPr lang="tr-TR" dirty="0" err="1"/>
+              <a:t>speech</a:t>
+            </a:r>
+            <a:r>
+              <a:rPr lang="tr-TR" dirty="0"/>
+              <a:t> </a:t>
+            </a:r>
+            <a:r>
+              <a:rPr lang="tr-TR" dirty="0" err="1"/>
+              <a:t>tagging</a:t>
+            </a:r>
+            <a:r>
+              <a:rPr lang="tr-TR" dirty="0"/>
+              <a:t> can be </a:t>
+            </a:r>
+            <a:r>
+              <a:rPr lang="tr-TR" dirty="0" err="1"/>
+              <a:t>applied</a:t>
+            </a:r>
+            <a:r>
+              <a:rPr lang="tr-TR" dirty="0"/>
+              <a:t> </a:t>
+            </a:r>
+            <a:r>
+              <a:rPr lang="tr-TR" dirty="0" err="1"/>
+              <a:t>to</a:t>
+            </a:r>
+            <a:r>
+              <a:rPr lang="tr-TR" dirty="0"/>
+              <a:t> </a:t>
+            </a:r>
+            <a:r>
+              <a:rPr lang="tr-TR" dirty="0" err="1"/>
+              <a:t>first</a:t>
+            </a:r>
+            <a:r>
+              <a:rPr lang="tr-TR" dirty="0"/>
+              <a:t> </a:t>
+            </a:r>
+            <a:r>
+              <a:rPr lang="tr-TR" dirty="0" err="1"/>
+              <a:t>sentence</a:t>
+            </a:r>
+            <a:r>
+              <a:rPr lang="tr-TR" dirty="0"/>
+              <a:t> </a:t>
+            </a:r>
+            <a:r>
+              <a:rPr lang="tr-TR" dirty="0" err="1"/>
+              <a:t>for</a:t>
+            </a:r>
+            <a:r>
+              <a:rPr lang="tr-TR" dirty="0"/>
+              <a:t> </a:t>
+            </a:r>
+            <a:r>
+              <a:rPr lang="tr-TR" dirty="0" err="1"/>
+              <a:t>morphological</a:t>
+            </a:r>
+            <a:r>
+              <a:rPr lang="tr-TR" dirty="0"/>
+              <a:t> </a:t>
+            </a:r>
+            <a:r>
+              <a:rPr lang="tr-TR" dirty="0" err="1"/>
+              <a:t>analysis</a:t>
+            </a:r>
+            <a:r>
+              <a:rPr lang="tr-TR" dirty="0"/>
+              <a:t>.</a:t>
+            </a:r>
+            <a:endParaRPr lang="tr-TR" altLang="en-US" dirty="0">
+              <a:solidFill>
+                <a:srgbClr val="000000"/>
+              </a:solidFill>
+              <a:latin typeface="Courier New" panose="02070309020205020404" pitchFamily="49" charset="0"/>
+            </a:endParaRPr>
+          </a:p>
+          <a:p>
+            <a:endParaRPr lang="tr-TR" altLang="en-US" dirty="0">
+              <a:solidFill>
+                <a:srgbClr val="000000"/>
+              </a:solidFill>
+              <a:latin typeface="Courier New" panose="02070309020205020404" pitchFamily="49" charset="0"/>
+            </a:endParaRPr>
+          </a:p>
+          <a:p>
+            <a:r>
+              <a:rPr lang="tr-TR" altLang="en-US" dirty="0" err="1"/>
+              <a:t>Sentence</a:t>
+            </a:r>
+            <a:r>
+              <a:rPr lang="tr-TR" altLang="en-US" dirty="0"/>
+              <a:t> is </a:t>
+            </a:r>
+            <a:r>
+              <a:rPr lang="tr-TR" altLang="en-US" dirty="0" err="1"/>
+              <a:t>split</a:t>
+            </a:r>
+            <a:r>
+              <a:rPr lang="tr-TR" altLang="en-US" dirty="0"/>
+              <a:t> </a:t>
+            </a:r>
+            <a:r>
+              <a:rPr lang="tr-TR" altLang="en-US" dirty="0" err="1"/>
+              <a:t>into</a:t>
+            </a:r>
+            <a:r>
+              <a:rPr lang="tr-TR" altLang="en-US" dirty="0"/>
+              <a:t> </a:t>
+            </a:r>
+            <a:r>
+              <a:rPr lang="tr-TR" altLang="en-US" dirty="0" err="1"/>
+              <a:t>phrases</a:t>
+            </a:r>
+            <a:r>
+              <a:rPr lang="tr-TR" altLang="en-US" dirty="0"/>
+              <a:t>.</a:t>
+            </a:r>
+          </a:p>
+          <a:p>
+            <a:endParaRPr lang="tr-TR" dirty="0"/>
+          </a:p>
+          <a:p>
+            <a:endParaRPr lang="tr-TR" dirty="0"/>
+          </a:p>
+          <a:p>
+            <a:endParaRPr lang="en-US" dirty="0"/>
+          </a:p>
+        </p:txBody>
+      </p:sp>
+      <p:sp>
+        <p:nvSpPr>
+          <p:cNvPr id="10" name="Rectangle 2">
+            <a:extLst>
+              <a:ext uri="{FF2B5EF4-FFF2-40B4-BE49-F238E27FC236}">
+                <a16:creationId xmlns:a16="http://schemas.microsoft.com/office/drawing/2014/main" id="{533397CC-4E35-4F67-A77E-718FD9C60735}"/>
               </a:ext>
             </a:extLst>
           </p:cNvPr>
           <p:cNvSpPr>
-            <a:spLocks noGrp="1"/>
+            <a:spLocks noChangeArrowheads="1"/>
           </p:cNvSpPr>
-          <p:nvPr>
-            <p:ph idx="1"/>
-          </p:nvPr>
-        </p:nvSpPr>
-        <p:spPr/>
+          <p:nvPr/>
+        </p:nvSpPr>
+        <p:spPr bwMode="auto">
+          <a:xfrm>
+            <a:off x="0" y="90100"/>
+            <a:ext cx="65" cy="276999"/>
+          </a:xfrm>
+          <a:prstGeom prst="rect">
+            <a:avLst/>
+          </a:prstGeom>
+          <a:solidFill>
+            <a:srgbClr val="FFFFFF"/>
+          </a:solidFill>
+          <a:ln>
+            <a:noFill/>
+          </a:ln>
+          <a:effectLst/>
+          <a:extLst>
+            <a:ext uri="{91240B29-F687-4F45-9708-019B960494DF}">
+              <a14:hiddenLine xmlns:a14="http://schemas.microsoft.com/office/drawing/2010/main" w="9525">
+                <a:solidFill>
+                  <a:schemeClr val="tx1"/>
+                </a:solidFill>
+                <a:miter lim="800000"/>
+                <a:headEnd/>
+                <a:tailEnd/>
+              </a14:hiddenLine>
+            </a:ext>
+            <a:ext uri="{AF507438-7753-43E0-B8FC-AC1667EBCBE1}">
+              <a14:hiddenEffects xmlns:a14="http://schemas.microsoft.com/office/drawing/2010/main">
+                <a:effectLst>
+                  <a:outerShdw dist="35921" dir="2700000" algn="ctr" rotWithShape="0">
+                    <a:schemeClr val="bg2"/>
+                  </a:outerShdw>
+                </a:effectLst>
+              </a14:hiddenEffects>
+            </a:ext>
+          </a:extLst>
+        </p:spPr>
         <p:txBody>
-          <a:bodyPr/>
+          <a:bodyPr vert="horz" wrap="none" lIns="0" tIns="0" rIns="0" bIns="0" numCol="1" anchor="ctr" anchorCtr="0" compatLnSpc="1">
+            <a:prstTxWarp prst="textNoShape">
+              <a:avLst/>
+            </a:prstTxWarp>
+            <a:spAutoFit/>
+          </a:bodyPr>
           <a:lstStyle/>
           <a:p>
-            <a:r>
-              <a:rPr lang="en-US" dirty="0"/>
-              <a:t>Paper 1</a:t>
-            </a:r>
-          </a:p>
-          <a:p>
-            <a:r>
-              <a:rPr lang="en-US" dirty="0"/>
-              <a:t>Paper 2</a:t>
-            </a:r>
-          </a:p>
-          <a:p>
-            <a:r>
-              <a:rPr lang="en-US" dirty="0"/>
-              <a:t>Paper 3</a:t>
-            </a:r>
+            <a:pPr marL="0" marR="0" lvl="0" indent="0" algn="l" defTabSz="914400" rtl="0" eaLnBrk="0" fontAlgn="base" latinLnBrk="0" hangingPunct="0">
+              <a:lnSpc>
+                <a:spcPct val="100000"/>
+              </a:lnSpc>
+              <a:spcBef>
+                <a:spcPct val="0"/>
+              </a:spcBef>
+              <a:spcAft>
+                <a:spcPct val="0"/>
+              </a:spcAft>
+              <a:buClrTx/>
+              <a:buSzTx/>
+              <a:buFontTx/>
+              <a:buNone/>
+              <a:tabLst/>
+            </a:pPr>
+            <a:endParaRPr kumimoji="0" lang="en-US" altLang="en-US" sz="1800" b="0" i="0" u="none" strike="noStrike" cap="none" normalizeH="0" baseline="0" dirty="0">
+              <a:ln>
+                <a:noFill/>
+              </a:ln>
+              <a:solidFill>
+                <a:schemeClr val="tx1"/>
+              </a:solidFill>
+              <a:effectLst/>
+              <a:latin typeface="Arial" panose="020B0604020202020204" pitchFamily="34" charset="0"/>
+            </a:endParaRPr>
+          </a:p>
+        </p:txBody>
+      </p:sp>
+      <p:sp>
+        <p:nvSpPr>
+          <p:cNvPr id="12" name="Rectangle 4">
+            <a:extLst>
+              <a:ext uri="{FF2B5EF4-FFF2-40B4-BE49-F238E27FC236}">
+                <a16:creationId xmlns:a16="http://schemas.microsoft.com/office/drawing/2014/main" id="{7B0EA3CF-2A11-4ECA-9AA4-18D17A9BE32F}"/>
+              </a:ext>
+            </a:extLst>
+          </p:cNvPr>
+          <p:cNvSpPr>
+            <a:spLocks noChangeArrowheads="1"/>
+          </p:cNvSpPr>
+          <p:nvPr/>
+        </p:nvSpPr>
+        <p:spPr bwMode="auto">
+          <a:xfrm>
+            <a:off x="0" y="143961"/>
+            <a:ext cx="32060" cy="169277"/>
+          </a:xfrm>
+          <a:prstGeom prst="rect">
+            <a:avLst/>
+          </a:prstGeom>
+          <a:solidFill>
+            <a:srgbClr val="FFFFFF"/>
+          </a:solidFill>
+          <a:ln>
+            <a:noFill/>
+          </a:ln>
+          <a:effectLst/>
+          <a:extLst>
+            <a:ext uri="{91240B29-F687-4F45-9708-019B960494DF}">
+              <a14:hiddenLine xmlns:a14="http://schemas.microsoft.com/office/drawing/2010/main" w="9525">
+                <a:solidFill>
+                  <a:schemeClr val="tx1"/>
+                </a:solidFill>
+                <a:miter lim="800000"/>
+                <a:headEnd/>
+                <a:tailEnd/>
+              </a14:hiddenLine>
+            </a:ext>
+            <a:ext uri="{AF507438-7753-43E0-B8FC-AC1667EBCBE1}">
+              <a14:hiddenEffects xmlns:a14="http://schemas.microsoft.com/office/drawing/2010/main">
+                <a:effectLst>
+                  <a:outerShdw dist="35921" dir="2700000" algn="ctr" rotWithShape="0">
+                    <a:schemeClr val="bg2"/>
+                  </a:outerShdw>
+                </a:effectLst>
+              </a14:hiddenEffects>
+            </a:ext>
+          </a:extLst>
+        </p:spPr>
+        <p:txBody>
+          <a:bodyPr vert="horz" wrap="none" lIns="0" tIns="0" rIns="0" bIns="0" numCol="1" anchor="ctr" anchorCtr="0" compatLnSpc="1">
+            <a:prstTxWarp prst="textNoShape">
+              <a:avLst/>
+            </a:prstTxWarp>
+            <a:spAutoFit/>
+          </a:bodyPr>
+          <a:lstStyle/>
+          <a:p>
+            <a:pPr marL="0" marR="0" lvl="0" indent="0" algn="l" defTabSz="914400" rtl="0" eaLnBrk="0" fontAlgn="base" latinLnBrk="0" hangingPunct="0">
+              <a:lnSpc>
+                <a:spcPct val="100000"/>
+              </a:lnSpc>
+              <a:spcBef>
+                <a:spcPct val="0"/>
+              </a:spcBef>
+              <a:spcAft>
+                <a:spcPct val="0"/>
+              </a:spcAft>
+              <a:buClrTx/>
+              <a:buSzTx/>
+              <a:buFontTx/>
+              <a:buNone/>
+              <a:tabLst/>
+            </a:pPr>
+            <a:r>
+              <a:rPr kumimoji="0" lang="en-US" altLang="en-US" sz="1100" b="0" i="0" u="none" strike="noStrike" cap="none" normalizeH="0" baseline="0" dirty="0">
+                <a:ln>
+                  <a:noFill/>
+                </a:ln>
+                <a:solidFill>
+                  <a:schemeClr val="tx1"/>
+                </a:solidFill>
+                <a:effectLst/>
+              </a:rPr>
+              <a:t> </a:t>
+            </a:r>
+            <a:endParaRPr kumimoji="0" lang="en-US" altLang="en-US" sz="1800" b="0" i="0" u="none" strike="noStrike" cap="none" normalizeH="0" baseline="0" dirty="0">
+              <a:ln>
+                <a:noFill/>
+              </a:ln>
+              <a:solidFill>
+                <a:schemeClr val="tx1"/>
+              </a:solidFill>
+              <a:effectLst/>
+              <a:latin typeface="Arial" panose="020B0604020202020204" pitchFamily="34" charset="0"/>
+            </a:endParaRPr>
           </a:p>
         </p:txBody>
       </p:sp>
     </p:spTree>
     <p:extLst>
       <p:ext uri="{BB962C8B-B14F-4D97-AF65-F5344CB8AC3E}">
-        <p14:creationId xmlns:p14="http://schemas.microsoft.com/office/powerpoint/2010/main" val="2168468946"/>
+        <p14:creationId xmlns:p14="http://schemas.microsoft.com/office/powerpoint/2010/main" val="1724987431"/>
       </p:ext>
     </p:extLst>
   </p:cSld>
@@ -4565,7 +10452,7 @@
           <p:cNvPr id="2" name="Title 1">
             <a:extLst>
               <a:ext uri="{FF2B5EF4-FFF2-40B4-BE49-F238E27FC236}">
-                <a16:creationId xmlns:a16="http://schemas.microsoft.com/office/drawing/2014/main" id="{1AE67C95-A1CD-44F8-99D2-4640264C88CA}"/>
+                <a16:creationId xmlns:a16="http://schemas.microsoft.com/office/drawing/2014/main" id="{369CA4F0-7F76-4DC7-A47D-BD061E0C6AF6}"/>
               </a:ext>
             </a:extLst>
           </p:cNvPr>
@@ -4582,41 +10469,1049 @@
           <a:lstStyle/>
           <a:p>
             <a:r>
-              <a:rPr lang="en-US" dirty="0"/>
-              <a:t>Paper 1</a:t>
-            </a:r>
+              <a:rPr lang="tr-TR" dirty="0" err="1"/>
+              <a:t>Performance</a:t>
+            </a:r>
+            <a:r>
+              <a:rPr lang="tr-TR" dirty="0"/>
+              <a:t> </a:t>
+            </a:r>
+            <a:r>
+              <a:rPr lang="tr-TR" dirty="0" err="1"/>
+              <a:t>Problems</a:t>
+            </a:r>
+            <a:endParaRPr lang="en-US" dirty="0"/>
           </a:p>
         </p:txBody>
       </p:sp>
       <p:sp>
         <p:nvSpPr>
-          <p:cNvPr id="3" name="Content Placeholder 2">
+          <p:cNvPr id="5" name="Metin kutusu 4">
             <a:extLst>
               <a:ext uri="{FF2B5EF4-FFF2-40B4-BE49-F238E27FC236}">
-                <a16:creationId xmlns:a16="http://schemas.microsoft.com/office/drawing/2014/main" id="{3B9B51B1-383B-4A8B-9C5B-9FD704B0BC1B}"/>
+                <a16:creationId xmlns:a16="http://schemas.microsoft.com/office/drawing/2014/main" id="{7EE42B15-CB31-4D67-AAA2-F14DC075DAC7}"/>
+              </a:ext>
+            </a:extLst>
+          </p:cNvPr>
+          <p:cNvSpPr txBox="1"/>
+          <p:nvPr/>
+        </p:nvSpPr>
+        <p:spPr>
+          <a:xfrm>
+            <a:off x="6328612" y="2167187"/>
+            <a:ext cx="4211051" cy="369332"/>
+          </a:xfrm>
+          <a:prstGeom prst="rect">
+            <a:avLst/>
+          </a:prstGeom>
+          <a:noFill/>
+        </p:spPr>
+        <p:txBody>
+          <a:bodyPr wrap="square" rtlCol="0">
+            <a:spAutoFit/>
+          </a:bodyPr>
+          <a:lstStyle/>
+          <a:p>
+            <a:endParaRPr lang="en-US" dirty="0"/>
+          </a:p>
+        </p:txBody>
+      </p:sp>
+      <p:graphicFrame>
+        <p:nvGraphicFramePr>
+          <p:cNvPr id="7" name="İçerik Yer Tutucusu 6">
+            <a:extLst>
+              <a:ext uri="{FF2B5EF4-FFF2-40B4-BE49-F238E27FC236}">
+                <a16:creationId xmlns:a16="http://schemas.microsoft.com/office/drawing/2014/main" id="{F002ECC3-9455-46A7-B409-AEDA8EE92B80}"/>
+              </a:ext>
+            </a:extLst>
+          </p:cNvPr>
+          <p:cNvGraphicFramePr>
+            <a:graphicFrameLocks noGrp="1"/>
+          </p:cNvGraphicFramePr>
+          <p:nvPr>
+            <p:ph idx="1"/>
+          </p:nvPr>
+        </p:nvGraphicFramePr>
+        <p:xfrm>
+          <a:off x="1097281" y="2191249"/>
+          <a:ext cx="4998720" cy="1173235"/>
+        </p:xfrm>
+        <a:graphic>
+          <a:graphicData uri="http://schemas.openxmlformats.org/drawingml/2006/table">
+            <a:tbl>
+              <a:tblPr/>
+              <a:tblGrid>
+                <a:gridCol w="2632405">
+                  <a:extLst>
+                    <a:ext uri="{9D8B030D-6E8A-4147-A177-3AD203B41FA5}">
+                      <a16:colId xmlns:a16="http://schemas.microsoft.com/office/drawing/2014/main" val="2832223557"/>
+                    </a:ext>
+                  </a:extLst>
+                </a:gridCol>
+                <a:gridCol w="874301">
+                  <a:extLst>
+                    <a:ext uri="{9D8B030D-6E8A-4147-A177-3AD203B41FA5}">
+                      <a16:colId xmlns:a16="http://schemas.microsoft.com/office/drawing/2014/main" val="306267915"/>
+                    </a:ext>
+                  </a:extLst>
+                </a:gridCol>
+                <a:gridCol w="1492014">
+                  <a:extLst>
+                    <a:ext uri="{9D8B030D-6E8A-4147-A177-3AD203B41FA5}">
+                      <a16:colId xmlns:a16="http://schemas.microsoft.com/office/drawing/2014/main" val="1253151645"/>
+                    </a:ext>
+                  </a:extLst>
+                </a:gridCol>
+              </a:tblGrid>
+              <a:tr h="228848">
+                <a:tc>
+                  <a:txBody>
+                    <a:bodyPr/>
+                    <a:lstStyle/>
+                    <a:p>
+                      <a:pPr algn="l" fontAlgn="b"/>
+                      <a:r>
+                        <a:rPr lang="en-US" sz="1100" b="0" i="0" u="none" strike="noStrike">
+                          <a:solidFill>
+                            <a:srgbClr val="000000"/>
+                          </a:solidFill>
+                          <a:effectLst/>
+                          <a:latin typeface="Calibri" panose="020F0502020204030204" pitchFamily="34" charset="0"/>
+                        </a:rPr>
+                        <a:t>Input Term </a:t>
+                      </a:r>
+                    </a:p>
+                  </a:txBody>
+                  <a:tcPr marL="9525" marR="9525" marT="9525" marB="0" anchor="b">
+                    <a:lnL w="6350" cap="flat" cmpd="sng" algn="ctr">
+                      <a:solidFill>
+                        <a:srgbClr val="000000"/>
+                      </a:solidFill>
+                      <a:prstDash val="solid"/>
+                      <a:round/>
+                      <a:headEnd type="none" w="med" len="med"/>
+                      <a:tailEnd type="none" w="med" len="med"/>
+                    </a:lnL>
+                    <a:lnR w="6350" cap="flat" cmpd="sng" algn="ctr">
+                      <a:solidFill>
+                        <a:srgbClr val="000000"/>
+                      </a:solidFill>
+                      <a:prstDash val="solid"/>
+                      <a:round/>
+                      <a:headEnd type="none" w="med" len="med"/>
+                      <a:tailEnd type="none" w="med" len="med"/>
+                    </a:lnR>
+                    <a:lnT w="6350" cap="flat" cmpd="sng" algn="ctr">
+                      <a:solidFill>
+                        <a:srgbClr val="000000"/>
+                      </a:solidFill>
+                      <a:prstDash val="solid"/>
+                      <a:round/>
+                      <a:headEnd type="none" w="med" len="med"/>
+                      <a:tailEnd type="none" w="med" len="med"/>
+                    </a:lnT>
+                    <a:lnB w="6350" cap="flat" cmpd="sng" algn="ctr">
+                      <a:solidFill>
+                        <a:srgbClr val="000000"/>
+                      </a:solidFill>
+                      <a:prstDash val="solid"/>
+                      <a:round/>
+                      <a:headEnd type="none" w="med" len="med"/>
+                      <a:tailEnd type="none" w="med" len="med"/>
+                    </a:lnB>
+                    <a:solidFill>
+                      <a:srgbClr val="92D050"/>
+                    </a:solidFill>
+                  </a:tcPr>
+                </a:tc>
+                <a:tc>
+                  <a:txBody>
+                    <a:bodyPr/>
+                    <a:lstStyle/>
+                    <a:p>
+                      <a:pPr algn="l" fontAlgn="b"/>
+                      <a:r>
+                        <a:rPr lang="en-US" sz="1100" b="0" i="0" u="none" strike="noStrike">
+                          <a:solidFill>
+                            <a:srgbClr val="000000"/>
+                          </a:solidFill>
+                          <a:effectLst/>
+                          <a:latin typeface="Calibri" panose="020F0502020204030204" pitchFamily="34" charset="0"/>
+                        </a:rPr>
+                        <a:t> Normalized Term </a:t>
+                      </a:r>
+                    </a:p>
+                  </a:txBody>
+                  <a:tcPr marL="9525" marR="9525" marT="9525" marB="0" anchor="b">
+                    <a:lnL w="6350" cap="flat" cmpd="sng" algn="ctr">
+                      <a:solidFill>
+                        <a:srgbClr val="000000"/>
+                      </a:solidFill>
+                      <a:prstDash val="solid"/>
+                      <a:round/>
+                      <a:headEnd type="none" w="med" len="med"/>
+                      <a:tailEnd type="none" w="med" len="med"/>
+                    </a:lnL>
+                    <a:lnR w="6350" cap="flat" cmpd="sng" algn="ctr">
+                      <a:solidFill>
+                        <a:srgbClr val="000000"/>
+                      </a:solidFill>
+                      <a:prstDash val="solid"/>
+                      <a:round/>
+                      <a:headEnd type="none" w="med" len="med"/>
+                      <a:tailEnd type="none" w="med" len="med"/>
+                    </a:lnR>
+                    <a:lnT w="6350" cap="flat" cmpd="sng" algn="ctr">
+                      <a:solidFill>
+                        <a:srgbClr val="000000"/>
+                      </a:solidFill>
+                      <a:prstDash val="solid"/>
+                      <a:round/>
+                      <a:headEnd type="none" w="med" len="med"/>
+                      <a:tailEnd type="none" w="med" len="med"/>
+                    </a:lnT>
+                    <a:lnB w="6350" cap="flat" cmpd="sng" algn="ctr">
+                      <a:solidFill>
+                        <a:srgbClr val="000000"/>
+                      </a:solidFill>
+                      <a:prstDash val="solid"/>
+                      <a:round/>
+                      <a:headEnd type="none" w="med" len="med"/>
+                      <a:tailEnd type="none" w="med" len="med"/>
+                    </a:lnB>
+                    <a:solidFill>
+                      <a:srgbClr val="92D050"/>
+                    </a:solidFill>
+                  </a:tcPr>
+                </a:tc>
+                <a:tc>
+                  <a:txBody>
+                    <a:bodyPr/>
+                    <a:lstStyle/>
+                    <a:p>
+                      <a:pPr algn="l" fontAlgn="b"/>
+                      <a:r>
+                        <a:rPr lang="en-US" sz="1100" b="0" i="0" u="none" strike="noStrike">
+                          <a:solidFill>
+                            <a:srgbClr val="000000"/>
+                          </a:solidFill>
+                          <a:effectLst/>
+                          <a:latin typeface="Calibri" panose="020F0502020204030204" pitchFamily="34" charset="0"/>
+                        </a:rPr>
+                        <a:t> True Normalized Term </a:t>
+                      </a:r>
+                    </a:p>
+                  </a:txBody>
+                  <a:tcPr marL="9525" marR="9525" marT="9525" marB="0" anchor="b">
+                    <a:lnL w="6350" cap="flat" cmpd="sng" algn="ctr">
+                      <a:solidFill>
+                        <a:srgbClr val="000000"/>
+                      </a:solidFill>
+                      <a:prstDash val="solid"/>
+                      <a:round/>
+                      <a:headEnd type="none" w="med" len="med"/>
+                      <a:tailEnd type="none" w="med" len="med"/>
+                    </a:lnL>
+                    <a:lnR w="6350" cap="flat" cmpd="sng" algn="ctr">
+                      <a:solidFill>
+                        <a:srgbClr val="000000"/>
+                      </a:solidFill>
+                      <a:prstDash val="solid"/>
+                      <a:round/>
+                      <a:headEnd type="none" w="med" len="med"/>
+                      <a:tailEnd type="none" w="med" len="med"/>
+                    </a:lnR>
+                    <a:lnT w="6350" cap="flat" cmpd="sng" algn="ctr">
+                      <a:solidFill>
+                        <a:srgbClr val="000000"/>
+                      </a:solidFill>
+                      <a:prstDash val="solid"/>
+                      <a:round/>
+                      <a:headEnd type="none" w="med" len="med"/>
+                      <a:tailEnd type="none" w="med" len="med"/>
+                    </a:lnT>
+                    <a:lnB w="6350" cap="flat" cmpd="sng" algn="ctr">
+                      <a:solidFill>
+                        <a:srgbClr val="000000"/>
+                      </a:solidFill>
+                      <a:prstDash val="solid"/>
+                      <a:round/>
+                      <a:headEnd type="none" w="med" len="med"/>
+                      <a:tailEnd type="none" w="med" len="med"/>
+                    </a:lnB>
+                    <a:solidFill>
+                      <a:srgbClr val="92D050"/>
+                    </a:solidFill>
+                  </a:tcPr>
+                </a:tc>
+                <a:extLst>
+                  <a:ext uri="{0D108BD9-81ED-4DB2-BD59-A6C34878D82A}">
+                    <a16:rowId xmlns:a16="http://schemas.microsoft.com/office/drawing/2014/main" val="1380216664"/>
+                  </a:ext>
+                </a:extLst>
+              </a:tr>
+              <a:tr h="414215">
+                <a:tc>
+                  <a:txBody>
+                    <a:bodyPr/>
+                    <a:lstStyle/>
+                    <a:p>
+                      <a:pPr algn="l" fontAlgn="b"/>
+                      <a:r>
+                        <a:rPr lang="en-US" sz="1100" b="0" i="0" u="none" strike="noStrike" dirty="0">
+                          <a:solidFill>
+                            <a:srgbClr val="000000"/>
+                          </a:solidFill>
+                          <a:effectLst/>
+                          <a:latin typeface="Calibri" panose="020F0502020204030204" pitchFamily="34" charset="0"/>
+                        </a:rPr>
+                        <a:t>placenta of a 38-year-old secondary recurrent </a:t>
+                      </a:r>
+                      <a:r>
+                        <a:rPr lang="en-US" sz="1100" b="0" i="0" u="none" strike="noStrike" dirty="0" err="1">
+                          <a:solidFill>
+                            <a:srgbClr val="000000"/>
+                          </a:solidFill>
+                          <a:effectLst/>
+                          <a:latin typeface="Calibri" panose="020F0502020204030204" pitchFamily="34" charset="0"/>
+                        </a:rPr>
+                        <a:t>aborter</a:t>
+                      </a:r>
+                      <a:r>
+                        <a:rPr lang="en-US" sz="1100" b="0" i="0" u="none" strike="noStrike" dirty="0">
+                          <a:solidFill>
+                            <a:srgbClr val="000000"/>
+                          </a:solidFill>
+                          <a:effectLst/>
+                          <a:latin typeface="Calibri" panose="020F0502020204030204" pitchFamily="34" charset="0"/>
+                        </a:rPr>
+                        <a:t> </a:t>
+                      </a:r>
+                    </a:p>
+                  </a:txBody>
+                  <a:tcPr marL="9525" marR="9525" marT="9525" marB="0" anchor="b">
+                    <a:lnL w="6350" cap="flat" cmpd="sng" algn="ctr">
+                      <a:solidFill>
+                        <a:srgbClr val="000000"/>
+                      </a:solidFill>
+                      <a:prstDash val="solid"/>
+                      <a:round/>
+                      <a:headEnd type="none" w="med" len="med"/>
+                      <a:tailEnd type="none" w="med" len="med"/>
+                    </a:lnL>
+                    <a:lnR w="6350" cap="flat" cmpd="sng" algn="ctr">
+                      <a:solidFill>
+                        <a:srgbClr val="000000"/>
+                      </a:solidFill>
+                      <a:prstDash val="solid"/>
+                      <a:round/>
+                      <a:headEnd type="none" w="med" len="med"/>
+                      <a:tailEnd type="none" w="med" len="med"/>
+                    </a:lnR>
+                    <a:lnT w="6350" cap="flat" cmpd="sng" algn="ctr">
+                      <a:solidFill>
+                        <a:srgbClr val="000000"/>
+                      </a:solidFill>
+                      <a:prstDash val="solid"/>
+                      <a:round/>
+                      <a:headEnd type="none" w="med" len="med"/>
+                      <a:tailEnd type="none" w="med" len="med"/>
+                    </a:lnT>
+                    <a:lnB w="6350" cap="flat" cmpd="sng" algn="ctr">
+                      <a:solidFill>
+                        <a:srgbClr val="000000"/>
+                      </a:solidFill>
+                      <a:prstDash val="solid"/>
+                      <a:round/>
+                      <a:headEnd type="none" w="med" len="med"/>
+                      <a:tailEnd type="none" w="med" len="med"/>
+                    </a:lnB>
+                  </a:tcPr>
+                </a:tc>
+                <a:tc>
+                  <a:txBody>
+                    <a:bodyPr/>
+                    <a:lstStyle/>
+                    <a:p>
+                      <a:pPr algn="l" fontAlgn="b"/>
+                      <a:r>
+                        <a:rPr lang="en-US" sz="1100" b="0" i="0" u="none" strike="noStrike">
+                          <a:solidFill>
+                            <a:srgbClr val="000000"/>
+                          </a:solidFill>
+                          <a:effectLst/>
+                          <a:latin typeface="Calibri" panose="020F0502020204030204" pitchFamily="34" charset="0"/>
+                        </a:rPr>
+                        <a:t> experimental medium </a:t>
+                      </a:r>
+                    </a:p>
+                  </a:txBody>
+                  <a:tcPr marL="9525" marR="9525" marT="9525" marB="0" anchor="b">
+                    <a:lnL w="6350" cap="flat" cmpd="sng" algn="ctr">
+                      <a:solidFill>
+                        <a:srgbClr val="000000"/>
+                      </a:solidFill>
+                      <a:prstDash val="solid"/>
+                      <a:round/>
+                      <a:headEnd type="none" w="med" len="med"/>
+                      <a:tailEnd type="none" w="med" len="med"/>
+                    </a:lnL>
+                    <a:lnR w="6350" cap="flat" cmpd="sng" algn="ctr">
+                      <a:solidFill>
+                        <a:srgbClr val="000000"/>
+                      </a:solidFill>
+                      <a:prstDash val="solid"/>
+                      <a:round/>
+                      <a:headEnd type="none" w="med" len="med"/>
+                      <a:tailEnd type="none" w="med" len="med"/>
+                    </a:lnR>
+                    <a:lnT w="6350" cap="flat" cmpd="sng" algn="ctr">
+                      <a:solidFill>
+                        <a:srgbClr val="000000"/>
+                      </a:solidFill>
+                      <a:prstDash val="solid"/>
+                      <a:round/>
+                      <a:headEnd type="none" w="med" len="med"/>
+                      <a:tailEnd type="none" w="med" len="med"/>
+                    </a:lnT>
+                    <a:lnB w="6350" cap="flat" cmpd="sng" algn="ctr">
+                      <a:solidFill>
+                        <a:srgbClr val="000000"/>
+                      </a:solidFill>
+                      <a:prstDash val="solid"/>
+                      <a:round/>
+                      <a:headEnd type="none" w="med" len="med"/>
+                      <a:tailEnd type="none" w="med" len="med"/>
+                    </a:lnB>
+                  </a:tcPr>
+                </a:tc>
+                <a:tc>
+                  <a:txBody>
+                    <a:bodyPr/>
+                    <a:lstStyle/>
+                    <a:p>
+                      <a:pPr algn="l" fontAlgn="b"/>
+                      <a:r>
+                        <a:rPr lang="en-US" sz="1100" b="0" i="0" u="none" strike="noStrike">
+                          <a:solidFill>
+                            <a:srgbClr val="000000"/>
+                          </a:solidFill>
+                          <a:effectLst/>
+                          <a:latin typeface="Calibri" panose="020F0502020204030204" pitchFamily="34" charset="0"/>
+                        </a:rPr>
+                        <a:t> placenta </a:t>
+                      </a:r>
+                    </a:p>
+                  </a:txBody>
+                  <a:tcPr marL="9525" marR="9525" marT="9525" marB="0" anchor="b">
+                    <a:lnL w="6350" cap="flat" cmpd="sng" algn="ctr">
+                      <a:solidFill>
+                        <a:srgbClr val="000000"/>
+                      </a:solidFill>
+                      <a:prstDash val="solid"/>
+                      <a:round/>
+                      <a:headEnd type="none" w="med" len="med"/>
+                      <a:tailEnd type="none" w="med" len="med"/>
+                    </a:lnL>
+                    <a:lnR w="6350" cap="flat" cmpd="sng" algn="ctr">
+                      <a:solidFill>
+                        <a:srgbClr val="000000"/>
+                      </a:solidFill>
+                      <a:prstDash val="solid"/>
+                      <a:round/>
+                      <a:headEnd type="none" w="med" len="med"/>
+                      <a:tailEnd type="none" w="med" len="med"/>
+                    </a:lnR>
+                    <a:lnT w="6350" cap="flat" cmpd="sng" algn="ctr">
+                      <a:solidFill>
+                        <a:srgbClr val="000000"/>
+                      </a:solidFill>
+                      <a:prstDash val="solid"/>
+                      <a:round/>
+                      <a:headEnd type="none" w="med" len="med"/>
+                      <a:tailEnd type="none" w="med" len="med"/>
+                    </a:lnT>
+                    <a:lnB w="6350" cap="flat" cmpd="sng" algn="ctr">
+                      <a:solidFill>
+                        <a:srgbClr val="000000"/>
+                      </a:solidFill>
+                      <a:prstDash val="solid"/>
+                      <a:round/>
+                      <a:headEnd type="none" w="med" len="med"/>
+                      <a:tailEnd type="none" w="med" len="med"/>
+                    </a:lnB>
+                  </a:tcPr>
+                </a:tc>
+                <a:extLst>
+                  <a:ext uri="{0D108BD9-81ED-4DB2-BD59-A6C34878D82A}">
+                    <a16:rowId xmlns:a16="http://schemas.microsoft.com/office/drawing/2014/main" val="3517525072"/>
+                  </a:ext>
+                </a:extLst>
+              </a:tr>
+              <a:tr h="414215">
+                <a:tc>
+                  <a:txBody>
+                    <a:bodyPr/>
+                    <a:lstStyle/>
+                    <a:p>
+                      <a:pPr algn="l" fontAlgn="b"/>
+                      <a:r>
+                        <a:rPr lang="en-US" sz="1100" b="0" i="0" u="none" strike="noStrike" dirty="0">
+                          <a:solidFill>
+                            <a:srgbClr val="000000"/>
+                          </a:solidFill>
+                          <a:effectLst/>
+                          <a:latin typeface="Calibri" panose="020F0502020204030204" pitchFamily="34" charset="0"/>
+                        </a:rPr>
+                        <a:t>38-year-old secondary recurrent </a:t>
+                      </a:r>
+                      <a:r>
+                        <a:rPr lang="en-US" sz="1100" b="0" i="0" u="none" strike="noStrike" dirty="0" err="1">
+                          <a:solidFill>
+                            <a:srgbClr val="000000"/>
+                          </a:solidFill>
+                          <a:effectLst/>
+                          <a:latin typeface="Calibri" panose="020F0502020204030204" pitchFamily="34" charset="0"/>
+                        </a:rPr>
+                        <a:t>aborter</a:t>
+                      </a:r>
+                      <a:r>
+                        <a:rPr lang="en-US" sz="1100" b="0" i="0" u="none" strike="noStrike" dirty="0">
+                          <a:solidFill>
+                            <a:srgbClr val="000000"/>
+                          </a:solidFill>
+                          <a:effectLst/>
+                          <a:latin typeface="Calibri" panose="020F0502020204030204" pitchFamily="34" charset="0"/>
+                        </a:rPr>
+                        <a:t> </a:t>
+                      </a:r>
+                    </a:p>
+                  </a:txBody>
+                  <a:tcPr marL="9525" marR="9525" marT="9525" marB="0" anchor="b">
+                    <a:lnL w="6350" cap="flat" cmpd="sng" algn="ctr">
+                      <a:solidFill>
+                        <a:srgbClr val="000000"/>
+                      </a:solidFill>
+                      <a:prstDash val="solid"/>
+                      <a:round/>
+                      <a:headEnd type="none" w="med" len="med"/>
+                      <a:tailEnd type="none" w="med" len="med"/>
+                    </a:lnL>
+                    <a:lnR w="6350" cap="flat" cmpd="sng" algn="ctr">
+                      <a:solidFill>
+                        <a:srgbClr val="000000"/>
+                      </a:solidFill>
+                      <a:prstDash val="solid"/>
+                      <a:round/>
+                      <a:headEnd type="none" w="med" len="med"/>
+                      <a:tailEnd type="none" w="med" len="med"/>
+                    </a:lnR>
+                    <a:lnT w="6350" cap="flat" cmpd="sng" algn="ctr">
+                      <a:solidFill>
+                        <a:srgbClr val="000000"/>
+                      </a:solidFill>
+                      <a:prstDash val="solid"/>
+                      <a:round/>
+                      <a:headEnd type="none" w="med" len="med"/>
+                      <a:tailEnd type="none" w="med" len="med"/>
+                    </a:lnT>
+                    <a:lnB w="6350" cap="flat" cmpd="sng" algn="ctr">
+                      <a:solidFill>
+                        <a:srgbClr val="000000"/>
+                      </a:solidFill>
+                      <a:prstDash val="solid"/>
+                      <a:round/>
+                      <a:headEnd type="none" w="med" len="med"/>
+                      <a:tailEnd type="none" w="med" len="med"/>
+                    </a:lnB>
+                  </a:tcPr>
+                </a:tc>
+                <a:tc>
+                  <a:txBody>
+                    <a:bodyPr/>
+                    <a:lstStyle/>
+                    <a:p>
+                      <a:pPr algn="l" fontAlgn="b"/>
+                      <a:r>
+                        <a:rPr lang="en-US" sz="1100" b="0" i="0" u="none" strike="noStrike" dirty="0">
+                          <a:solidFill>
+                            <a:srgbClr val="000000"/>
+                          </a:solidFill>
+                          <a:effectLst/>
+                          <a:latin typeface="Calibri" panose="020F0502020204030204" pitchFamily="34" charset="0"/>
+                        </a:rPr>
+                        <a:t> experimental medium </a:t>
+                      </a:r>
+                    </a:p>
+                  </a:txBody>
+                  <a:tcPr marL="9525" marR="9525" marT="9525" marB="0" anchor="b">
+                    <a:lnL w="6350" cap="flat" cmpd="sng" algn="ctr">
+                      <a:solidFill>
+                        <a:srgbClr val="000000"/>
+                      </a:solidFill>
+                      <a:prstDash val="solid"/>
+                      <a:round/>
+                      <a:headEnd type="none" w="med" len="med"/>
+                      <a:tailEnd type="none" w="med" len="med"/>
+                    </a:lnL>
+                    <a:lnR w="6350" cap="flat" cmpd="sng" algn="ctr">
+                      <a:solidFill>
+                        <a:srgbClr val="000000"/>
+                      </a:solidFill>
+                      <a:prstDash val="solid"/>
+                      <a:round/>
+                      <a:headEnd type="none" w="med" len="med"/>
+                      <a:tailEnd type="none" w="med" len="med"/>
+                    </a:lnR>
+                    <a:lnT w="6350" cap="flat" cmpd="sng" algn="ctr">
+                      <a:solidFill>
+                        <a:srgbClr val="000000"/>
+                      </a:solidFill>
+                      <a:prstDash val="solid"/>
+                      <a:round/>
+                      <a:headEnd type="none" w="med" len="med"/>
+                      <a:tailEnd type="none" w="med" len="med"/>
+                    </a:lnT>
+                    <a:lnB w="6350" cap="flat" cmpd="sng" algn="ctr">
+                      <a:solidFill>
+                        <a:srgbClr val="000000"/>
+                      </a:solidFill>
+                      <a:prstDash val="solid"/>
+                      <a:round/>
+                      <a:headEnd type="none" w="med" len="med"/>
+                      <a:tailEnd type="none" w="med" len="med"/>
+                    </a:lnB>
+                  </a:tcPr>
+                </a:tc>
+                <a:tc>
+                  <a:txBody>
+                    <a:bodyPr/>
+                    <a:lstStyle/>
+                    <a:p>
+                      <a:pPr algn="l" fontAlgn="b"/>
+                      <a:r>
+                        <a:rPr lang="en-US" sz="1100" b="0" i="0" u="none" strike="noStrike" dirty="0">
+                          <a:solidFill>
+                            <a:srgbClr val="000000"/>
+                          </a:solidFill>
+                          <a:effectLst/>
+                          <a:latin typeface="Calibri" panose="020F0502020204030204" pitchFamily="34" charset="0"/>
+                        </a:rPr>
+                        <a:t> pregnant woman </a:t>
+                      </a:r>
+                    </a:p>
+                  </a:txBody>
+                  <a:tcPr marL="9525" marR="9525" marT="9525" marB="0" anchor="b">
+                    <a:lnL w="6350" cap="flat" cmpd="sng" algn="ctr">
+                      <a:solidFill>
+                        <a:srgbClr val="000000"/>
+                      </a:solidFill>
+                      <a:prstDash val="solid"/>
+                      <a:round/>
+                      <a:headEnd type="none" w="med" len="med"/>
+                      <a:tailEnd type="none" w="med" len="med"/>
+                    </a:lnL>
+                    <a:lnR w="6350" cap="flat" cmpd="sng" algn="ctr">
+                      <a:solidFill>
+                        <a:srgbClr val="000000"/>
+                      </a:solidFill>
+                      <a:prstDash val="solid"/>
+                      <a:round/>
+                      <a:headEnd type="none" w="med" len="med"/>
+                      <a:tailEnd type="none" w="med" len="med"/>
+                    </a:lnR>
+                    <a:lnT w="6350" cap="flat" cmpd="sng" algn="ctr">
+                      <a:solidFill>
+                        <a:srgbClr val="000000"/>
+                      </a:solidFill>
+                      <a:prstDash val="solid"/>
+                      <a:round/>
+                      <a:headEnd type="none" w="med" len="med"/>
+                      <a:tailEnd type="none" w="med" len="med"/>
+                    </a:lnT>
+                    <a:lnB w="6350" cap="flat" cmpd="sng" algn="ctr">
+                      <a:solidFill>
+                        <a:srgbClr val="000000"/>
+                      </a:solidFill>
+                      <a:prstDash val="solid"/>
+                      <a:round/>
+                      <a:headEnd type="none" w="med" len="med"/>
+                      <a:tailEnd type="none" w="med" len="med"/>
+                    </a:lnB>
+                  </a:tcPr>
+                </a:tc>
+                <a:extLst>
+                  <a:ext uri="{0D108BD9-81ED-4DB2-BD59-A6C34878D82A}">
+                    <a16:rowId xmlns:a16="http://schemas.microsoft.com/office/drawing/2014/main" val="3200810552"/>
+                  </a:ext>
+                </a:extLst>
+              </a:tr>
+            </a:tbl>
+          </a:graphicData>
+        </a:graphic>
+      </p:graphicFrame>
+      <p:sp>
+        <p:nvSpPr>
+          <p:cNvPr id="8" name="Metin kutusu 7">
+            <a:extLst>
+              <a:ext uri="{FF2B5EF4-FFF2-40B4-BE49-F238E27FC236}">
+                <a16:creationId xmlns:a16="http://schemas.microsoft.com/office/drawing/2014/main" id="{C0A49393-094B-426D-892E-075680BE8640}"/>
+              </a:ext>
+            </a:extLst>
+          </p:cNvPr>
+          <p:cNvSpPr txBox="1"/>
+          <p:nvPr/>
+        </p:nvSpPr>
+        <p:spPr>
+          <a:xfrm>
+            <a:off x="6328612" y="2298033"/>
+            <a:ext cx="4827068" cy="2031325"/>
+          </a:xfrm>
+          <a:prstGeom prst="rect">
+            <a:avLst/>
+          </a:prstGeom>
+          <a:noFill/>
+        </p:spPr>
+        <p:txBody>
+          <a:bodyPr wrap="square" rtlCol="0">
+            <a:spAutoFit/>
+          </a:bodyPr>
+          <a:lstStyle/>
+          <a:p>
+            <a:r>
+              <a:rPr lang="tr-TR" dirty="0" err="1"/>
+              <a:t>Part</a:t>
+            </a:r>
+            <a:r>
+              <a:rPr lang="tr-TR" dirty="0"/>
+              <a:t> of </a:t>
+            </a:r>
+            <a:r>
+              <a:rPr lang="tr-TR" dirty="0" err="1"/>
+              <a:t>speech</a:t>
+            </a:r>
+            <a:r>
+              <a:rPr lang="tr-TR" dirty="0"/>
+              <a:t> </a:t>
+            </a:r>
+            <a:r>
+              <a:rPr lang="tr-TR" dirty="0" err="1"/>
+              <a:t>tagging</a:t>
+            </a:r>
+            <a:r>
+              <a:rPr lang="tr-TR" dirty="0"/>
+              <a:t> can be </a:t>
+            </a:r>
+            <a:r>
+              <a:rPr lang="tr-TR" dirty="0" err="1"/>
+              <a:t>applied</a:t>
+            </a:r>
+            <a:r>
+              <a:rPr lang="tr-TR" dirty="0"/>
+              <a:t> </a:t>
+            </a:r>
+            <a:r>
+              <a:rPr lang="tr-TR" dirty="0" err="1"/>
+              <a:t>to</a:t>
+            </a:r>
+            <a:r>
+              <a:rPr lang="tr-TR" dirty="0"/>
+              <a:t> </a:t>
+            </a:r>
+            <a:r>
+              <a:rPr lang="tr-TR" dirty="0" err="1"/>
+              <a:t>first</a:t>
+            </a:r>
+            <a:r>
+              <a:rPr lang="tr-TR" dirty="0"/>
+              <a:t> </a:t>
+            </a:r>
+            <a:r>
+              <a:rPr lang="tr-TR" dirty="0" err="1"/>
+              <a:t>sentence</a:t>
+            </a:r>
+            <a:r>
+              <a:rPr lang="tr-TR" dirty="0"/>
+              <a:t> </a:t>
+            </a:r>
+            <a:r>
+              <a:rPr lang="tr-TR" dirty="0" err="1"/>
+              <a:t>for</a:t>
+            </a:r>
+            <a:r>
+              <a:rPr lang="tr-TR" dirty="0"/>
+              <a:t> </a:t>
+            </a:r>
+            <a:r>
+              <a:rPr lang="tr-TR" dirty="0" err="1"/>
+              <a:t>morphological</a:t>
+            </a:r>
+            <a:r>
+              <a:rPr lang="tr-TR" dirty="0"/>
+              <a:t> </a:t>
+            </a:r>
+            <a:r>
+              <a:rPr lang="tr-TR" dirty="0" err="1"/>
+              <a:t>analysis</a:t>
+            </a:r>
+            <a:r>
+              <a:rPr lang="tr-TR" dirty="0"/>
+              <a:t>.</a:t>
+            </a:r>
+            <a:endParaRPr lang="tr-TR" altLang="en-US" dirty="0">
+              <a:solidFill>
+                <a:srgbClr val="000000"/>
+              </a:solidFill>
+              <a:latin typeface="Courier New" panose="02070309020205020404" pitchFamily="49" charset="0"/>
+            </a:endParaRPr>
+          </a:p>
+          <a:p>
+            <a:endParaRPr lang="tr-TR" altLang="en-US" dirty="0">
+              <a:solidFill>
+                <a:srgbClr val="000000"/>
+              </a:solidFill>
+              <a:latin typeface="Courier New" panose="02070309020205020404" pitchFamily="49" charset="0"/>
+            </a:endParaRPr>
+          </a:p>
+          <a:p>
+            <a:r>
+              <a:rPr lang="tr-TR" altLang="en-US" dirty="0" err="1"/>
+              <a:t>Sentence</a:t>
+            </a:r>
+            <a:r>
+              <a:rPr lang="tr-TR" altLang="en-US" dirty="0"/>
+              <a:t> is </a:t>
+            </a:r>
+            <a:r>
+              <a:rPr lang="tr-TR" altLang="en-US" dirty="0" err="1"/>
+              <a:t>split</a:t>
+            </a:r>
+            <a:r>
+              <a:rPr lang="tr-TR" altLang="en-US" dirty="0"/>
+              <a:t> </a:t>
+            </a:r>
+            <a:r>
+              <a:rPr lang="tr-TR" altLang="en-US" dirty="0" err="1"/>
+              <a:t>into</a:t>
+            </a:r>
+            <a:r>
+              <a:rPr lang="tr-TR" altLang="en-US" dirty="0"/>
+              <a:t> </a:t>
+            </a:r>
+            <a:r>
+              <a:rPr lang="tr-TR" altLang="en-US" dirty="0" err="1"/>
+              <a:t>phrases</a:t>
+            </a:r>
+            <a:r>
+              <a:rPr lang="tr-TR" altLang="en-US" dirty="0"/>
+              <a:t>.</a:t>
+            </a:r>
+          </a:p>
+          <a:p>
+            <a:endParaRPr lang="tr-TR" dirty="0"/>
+          </a:p>
+          <a:p>
+            <a:endParaRPr lang="tr-TR" dirty="0"/>
+          </a:p>
+          <a:p>
+            <a:endParaRPr lang="en-US" dirty="0"/>
+          </a:p>
+        </p:txBody>
+      </p:sp>
+      <p:sp>
+        <p:nvSpPr>
+          <p:cNvPr id="10" name="Rectangle 2">
+            <a:extLst>
+              <a:ext uri="{FF2B5EF4-FFF2-40B4-BE49-F238E27FC236}">
+                <a16:creationId xmlns:a16="http://schemas.microsoft.com/office/drawing/2014/main" id="{533397CC-4E35-4F67-A77E-718FD9C60735}"/>
               </a:ext>
             </a:extLst>
           </p:cNvPr>
           <p:cNvSpPr>
-            <a:spLocks noGrp="1"/>
+            <a:spLocks noChangeArrowheads="1"/>
           </p:cNvSpPr>
-          <p:nvPr>
-            <p:ph idx="1"/>
-          </p:nvPr>
-        </p:nvSpPr>
-        <p:spPr/>
+          <p:nvPr/>
+        </p:nvSpPr>
+        <p:spPr bwMode="auto">
+          <a:xfrm>
+            <a:off x="0" y="90100"/>
+            <a:ext cx="65" cy="276999"/>
+          </a:xfrm>
+          <a:prstGeom prst="rect">
+            <a:avLst/>
+          </a:prstGeom>
+          <a:solidFill>
+            <a:srgbClr val="FFFFFF"/>
+          </a:solidFill>
+          <a:ln>
+            <a:noFill/>
+          </a:ln>
+          <a:effectLst/>
+          <a:extLst>
+            <a:ext uri="{91240B29-F687-4F45-9708-019B960494DF}">
+              <a14:hiddenLine xmlns:a14="http://schemas.microsoft.com/office/drawing/2010/main" w="9525">
+                <a:solidFill>
+                  <a:schemeClr val="tx1"/>
+                </a:solidFill>
+                <a:miter lim="800000"/>
+                <a:headEnd/>
+                <a:tailEnd/>
+              </a14:hiddenLine>
+            </a:ext>
+            <a:ext uri="{AF507438-7753-43E0-B8FC-AC1667EBCBE1}">
+              <a14:hiddenEffects xmlns:a14="http://schemas.microsoft.com/office/drawing/2010/main">
+                <a:effectLst>
+                  <a:outerShdw dist="35921" dir="2700000" algn="ctr" rotWithShape="0">
+                    <a:schemeClr val="bg2"/>
+                  </a:outerShdw>
+                </a:effectLst>
+              </a14:hiddenEffects>
+            </a:ext>
+          </a:extLst>
+        </p:spPr>
         <p:txBody>
-          <a:bodyPr/>
+          <a:bodyPr vert="horz" wrap="none" lIns="0" tIns="0" rIns="0" bIns="0" numCol="1" anchor="ctr" anchorCtr="0" compatLnSpc="1">
+            <a:prstTxWarp prst="textNoShape">
+              <a:avLst/>
+            </a:prstTxWarp>
+            <a:spAutoFit/>
+          </a:bodyPr>
           <a:lstStyle/>
           <a:p>
-            <a:endParaRPr lang="en-US" dirty="0"/>
+            <a:pPr marL="0" marR="0" lvl="0" indent="0" algn="l" defTabSz="914400" rtl="0" eaLnBrk="0" fontAlgn="base" latinLnBrk="0" hangingPunct="0">
+              <a:lnSpc>
+                <a:spcPct val="100000"/>
+              </a:lnSpc>
+              <a:spcBef>
+                <a:spcPct val="0"/>
+              </a:spcBef>
+              <a:spcAft>
+                <a:spcPct val="0"/>
+              </a:spcAft>
+              <a:buClrTx/>
+              <a:buSzTx/>
+              <a:buFontTx/>
+              <a:buNone/>
+              <a:tabLst/>
+            </a:pPr>
+            <a:endParaRPr kumimoji="0" lang="en-US" altLang="en-US" sz="1800" b="0" i="0" u="none" strike="noStrike" cap="none" normalizeH="0" baseline="0" dirty="0">
+              <a:ln>
+                <a:noFill/>
+              </a:ln>
+              <a:solidFill>
+                <a:schemeClr val="tx1"/>
+              </a:solidFill>
+              <a:effectLst/>
+              <a:latin typeface="Arial" panose="020B0604020202020204" pitchFamily="34" charset="0"/>
+            </a:endParaRPr>
+          </a:p>
+        </p:txBody>
+      </p:sp>
+      <p:sp>
+        <p:nvSpPr>
+          <p:cNvPr id="12" name="Rectangle 4">
+            <a:extLst>
+              <a:ext uri="{FF2B5EF4-FFF2-40B4-BE49-F238E27FC236}">
+                <a16:creationId xmlns:a16="http://schemas.microsoft.com/office/drawing/2014/main" id="{7B0EA3CF-2A11-4ECA-9AA4-18D17A9BE32F}"/>
+              </a:ext>
+            </a:extLst>
+          </p:cNvPr>
+          <p:cNvSpPr>
+            <a:spLocks noChangeArrowheads="1"/>
+          </p:cNvSpPr>
+          <p:nvPr/>
+        </p:nvSpPr>
+        <p:spPr bwMode="auto">
+          <a:xfrm>
+            <a:off x="0" y="143961"/>
+            <a:ext cx="32060" cy="169277"/>
+          </a:xfrm>
+          <a:prstGeom prst="rect">
+            <a:avLst/>
+          </a:prstGeom>
+          <a:solidFill>
+            <a:srgbClr val="FFFFFF"/>
+          </a:solidFill>
+          <a:ln>
+            <a:noFill/>
+          </a:ln>
+          <a:effectLst/>
+          <a:extLst>
+            <a:ext uri="{91240B29-F687-4F45-9708-019B960494DF}">
+              <a14:hiddenLine xmlns:a14="http://schemas.microsoft.com/office/drawing/2010/main" w="9525">
+                <a:solidFill>
+                  <a:schemeClr val="tx1"/>
+                </a:solidFill>
+                <a:miter lim="800000"/>
+                <a:headEnd/>
+                <a:tailEnd/>
+              </a14:hiddenLine>
+            </a:ext>
+            <a:ext uri="{AF507438-7753-43E0-B8FC-AC1667EBCBE1}">
+              <a14:hiddenEffects xmlns:a14="http://schemas.microsoft.com/office/drawing/2010/main">
+                <a:effectLst>
+                  <a:outerShdw dist="35921" dir="2700000" algn="ctr" rotWithShape="0">
+                    <a:schemeClr val="bg2"/>
+                  </a:outerShdw>
+                </a:effectLst>
+              </a14:hiddenEffects>
+            </a:ext>
+          </a:extLst>
+        </p:spPr>
+        <p:txBody>
+          <a:bodyPr vert="horz" wrap="none" lIns="0" tIns="0" rIns="0" bIns="0" numCol="1" anchor="ctr" anchorCtr="0" compatLnSpc="1">
+            <a:prstTxWarp prst="textNoShape">
+              <a:avLst/>
+            </a:prstTxWarp>
+            <a:spAutoFit/>
+          </a:bodyPr>
+          <a:lstStyle/>
+          <a:p>
+            <a:pPr marL="0" marR="0" lvl="0" indent="0" algn="l" defTabSz="914400" rtl="0" eaLnBrk="0" fontAlgn="base" latinLnBrk="0" hangingPunct="0">
+              <a:lnSpc>
+                <a:spcPct val="100000"/>
+              </a:lnSpc>
+              <a:spcBef>
+                <a:spcPct val="0"/>
+              </a:spcBef>
+              <a:spcAft>
+                <a:spcPct val="0"/>
+              </a:spcAft>
+              <a:buClrTx/>
+              <a:buSzTx/>
+              <a:buFontTx/>
+              <a:buNone/>
+              <a:tabLst/>
+            </a:pPr>
+            <a:r>
+              <a:rPr kumimoji="0" lang="en-US" altLang="en-US" sz="1100" b="0" i="0" u="none" strike="noStrike" cap="none" normalizeH="0" baseline="0" dirty="0">
+                <a:ln>
+                  <a:noFill/>
+                </a:ln>
+                <a:solidFill>
+                  <a:schemeClr val="tx1"/>
+                </a:solidFill>
+                <a:effectLst/>
+              </a:rPr>
+              <a:t> </a:t>
+            </a:r>
+            <a:endParaRPr kumimoji="0" lang="en-US" altLang="en-US" sz="1800" b="0" i="0" u="none" strike="noStrike" cap="none" normalizeH="0" baseline="0" dirty="0">
+              <a:ln>
+                <a:noFill/>
+              </a:ln>
+              <a:solidFill>
+                <a:schemeClr val="tx1"/>
+              </a:solidFill>
+              <a:effectLst/>
+              <a:latin typeface="Arial" panose="020B0604020202020204" pitchFamily="34" charset="0"/>
+            </a:endParaRPr>
           </a:p>
         </p:txBody>
       </p:sp>
     </p:spTree>
     <p:extLst>
       <p:ext uri="{BB962C8B-B14F-4D97-AF65-F5344CB8AC3E}">
-        <p14:creationId xmlns:p14="http://schemas.microsoft.com/office/powerpoint/2010/main" val="1452545530"/>
+        <p14:creationId xmlns:p14="http://schemas.microsoft.com/office/powerpoint/2010/main" val="2117779154"/>
       </p:ext>
     </p:extLst>
   </p:cSld>
@@ -4648,7 +11543,7 @@
           <p:cNvPr id="2" name="Title 1">
             <a:extLst>
               <a:ext uri="{FF2B5EF4-FFF2-40B4-BE49-F238E27FC236}">
-                <a16:creationId xmlns:a16="http://schemas.microsoft.com/office/drawing/2014/main" id="{1AE67C95-A1CD-44F8-99D2-4640264C88CA}"/>
+                <a16:creationId xmlns:a16="http://schemas.microsoft.com/office/drawing/2014/main" id="{369CA4F0-7F76-4DC7-A47D-BD061E0C6AF6}"/>
               </a:ext>
             </a:extLst>
           </p:cNvPr>
@@ -4665,41 +11560,456 @@
           <a:lstStyle/>
           <a:p>
             <a:r>
-              <a:rPr lang="en-US" dirty="0"/>
-              <a:t>Paper 2</a:t>
-            </a:r>
+              <a:rPr lang="tr-TR" dirty="0" err="1"/>
+              <a:t>Performance</a:t>
+            </a:r>
+            <a:r>
+              <a:rPr lang="tr-TR" dirty="0"/>
+              <a:t> </a:t>
+            </a:r>
+            <a:r>
+              <a:rPr lang="tr-TR" dirty="0" err="1"/>
+              <a:t>Problems</a:t>
+            </a:r>
+            <a:endParaRPr lang="en-US" dirty="0"/>
           </a:p>
         </p:txBody>
       </p:sp>
       <p:sp>
         <p:nvSpPr>
-          <p:cNvPr id="3" name="Content Placeholder 2">
+          <p:cNvPr id="8" name="Metin kutusu 7">
             <a:extLst>
               <a:ext uri="{FF2B5EF4-FFF2-40B4-BE49-F238E27FC236}">
-                <a16:creationId xmlns:a16="http://schemas.microsoft.com/office/drawing/2014/main" id="{3B9B51B1-383B-4A8B-9C5B-9FD704B0BC1B}"/>
+                <a16:creationId xmlns:a16="http://schemas.microsoft.com/office/drawing/2014/main" id="{C0A49393-094B-426D-892E-075680BE8640}"/>
+              </a:ext>
+            </a:extLst>
+          </p:cNvPr>
+          <p:cNvSpPr txBox="1"/>
+          <p:nvPr/>
+        </p:nvSpPr>
+        <p:spPr>
+          <a:xfrm>
+            <a:off x="6256422" y="1845734"/>
+            <a:ext cx="5558588" cy="4524315"/>
+          </a:xfrm>
+          <a:prstGeom prst="rect">
+            <a:avLst/>
+          </a:prstGeom>
+          <a:noFill/>
+        </p:spPr>
+        <p:txBody>
+          <a:bodyPr wrap="square" rtlCol="0">
+            <a:spAutoFit/>
+          </a:bodyPr>
+          <a:lstStyle/>
+          <a:p>
+            <a:r>
+              <a:rPr lang="tr-TR" dirty="0" err="1"/>
+              <a:t>Part</a:t>
+            </a:r>
+            <a:r>
+              <a:rPr lang="tr-TR" dirty="0"/>
+              <a:t> of </a:t>
+            </a:r>
+            <a:r>
+              <a:rPr lang="tr-TR" dirty="0" err="1"/>
+              <a:t>speech</a:t>
+            </a:r>
+            <a:r>
+              <a:rPr lang="tr-TR" dirty="0"/>
+              <a:t> </a:t>
+            </a:r>
+            <a:r>
+              <a:rPr lang="tr-TR" dirty="0" err="1"/>
+              <a:t>tagging</a:t>
+            </a:r>
+            <a:r>
+              <a:rPr lang="tr-TR" dirty="0"/>
+              <a:t> can be </a:t>
+            </a:r>
+            <a:r>
+              <a:rPr lang="tr-TR" dirty="0" err="1"/>
+              <a:t>applied</a:t>
+            </a:r>
+            <a:r>
+              <a:rPr lang="tr-TR" dirty="0"/>
+              <a:t> </a:t>
+            </a:r>
+            <a:r>
+              <a:rPr lang="tr-TR" dirty="0" err="1"/>
+              <a:t>to</a:t>
+            </a:r>
+            <a:r>
+              <a:rPr lang="tr-TR" dirty="0"/>
+              <a:t> </a:t>
+            </a:r>
+            <a:r>
+              <a:rPr lang="tr-TR" dirty="0" err="1"/>
+              <a:t>first</a:t>
+            </a:r>
+            <a:r>
+              <a:rPr lang="tr-TR" dirty="0"/>
+              <a:t> </a:t>
+            </a:r>
+            <a:r>
+              <a:rPr lang="tr-TR" dirty="0" err="1"/>
+              <a:t>sentence</a:t>
+            </a:r>
+            <a:endParaRPr lang="tr-TR" dirty="0"/>
+          </a:p>
+          <a:p>
+            <a:endParaRPr lang="tr-TR" altLang="en-US" dirty="0"/>
+          </a:p>
+          <a:p>
+            <a:r>
+              <a:rPr lang="tr-TR" altLang="en-US" dirty="0"/>
+              <a:t>Test = ‘</a:t>
+            </a:r>
+            <a:r>
+              <a:rPr lang="en-US" altLang="en-US" dirty="0"/>
+              <a:t>placenta of a 38-year-old secondary recurrent </a:t>
+            </a:r>
+            <a:r>
+              <a:rPr lang="en-US" altLang="en-US" dirty="0" err="1"/>
+              <a:t>aborter</a:t>
+            </a:r>
+            <a:r>
+              <a:rPr lang="en-US" altLang="en-US" dirty="0"/>
+              <a:t> </a:t>
+            </a:r>
+            <a:r>
+              <a:rPr lang="tr-TR" altLang="en-US" dirty="0"/>
+              <a:t>‘</a:t>
+            </a:r>
+          </a:p>
+          <a:p>
+            <a:endParaRPr lang="en-US" altLang="en-US" dirty="0"/>
+          </a:p>
+          <a:p>
+            <a:r>
+              <a:rPr lang="en-US" altLang="en-US" dirty="0">
+                <a:solidFill>
+                  <a:srgbClr val="000000"/>
+                </a:solidFill>
+                <a:latin typeface="Courier New" panose="02070309020205020404" pitchFamily="49" charset="0"/>
+              </a:rPr>
+              <a:t>(S (NP placenta/NN) of/IN (NP a/DT 38-year-old/JJ secondary/JJ recurrent/NN) (NP </a:t>
+            </a:r>
+            <a:r>
+              <a:rPr lang="en-US" altLang="en-US" dirty="0" err="1">
+                <a:solidFill>
+                  <a:srgbClr val="000000"/>
+                </a:solidFill>
+                <a:latin typeface="Courier New" panose="02070309020205020404" pitchFamily="49" charset="0"/>
+              </a:rPr>
+              <a:t>aborter</a:t>
+            </a:r>
+            <a:r>
+              <a:rPr lang="en-US" altLang="en-US" dirty="0">
+                <a:solidFill>
+                  <a:srgbClr val="000000"/>
+                </a:solidFill>
+                <a:latin typeface="Courier New" panose="02070309020205020404" pitchFamily="49" charset="0"/>
+              </a:rPr>
+              <a:t>/NN))</a:t>
+            </a:r>
+            <a:endParaRPr lang="tr-TR" altLang="en-US" dirty="0">
+              <a:solidFill>
+                <a:srgbClr val="000000"/>
+              </a:solidFill>
+              <a:latin typeface="Courier New" panose="02070309020205020404" pitchFamily="49" charset="0"/>
+            </a:endParaRPr>
+          </a:p>
+          <a:p>
+            <a:endParaRPr lang="tr-TR" dirty="0"/>
+          </a:p>
+          <a:p>
+            <a:r>
+              <a:rPr lang="tr-TR" dirty="0"/>
+              <a:t>JJ : </a:t>
+            </a:r>
+            <a:r>
+              <a:rPr lang="tr-TR" dirty="0" err="1"/>
+              <a:t>adjective</a:t>
+            </a:r>
+            <a:endParaRPr lang="tr-TR" dirty="0"/>
+          </a:p>
+          <a:p>
+            <a:r>
+              <a:rPr lang="tr-TR" dirty="0"/>
+              <a:t>NP: </a:t>
+            </a:r>
+            <a:r>
+              <a:rPr lang="tr-TR" dirty="0" err="1"/>
+              <a:t>noun</a:t>
+            </a:r>
+            <a:r>
+              <a:rPr lang="tr-TR" dirty="0"/>
+              <a:t> </a:t>
+            </a:r>
+            <a:r>
+              <a:rPr lang="tr-TR" dirty="0" err="1"/>
+              <a:t>phrase</a:t>
+            </a:r>
+            <a:endParaRPr lang="tr-TR" dirty="0"/>
+          </a:p>
+          <a:p>
+            <a:r>
+              <a:rPr lang="tr-TR" dirty="0"/>
+              <a:t>S: </a:t>
+            </a:r>
+            <a:r>
+              <a:rPr lang="tr-TR" dirty="0" err="1"/>
+              <a:t>sentence</a:t>
+            </a:r>
+            <a:endParaRPr lang="tr-TR" dirty="0"/>
+          </a:p>
+          <a:p>
+            <a:r>
+              <a:rPr lang="tr-TR" dirty="0"/>
+              <a:t>DT: </a:t>
+            </a:r>
+            <a:r>
+              <a:rPr lang="tr-TR" dirty="0" err="1"/>
+              <a:t>determiner</a:t>
+            </a:r>
+            <a:endParaRPr lang="tr-TR" dirty="0"/>
+          </a:p>
+          <a:p>
+            <a:endParaRPr lang="tr-TR" dirty="0"/>
+          </a:p>
+          <a:p>
+            <a:endParaRPr lang="tr-TR" dirty="0"/>
+          </a:p>
+          <a:p>
+            <a:endParaRPr lang="en-US" dirty="0"/>
+          </a:p>
+        </p:txBody>
+      </p:sp>
+      <p:sp>
+        <p:nvSpPr>
+          <p:cNvPr id="10" name="Rectangle 2">
+            <a:extLst>
+              <a:ext uri="{FF2B5EF4-FFF2-40B4-BE49-F238E27FC236}">
+                <a16:creationId xmlns:a16="http://schemas.microsoft.com/office/drawing/2014/main" id="{533397CC-4E35-4F67-A77E-718FD9C60735}"/>
               </a:ext>
             </a:extLst>
           </p:cNvPr>
           <p:cNvSpPr>
-            <a:spLocks noGrp="1"/>
+            <a:spLocks noChangeArrowheads="1"/>
           </p:cNvSpPr>
-          <p:nvPr>
-            <p:ph idx="1"/>
-          </p:nvPr>
-        </p:nvSpPr>
-        <p:spPr/>
+          <p:nvPr/>
+        </p:nvSpPr>
+        <p:spPr bwMode="auto">
+          <a:xfrm>
+            <a:off x="0" y="90100"/>
+            <a:ext cx="65" cy="276999"/>
+          </a:xfrm>
+          <a:prstGeom prst="rect">
+            <a:avLst/>
+          </a:prstGeom>
+          <a:solidFill>
+            <a:srgbClr val="FFFFFF"/>
+          </a:solidFill>
+          <a:ln>
+            <a:noFill/>
+          </a:ln>
+          <a:effectLst/>
+          <a:extLst>
+            <a:ext uri="{91240B29-F687-4F45-9708-019B960494DF}">
+              <a14:hiddenLine xmlns:a14="http://schemas.microsoft.com/office/drawing/2010/main" w="9525">
+                <a:solidFill>
+                  <a:schemeClr val="tx1"/>
+                </a:solidFill>
+                <a:miter lim="800000"/>
+                <a:headEnd/>
+                <a:tailEnd/>
+              </a14:hiddenLine>
+            </a:ext>
+            <a:ext uri="{AF507438-7753-43E0-B8FC-AC1667EBCBE1}">
+              <a14:hiddenEffects xmlns:a14="http://schemas.microsoft.com/office/drawing/2010/main">
+                <a:effectLst>
+                  <a:outerShdw dist="35921" dir="2700000" algn="ctr" rotWithShape="0">
+                    <a:schemeClr val="bg2"/>
+                  </a:outerShdw>
+                </a:effectLst>
+              </a14:hiddenEffects>
+            </a:ext>
+          </a:extLst>
+        </p:spPr>
         <p:txBody>
-          <a:bodyPr/>
+          <a:bodyPr vert="horz" wrap="none" lIns="0" tIns="0" rIns="0" bIns="0" numCol="1" anchor="ctr" anchorCtr="0" compatLnSpc="1">
+            <a:prstTxWarp prst="textNoShape">
+              <a:avLst/>
+            </a:prstTxWarp>
+            <a:spAutoFit/>
+          </a:bodyPr>
           <a:lstStyle/>
           <a:p>
-            <a:endParaRPr lang="en-US" dirty="0"/>
+            <a:pPr marL="0" marR="0" lvl="0" indent="0" algn="l" defTabSz="914400" rtl="0" eaLnBrk="0" fontAlgn="base" latinLnBrk="0" hangingPunct="0">
+              <a:lnSpc>
+                <a:spcPct val="100000"/>
+              </a:lnSpc>
+              <a:spcBef>
+                <a:spcPct val="0"/>
+              </a:spcBef>
+              <a:spcAft>
+                <a:spcPct val="0"/>
+              </a:spcAft>
+              <a:buClrTx/>
+              <a:buSzTx/>
+              <a:buFontTx/>
+              <a:buNone/>
+              <a:tabLst/>
+            </a:pPr>
+            <a:endParaRPr kumimoji="0" lang="en-US" altLang="en-US" sz="1800" b="0" i="0" u="none" strike="noStrike" cap="none" normalizeH="0" baseline="0" dirty="0">
+              <a:ln>
+                <a:noFill/>
+              </a:ln>
+              <a:solidFill>
+                <a:schemeClr val="tx1"/>
+              </a:solidFill>
+              <a:effectLst/>
+              <a:latin typeface="Arial" panose="020B0604020202020204" pitchFamily="34" charset="0"/>
+            </a:endParaRPr>
           </a:p>
         </p:txBody>
       </p:sp>
+      <p:sp>
+        <p:nvSpPr>
+          <p:cNvPr id="12" name="Rectangle 4">
+            <a:extLst>
+              <a:ext uri="{FF2B5EF4-FFF2-40B4-BE49-F238E27FC236}">
+                <a16:creationId xmlns:a16="http://schemas.microsoft.com/office/drawing/2014/main" id="{7B0EA3CF-2A11-4ECA-9AA4-18D17A9BE32F}"/>
+              </a:ext>
+            </a:extLst>
+          </p:cNvPr>
+          <p:cNvSpPr>
+            <a:spLocks noChangeArrowheads="1"/>
+          </p:cNvSpPr>
+          <p:nvPr/>
+        </p:nvSpPr>
+        <p:spPr bwMode="auto">
+          <a:xfrm>
+            <a:off x="0" y="143961"/>
+            <a:ext cx="32060" cy="169277"/>
+          </a:xfrm>
+          <a:prstGeom prst="rect">
+            <a:avLst/>
+          </a:prstGeom>
+          <a:solidFill>
+            <a:srgbClr val="FFFFFF"/>
+          </a:solidFill>
+          <a:ln>
+            <a:noFill/>
+          </a:ln>
+          <a:effectLst/>
+          <a:extLst>
+            <a:ext uri="{91240B29-F687-4F45-9708-019B960494DF}">
+              <a14:hiddenLine xmlns:a14="http://schemas.microsoft.com/office/drawing/2010/main" w="9525">
+                <a:solidFill>
+                  <a:schemeClr val="tx1"/>
+                </a:solidFill>
+                <a:miter lim="800000"/>
+                <a:headEnd/>
+                <a:tailEnd/>
+              </a14:hiddenLine>
+            </a:ext>
+            <a:ext uri="{AF507438-7753-43E0-B8FC-AC1667EBCBE1}">
+              <a14:hiddenEffects xmlns:a14="http://schemas.microsoft.com/office/drawing/2010/main">
+                <a:effectLst>
+                  <a:outerShdw dist="35921" dir="2700000" algn="ctr" rotWithShape="0">
+                    <a:schemeClr val="bg2"/>
+                  </a:outerShdw>
+                </a:effectLst>
+              </a14:hiddenEffects>
+            </a:ext>
+          </a:extLst>
+        </p:spPr>
+        <p:txBody>
+          <a:bodyPr vert="horz" wrap="none" lIns="0" tIns="0" rIns="0" bIns="0" numCol="1" anchor="ctr" anchorCtr="0" compatLnSpc="1">
+            <a:prstTxWarp prst="textNoShape">
+              <a:avLst/>
+            </a:prstTxWarp>
+            <a:spAutoFit/>
+          </a:bodyPr>
+          <a:lstStyle/>
+          <a:p>
+            <a:pPr marL="0" marR="0" lvl="0" indent="0" algn="l" defTabSz="914400" rtl="0" eaLnBrk="0" fontAlgn="base" latinLnBrk="0" hangingPunct="0">
+              <a:lnSpc>
+                <a:spcPct val="100000"/>
+              </a:lnSpc>
+              <a:spcBef>
+                <a:spcPct val="0"/>
+              </a:spcBef>
+              <a:spcAft>
+                <a:spcPct val="0"/>
+              </a:spcAft>
+              <a:buClrTx/>
+              <a:buSzTx/>
+              <a:buFontTx/>
+              <a:buNone/>
+              <a:tabLst/>
+            </a:pPr>
+            <a:r>
+              <a:rPr kumimoji="0" lang="en-US" altLang="en-US" sz="1100" b="0" i="0" u="none" strike="noStrike" cap="none" normalizeH="0" baseline="0" dirty="0">
+                <a:ln>
+                  <a:noFill/>
+                </a:ln>
+                <a:solidFill>
+                  <a:schemeClr val="tx1"/>
+                </a:solidFill>
+                <a:effectLst/>
+              </a:rPr>
+              <a:t> </a:t>
+            </a:r>
+            <a:endParaRPr kumimoji="0" lang="en-US" altLang="en-US" sz="1800" b="0" i="0" u="none" strike="noStrike" cap="none" normalizeH="0" baseline="0" dirty="0">
+              <a:ln>
+                <a:noFill/>
+              </a:ln>
+              <a:solidFill>
+                <a:schemeClr val="tx1"/>
+              </a:solidFill>
+              <a:effectLst/>
+              <a:latin typeface="Arial" panose="020B0604020202020204" pitchFamily="34" charset="0"/>
+            </a:endParaRPr>
+          </a:p>
+        </p:txBody>
+      </p:sp>
+      <p:pic>
+        <p:nvPicPr>
+          <p:cNvPr id="4" name="Resim 3">
+            <a:extLst>
+              <a:ext uri="{FF2B5EF4-FFF2-40B4-BE49-F238E27FC236}">
+                <a16:creationId xmlns:a16="http://schemas.microsoft.com/office/drawing/2014/main" id="{C94D05BC-038B-485C-A242-E48564D9A2E1}"/>
+              </a:ext>
+            </a:extLst>
+          </p:cNvPr>
+          <p:cNvPicPr>
+            <a:picLocks noChangeAspect="1"/>
+          </p:cNvPicPr>
+          <p:nvPr/>
+        </p:nvPicPr>
+        <p:blipFill>
+          <a:blip r:embed="rId2"/>
+          <a:stretch>
+            <a:fillRect/>
+          </a:stretch>
+        </p:blipFill>
+        <p:spPr>
+          <a:xfrm>
+            <a:off x="1006821" y="1845734"/>
+            <a:ext cx="5119659" cy="2618522"/>
+          </a:xfrm>
+          <a:prstGeom prst="rect">
+            <a:avLst/>
+          </a:prstGeom>
+        </p:spPr>
+      </p:pic>
     </p:spTree>
     <p:extLst>
       <p:ext uri="{BB962C8B-B14F-4D97-AF65-F5344CB8AC3E}">
-        <p14:creationId xmlns:p14="http://schemas.microsoft.com/office/powerpoint/2010/main" val="3961645006"/>
+        <p14:creationId xmlns:p14="http://schemas.microsoft.com/office/powerpoint/2010/main" val="3320780258"/>
       </p:ext>
     </p:extLst>
   </p:cSld>
